--- a/OFRTechnologyTalk-11132020.pptx
+++ b/OFRTechnologyTalk-11132020.pptx
@@ -5,19 +5,20 @@
     <p:sldMasterId id="2147483741" r:id="rId1"/>
   </p:sldMasterIdLst>
   <p:notesMasterIdLst>
-    <p:notesMasterId r:id="rId12"/>
+    <p:notesMasterId r:id="rId13"/>
   </p:notesMasterIdLst>
   <p:sldIdLst>
     <p:sldId id="389" r:id="rId2"/>
     <p:sldId id="391" r:id="rId3"/>
     <p:sldId id="3252" r:id="rId4"/>
     <p:sldId id="3243" r:id="rId5"/>
-    <p:sldId id="3258" r:id="rId6"/>
-    <p:sldId id="3244" r:id="rId7"/>
-    <p:sldId id="3257" r:id="rId8"/>
-    <p:sldId id="3259" r:id="rId9"/>
-    <p:sldId id="3241" r:id="rId10"/>
-    <p:sldId id="3242" r:id="rId11"/>
+    <p:sldId id="3244" r:id="rId6"/>
+    <p:sldId id="3258" r:id="rId7"/>
+    <p:sldId id="3260" r:id="rId8"/>
+    <p:sldId id="3257" r:id="rId9"/>
+    <p:sldId id="3259" r:id="rId10"/>
+    <p:sldId id="3241" r:id="rId11"/>
+    <p:sldId id="3242" r:id="rId12"/>
   </p:sldIdLst>
   <p:sldSz cx="12192000" cy="6858000"/>
   <p:notesSz cx="6858000" cy="9144000"/>
@@ -217,7 +218,7 @@
           <a:p>
             <a:fld id="{4F9C25BA-F9B0-4418-8CA0-3A9DF1256BA5}" type="datetimeFigureOut">
               <a:rPr lang="en-US" smtClean="0"/>
-              <a:t>11/10/2020</a:t>
+              <a:t>11/12/2020</a:t>
             </a:fld>
             <a:endParaRPr lang="en-US"/>
           </a:p>
@@ -642,7 +643,7 @@
     </p:spTree>
     <p:extLst>
       <p:ext uri="{BB962C8B-B14F-4D97-AF65-F5344CB8AC3E}">
-        <p14:creationId xmlns:p14="http://schemas.microsoft.com/office/powerpoint/2010/main" val="3462584640"/>
+        <p14:creationId xmlns:p14="http://schemas.microsoft.com/office/powerpoint/2010/main" val="2376886265"/>
       </p:ext>
     </p:extLst>
   </p:cSld>
@@ -726,7 +727,7 @@
     </p:spTree>
     <p:extLst>
       <p:ext uri="{BB962C8B-B14F-4D97-AF65-F5344CB8AC3E}">
-        <p14:creationId xmlns:p14="http://schemas.microsoft.com/office/powerpoint/2010/main" val="2376886265"/>
+        <p14:creationId xmlns:p14="http://schemas.microsoft.com/office/powerpoint/2010/main" val="3462584640"/>
       </p:ext>
     </p:extLst>
   </p:cSld>
@@ -810,7 +811,7 @@
     </p:spTree>
     <p:extLst>
       <p:ext uri="{BB962C8B-B14F-4D97-AF65-F5344CB8AC3E}">
-        <p14:creationId xmlns:p14="http://schemas.microsoft.com/office/powerpoint/2010/main" val="1639159519"/>
+        <p14:creationId xmlns:p14="http://schemas.microsoft.com/office/powerpoint/2010/main" val="3812717038"/>
       </p:ext>
     </p:extLst>
   </p:cSld>
@@ -894,6 +895,90 @@
     </p:spTree>
     <p:extLst>
       <p:ext uri="{BB962C8B-B14F-4D97-AF65-F5344CB8AC3E}">
+        <p14:creationId xmlns:p14="http://schemas.microsoft.com/office/powerpoint/2010/main" val="1639159519"/>
+      </p:ext>
+    </p:extLst>
+  </p:cSld>
+  <p:clrMapOvr>
+    <a:masterClrMapping/>
+  </p:clrMapOvr>
+</p:notes>
+</file>
+
+<file path=ppt/notesSlides/notesSlide6.xml><?xml version="1.0" encoding="utf-8"?>
+<p:notes xmlns:a="http://schemas.openxmlformats.org/drawingml/2006/main" xmlns:r="http://schemas.openxmlformats.org/officeDocument/2006/relationships" xmlns:p="http://schemas.openxmlformats.org/presentationml/2006/main">
+  <p:cSld>
+    <p:spTree>
+      <p:nvGrpSpPr>
+        <p:cNvPr id="1" name=""/>
+        <p:cNvGrpSpPr/>
+        <p:nvPr/>
+      </p:nvGrpSpPr>
+      <p:grpSpPr>
+        <a:xfrm>
+          <a:off x="0" y="0"/>
+          <a:ext cx="0" cy="0"/>
+          <a:chOff x="0" y="0"/>
+          <a:chExt cx="0" cy="0"/>
+        </a:xfrm>
+      </p:grpSpPr>
+      <p:sp>
+        <p:nvSpPr>
+          <p:cNvPr id="2" name="Slide Image Placeholder 1"/>
+          <p:cNvSpPr>
+            <a:spLocks noGrp="1" noRot="1" noChangeAspect="1"/>
+          </p:cNvSpPr>
+          <p:nvPr>
+            <p:ph type="sldImg"/>
+          </p:nvPr>
+        </p:nvSpPr>
+        <p:spPr/>
+      </p:sp>
+      <p:sp>
+        <p:nvSpPr>
+          <p:cNvPr id="3" name="Notes Placeholder 2"/>
+          <p:cNvSpPr>
+            <a:spLocks noGrp="1"/>
+          </p:cNvSpPr>
+          <p:nvPr>
+            <p:ph type="body" idx="1"/>
+          </p:nvPr>
+        </p:nvSpPr>
+        <p:spPr/>
+        <p:txBody>
+          <a:bodyPr/>
+          <a:lstStyle/>
+          <a:p>
+            <a:endParaRPr lang="en-US" dirty="0"/>
+          </a:p>
+        </p:txBody>
+      </p:sp>
+      <p:sp>
+        <p:nvSpPr>
+          <p:cNvPr id="4" name="Slide Number Placeholder 3"/>
+          <p:cNvSpPr>
+            <a:spLocks noGrp="1"/>
+          </p:cNvSpPr>
+          <p:nvPr>
+            <p:ph type="sldNum" sz="quarter" idx="5"/>
+          </p:nvPr>
+        </p:nvSpPr>
+        <p:spPr/>
+        <p:txBody>
+          <a:bodyPr/>
+          <a:lstStyle/>
+          <a:p>
+            <a:fld id="{03B4AF31-9AA4-4253-9BE2-C951B6CFDB7A}" type="slidenum">
+              <a:rPr lang="en-US" smtClean="0"/>
+              <a:t>9</a:t>
+            </a:fld>
+            <a:endParaRPr lang="en-US" dirty="0"/>
+          </a:p>
+        </p:txBody>
+      </p:sp>
+    </p:spTree>
+    <p:extLst>
+      <p:ext uri="{BB962C8B-B14F-4D97-AF65-F5344CB8AC3E}">
         <p14:creationId xmlns:p14="http://schemas.microsoft.com/office/powerpoint/2010/main" val="686780871"/>
       </p:ext>
     </p:extLst>
@@ -934,7 +1019,7 @@
           <p:cNvPr id="12" name="Footer">
             <a:extLst>
               <a:ext uri="{FF2B5EF4-FFF2-40B4-BE49-F238E27FC236}">
-                <a16:creationId xmlns="" xmlns:a16="http://schemas.microsoft.com/office/drawing/2014/main" id="{6D1EB9E1-3178-A34F-8F8E-66C53D8516C6}"/>
+                <a16:creationId xmlns:a16="http://schemas.microsoft.com/office/drawing/2014/main" xmlns="" id="{6D1EB9E1-3178-A34F-8F8E-66C53D8516C6}"/>
               </a:ext>
             </a:extLst>
           </p:cNvPr>
@@ -978,7 +1063,7 @@
           <p:cNvPr id="6" name="Picture 5">
             <a:extLst>
               <a:ext uri="{FF2B5EF4-FFF2-40B4-BE49-F238E27FC236}">
-                <a16:creationId xmlns="" xmlns:a16="http://schemas.microsoft.com/office/drawing/2014/main" id="{9C5B6EAC-782C-414E-A7D8-28516812BB4D}"/>
+                <a16:creationId xmlns:a16="http://schemas.microsoft.com/office/drawing/2014/main" xmlns="" id="{9C5B6EAC-782C-414E-A7D8-28516812BB4D}"/>
               </a:ext>
             </a:extLst>
           </p:cNvPr>
@@ -1014,7 +1099,7 @@
           <p:cNvPr id="7" name="Picture 6">
             <a:extLst>
               <a:ext uri="{FF2B5EF4-FFF2-40B4-BE49-F238E27FC236}">
-                <a16:creationId xmlns="" xmlns:a16="http://schemas.microsoft.com/office/drawing/2014/main" id="{76ADCFA2-A02C-704F-8E9C-62AD1EE1E899}"/>
+                <a16:creationId xmlns:a16="http://schemas.microsoft.com/office/drawing/2014/main" xmlns="" id="{76ADCFA2-A02C-704F-8E9C-62AD1EE1E899}"/>
               </a:ext>
             </a:extLst>
           </p:cNvPr>
@@ -1099,7 +1184,7 @@
           <p:cNvPr id="12" name="Data Texture Cloud">
             <a:extLst>
               <a:ext uri="{FF2B5EF4-FFF2-40B4-BE49-F238E27FC236}">
-                <a16:creationId xmlns="" xmlns:a16="http://schemas.microsoft.com/office/drawing/2014/main" id="{1232875C-001D-FE46-B15E-BCC2DA970349}"/>
+                <a16:creationId xmlns:a16="http://schemas.microsoft.com/office/drawing/2014/main" xmlns="" id="{1232875C-001D-FE46-B15E-BCC2DA970349}"/>
               </a:ext>
             </a:extLst>
           </p:cNvPr>
@@ -1135,7 +1220,7 @@
           <p:cNvPr id="18" name="OTag">
             <a:extLst>
               <a:ext uri="{FF2B5EF4-FFF2-40B4-BE49-F238E27FC236}">
-                <a16:creationId xmlns="" xmlns:a16="http://schemas.microsoft.com/office/drawing/2014/main" id="{F65C325A-C973-E74C-AD41-1A4DFAE0BBEB}"/>
+                <a16:creationId xmlns:a16="http://schemas.microsoft.com/office/drawing/2014/main" xmlns="" id="{F65C325A-C973-E74C-AD41-1A4DFAE0BBEB}"/>
               </a:ext>
             </a:extLst>
           </p:cNvPr>
@@ -1171,7 +1256,7 @@
           <p:cNvPr id="14" name="Footer">
             <a:extLst>
               <a:ext uri="{FF2B5EF4-FFF2-40B4-BE49-F238E27FC236}">
-                <a16:creationId xmlns="" xmlns:a16="http://schemas.microsoft.com/office/drawing/2014/main" id="{8F5FEAFC-E730-6143-955B-B888D65BB03B}"/>
+                <a16:creationId xmlns:a16="http://schemas.microsoft.com/office/drawing/2014/main" xmlns="" id="{8F5FEAFC-E730-6143-955B-B888D65BB03B}"/>
               </a:ext>
             </a:extLst>
           </p:cNvPr>
@@ -1215,7 +1300,7 @@
           <p:cNvPr id="10" name="Slide Number">
             <a:extLst>
               <a:ext uri="{FF2B5EF4-FFF2-40B4-BE49-F238E27FC236}">
-                <a16:creationId xmlns="" xmlns:a16="http://schemas.microsoft.com/office/drawing/2014/main" id="{1E5257D9-94BC-EA48-90D5-9C33C6B01320}"/>
+                <a16:creationId xmlns:a16="http://schemas.microsoft.com/office/drawing/2014/main" xmlns="" id="{1E5257D9-94BC-EA48-90D5-9C33C6B01320}"/>
               </a:ext>
             </a:extLst>
           </p:cNvPr>
@@ -1261,7 +1346,7 @@
           <p:cNvPr id="13" name="Text Field">
             <a:extLst>
               <a:ext uri="{FF2B5EF4-FFF2-40B4-BE49-F238E27FC236}">
-                <a16:creationId xmlns="" xmlns:a16="http://schemas.microsoft.com/office/drawing/2014/main" id="{045207A1-9D66-724A-930C-C571DE4ABBA3}"/>
+                <a16:creationId xmlns:a16="http://schemas.microsoft.com/office/drawing/2014/main" xmlns="" id="{045207A1-9D66-724A-930C-C571DE4ABBA3}"/>
               </a:ext>
             </a:extLst>
           </p:cNvPr>
@@ -1324,7 +1409,7 @@
           <p:cNvPr id="33" name="Accent Mark">
             <a:extLst>
               <a:ext uri="{FF2B5EF4-FFF2-40B4-BE49-F238E27FC236}">
-                <a16:creationId xmlns="" xmlns:a16="http://schemas.microsoft.com/office/drawing/2014/main" id="{F8F561A6-16DC-7848-8FAE-BF35C0DBFABA}"/>
+                <a16:creationId xmlns:a16="http://schemas.microsoft.com/office/drawing/2014/main" xmlns="" id="{F8F561A6-16DC-7848-8FAE-BF35C0DBFABA}"/>
               </a:ext>
             </a:extLst>
           </p:cNvPr>
@@ -1368,7 +1453,7 @@
           <p:cNvPr id="30" name="Title">
             <a:extLst>
               <a:ext uri="{FF2B5EF4-FFF2-40B4-BE49-F238E27FC236}">
-                <a16:creationId xmlns="" xmlns:a16="http://schemas.microsoft.com/office/drawing/2014/main" id="{B798445E-3B2E-534C-BFFA-8DEA65B69CA1}"/>
+                <a16:creationId xmlns:a16="http://schemas.microsoft.com/office/drawing/2014/main" xmlns="" id="{B798445E-3B2E-534C-BFFA-8DEA65B69CA1}"/>
               </a:ext>
             </a:extLst>
           </p:cNvPr>
@@ -1417,7 +1502,7 @@
           <p:cNvPr id="29" name="Abstract Pattern Strip">
             <a:extLst>
               <a:ext uri="{FF2B5EF4-FFF2-40B4-BE49-F238E27FC236}">
-                <a16:creationId xmlns="" xmlns:a16="http://schemas.microsoft.com/office/drawing/2014/main" id="{97C41585-3E8F-3F44-8E67-F9A5553AB99D}"/>
+                <a16:creationId xmlns:a16="http://schemas.microsoft.com/office/drawing/2014/main" xmlns="" id="{97C41585-3E8F-3F44-8E67-F9A5553AB99D}"/>
               </a:ext>
             </a:extLst>
           </p:cNvPr>
@@ -1503,7 +1588,7 @@
           <p:cNvPr id="14" name="Data Texture Cloud">
             <a:extLst>
               <a:ext uri="{FF2B5EF4-FFF2-40B4-BE49-F238E27FC236}">
-                <a16:creationId xmlns="" xmlns:a16="http://schemas.microsoft.com/office/drawing/2014/main" id="{0080C163-77F3-9A4B-A059-12FFFC705F80}"/>
+                <a16:creationId xmlns:a16="http://schemas.microsoft.com/office/drawing/2014/main" xmlns="" id="{0080C163-77F3-9A4B-A059-12FFFC705F80}"/>
               </a:ext>
             </a:extLst>
           </p:cNvPr>
@@ -1539,7 +1624,7 @@
           <p:cNvPr id="10" name="OTag">
             <a:extLst>
               <a:ext uri="{FF2B5EF4-FFF2-40B4-BE49-F238E27FC236}">
-                <a16:creationId xmlns="" xmlns:a16="http://schemas.microsoft.com/office/drawing/2014/main" id="{ACACB2B4-7B71-9C4C-986F-8528A7AE7392}"/>
+                <a16:creationId xmlns:a16="http://schemas.microsoft.com/office/drawing/2014/main" xmlns="" id="{ACACB2B4-7B71-9C4C-986F-8528A7AE7392}"/>
               </a:ext>
             </a:extLst>
           </p:cNvPr>
@@ -1575,7 +1660,7 @@
           <p:cNvPr id="9" name="Footer">
             <a:extLst>
               <a:ext uri="{FF2B5EF4-FFF2-40B4-BE49-F238E27FC236}">
-                <a16:creationId xmlns="" xmlns:a16="http://schemas.microsoft.com/office/drawing/2014/main" id="{F8A11974-1B05-3142-902C-0DFEB16D0BB7}"/>
+                <a16:creationId xmlns:a16="http://schemas.microsoft.com/office/drawing/2014/main" xmlns="" id="{F8A11974-1B05-3142-902C-0DFEB16D0BB7}"/>
               </a:ext>
             </a:extLst>
           </p:cNvPr>
@@ -1619,7 +1704,7 @@
           <p:cNvPr id="8" name="Slide Number">
             <a:extLst>
               <a:ext uri="{FF2B5EF4-FFF2-40B4-BE49-F238E27FC236}">
-                <a16:creationId xmlns="" xmlns:a16="http://schemas.microsoft.com/office/drawing/2014/main" id="{0462D45F-6FA9-224B-ABF3-CE2CA4B78F68}"/>
+                <a16:creationId xmlns:a16="http://schemas.microsoft.com/office/drawing/2014/main" xmlns="" id="{0462D45F-6FA9-224B-ABF3-CE2CA4B78F68}"/>
               </a:ext>
             </a:extLst>
           </p:cNvPr>
@@ -1665,7 +1750,7 @@
           <p:cNvPr id="7" name="Abstract Pattern Strip">
             <a:extLst>
               <a:ext uri="{FF2B5EF4-FFF2-40B4-BE49-F238E27FC236}">
-                <a16:creationId xmlns="" xmlns:a16="http://schemas.microsoft.com/office/drawing/2014/main" id="{1C6BA009-6898-4544-B36F-423AA2D6FE5D}"/>
+                <a16:creationId xmlns:a16="http://schemas.microsoft.com/office/drawing/2014/main" xmlns="" id="{1C6BA009-6898-4544-B36F-423AA2D6FE5D}"/>
               </a:ext>
             </a:extLst>
           </p:cNvPr>
@@ -1751,7 +1836,7 @@
           <p:cNvPr id="14" name="Abstract Illustration">
             <a:extLst>
               <a:ext uri="{FF2B5EF4-FFF2-40B4-BE49-F238E27FC236}">
-                <a16:creationId xmlns:a16="http://schemas.microsoft.com/office/drawing/2014/main" xmlns="" id="{49F92AE8-C0F0-CF4B-B569-964245B00416}"/>
+                <a16:creationId xmlns="" xmlns:a16="http://schemas.microsoft.com/office/drawing/2014/main" id="{49F92AE8-C0F0-CF4B-B569-964245B00416}"/>
               </a:ext>
             </a:extLst>
           </p:cNvPr>
@@ -1786,7 +1871,7 @@
           <p:cNvPr id="26" name="OTag">
             <a:extLst>
               <a:ext uri="{FF2B5EF4-FFF2-40B4-BE49-F238E27FC236}">
-                <a16:creationId xmlns:a16="http://schemas.microsoft.com/office/drawing/2014/main" xmlns="" id="{42D6F87D-23AA-1D42-BDBA-F6833AC9A0E3}"/>
+                <a16:creationId xmlns="" xmlns:a16="http://schemas.microsoft.com/office/drawing/2014/main" id="{42D6F87D-23AA-1D42-BDBA-F6833AC9A0E3}"/>
               </a:ext>
             </a:extLst>
           </p:cNvPr>
@@ -1822,7 +1907,7 @@
           <p:cNvPr id="15" name="Footer">
             <a:extLst>
               <a:ext uri="{FF2B5EF4-FFF2-40B4-BE49-F238E27FC236}">
-                <a16:creationId xmlns:a16="http://schemas.microsoft.com/office/drawing/2014/main" xmlns="" id="{AC796A58-6878-0644-885E-17721EE64E2C}"/>
+                <a16:creationId xmlns="" xmlns:a16="http://schemas.microsoft.com/office/drawing/2014/main" id="{AC796A58-6878-0644-885E-17721EE64E2C}"/>
               </a:ext>
             </a:extLst>
           </p:cNvPr>
@@ -1866,7 +1951,7 @@
           <p:cNvPr id="16" name="Slide Number">
             <a:extLst>
               <a:ext uri="{FF2B5EF4-FFF2-40B4-BE49-F238E27FC236}">
-                <a16:creationId xmlns:a16="http://schemas.microsoft.com/office/drawing/2014/main" xmlns="" id="{D3FFBA5B-62FF-264E-B8E4-FF1CAC709E11}"/>
+                <a16:creationId xmlns="" xmlns:a16="http://schemas.microsoft.com/office/drawing/2014/main" id="{D3FFBA5B-62FF-264E-B8E4-FF1CAC709E11}"/>
               </a:ext>
             </a:extLst>
           </p:cNvPr>
@@ -1912,7 +1997,7 @@
           <p:cNvPr id="10" name="Text Field">
             <a:extLst>
               <a:ext uri="{FF2B5EF4-FFF2-40B4-BE49-F238E27FC236}">
-                <a16:creationId xmlns:a16="http://schemas.microsoft.com/office/drawing/2014/main" xmlns="" id="{283762D0-0D31-A347-AD9E-095398CD17C5}"/>
+                <a16:creationId xmlns="" xmlns:a16="http://schemas.microsoft.com/office/drawing/2014/main" id="{283762D0-0D31-A347-AD9E-095398CD17C5}"/>
               </a:ext>
             </a:extLst>
           </p:cNvPr>
@@ -1952,7 +2037,7 @@
           <p:cNvPr id="11" name="Text Field">
             <a:extLst>
               <a:ext uri="{FF2B5EF4-FFF2-40B4-BE49-F238E27FC236}">
-                <a16:creationId xmlns:a16="http://schemas.microsoft.com/office/drawing/2014/main" xmlns="" id="{F273E805-B8FF-F84B-99E6-4636F8BD3EBF}"/>
+                <a16:creationId xmlns="" xmlns:a16="http://schemas.microsoft.com/office/drawing/2014/main" id="{F273E805-B8FF-F84B-99E6-4636F8BD3EBF}"/>
               </a:ext>
             </a:extLst>
           </p:cNvPr>
@@ -1992,7 +2077,7 @@
           <p:cNvPr id="13" name="Accent Mark">
             <a:extLst>
               <a:ext uri="{FF2B5EF4-FFF2-40B4-BE49-F238E27FC236}">
-                <a16:creationId xmlns:a16="http://schemas.microsoft.com/office/drawing/2014/main" xmlns="" id="{8E2FAFB4-C5ED-BC4A-844D-BB78D3D28B90}"/>
+                <a16:creationId xmlns="" xmlns:a16="http://schemas.microsoft.com/office/drawing/2014/main" id="{8E2FAFB4-C5ED-BC4A-844D-BB78D3D28B90}"/>
               </a:ext>
             </a:extLst>
           </p:cNvPr>
@@ -2036,7 +2121,7 @@
           <p:cNvPr id="12" name="Thank You">
             <a:extLst>
               <a:ext uri="{FF2B5EF4-FFF2-40B4-BE49-F238E27FC236}">
-                <a16:creationId xmlns:a16="http://schemas.microsoft.com/office/drawing/2014/main" xmlns="" id="{1A667D4A-FE6C-2E44-8B9A-7F595154584C}"/>
+                <a16:creationId xmlns="" xmlns:a16="http://schemas.microsoft.com/office/drawing/2014/main" id="{1A667D4A-FE6C-2E44-8B9A-7F595154584C}"/>
               </a:ext>
             </a:extLst>
           </p:cNvPr>
@@ -2139,7 +2224,7 @@
           <p:cNvPr id="2" name="Title Placeholder 1">
             <a:extLst>
               <a:ext uri="{FF2B5EF4-FFF2-40B4-BE49-F238E27FC236}">
-                <a16:creationId xmlns="" xmlns:a16="http://schemas.microsoft.com/office/drawing/2014/main" id="{8A70F255-3C2A-4AC7-8935-184146E3B6D6}"/>
+                <a16:creationId xmlns:a16="http://schemas.microsoft.com/office/drawing/2014/main" xmlns="" id="{8A70F255-3C2A-4AC7-8935-184146E3B6D6}"/>
               </a:ext>
             </a:extLst>
           </p:cNvPr>
@@ -2177,7 +2262,7 @@
           <p:cNvPr id="18" name="Footer">
             <a:extLst>
               <a:ext uri="{FF2B5EF4-FFF2-40B4-BE49-F238E27FC236}">
-                <a16:creationId xmlns="" xmlns:a16="http://schemas.microsoft.com/office/drawing/2014/main" id="{8E003242-6B91-1949-A5CA-15BA57A045C9}"/>
+                <a16:creationId xmlns:a16="http://schemas.microsoft.com/office/drawing/2014/main" xmlns="" id="{8E003242-6B91-1949-A5CA-15BA57A045C9}"/>
               </a:ext>
             </a:extLst>
           </p:cNvPr>
@@ -2221,7 +2306,7 @@
           <p:cNvPr id="5" name="Text Placeholder 4">
             <a:extLst>
               <a:ext uri="{FF2B5EF4-FFF2-40B4-BE49-F238E27FC236}">
-                <a16:creationId xmlns="" xmlns:a16="http://schemas.microsoft.com/office/drawing/2014/main" id="{2F704250-C0B4-A84F-9EB2-31C880A9C2D6}"/>
+                <a16:creationId xmlns:a16="http://schemas.microsoft.com/office/drawing/2014/main" xmlns="" id="{2F704250-C0B4-A84F-9EB2-31C880A9C2D6}"/>
               </a:ext>
             </a:extLst>
           </p:cNvPr>
@@ -2670,7 +2755,7 @@
           <p:cNvPr id="3" name="TextBox 2">
             <a:extLst>
               <a:ext uri="{FF2B5EF4-FFF2-40B4-BE49-F238E27FC236}">
-                <a16:creationId xmlns="" xmlns:a16="http://schemas.microsoft.com/office/drawing/2014/main" id="{B2ADAFE0-1CAA-FF4B-919A-892DD0DF9C59}"/>
+                <a16:creationId xmlns:a16="http://schemas.microsoft.com/office/drawing/2014/main" xmlns="" id="{B2ADAFE0-1CAA-FF4B-919A-892DD0DF9C59}"/>
               </a:ext>
             </a:extLst>
           </p:cNvPr>
@@ -2680,7 +2765,7 @@
         <p:spPr>
           <a:xfrm>
             <a:off x="2108201" y="5283481"/>
-            <a:ext cx="3987799" cy="923330"/>
+            <a:ext cx="9185875" cy="923330"/>
           </a:xfrm>
           <a:prstGeom prst="rect">
             <a:avLst/>
@@ -2737,7 +2822,7 @@
           <p:cNvPr id="8" name="Title 1">
             <a:extLst>
               <a:ext uri="{FF2B5EF4-FFF2-40B4-BE49-F238E27FC236}">
-                <a16:creationId xmlns="" xmlns:a16="http://schemas.microsoft.com/office/drawing/2014/main" id="{04761533-698B-DC4C-AA2F-48DAC0505FE0}"/>
+                <a16:creationId xmlns:a16="http://schemas.microsoft.com/office/drawing/2014/main" xmlns="" id="{04761533-698B-DC4C-AA2F-48DAC0505FE0}"/>
               </a:ext>
             </a:extLst>
           </p:cNvPr>
@@ -2815,18 +2900,7 @@
                 <a:ea typeface="+mj-ea"/>
                 <a:cs typeface="Oracle Sans" panose="020B0503020204020204" pitchFamily="34" charset="0"/>
               </a:rPr>
-              <a:t>OCI Command line Interface</a:t>
-            </a:r>
-            <a:r>
-              <a:rPr lang="en-US" sz="3200" dirty="0" smtClean="0">
-                <a:solidFill>
-                  <a:prstClr val="white"/>
-                </a:solidFill>
-                <a:latin typeface="Georgia" panose="02040502050405020303" pitchFamily="18" charset="0"/>
-                <a:ea typeface="+mj-ea"/>
-                <a:cs typeface="Oracle Sans" panose="020B0503020204020204" pitchFamily="34" charset="0"/>
-              </a:rPr>
-              <a:t> for Researchers</a:t>
+              <a:t>OCI Command line Interface for Researchers</a:t>
             </a:r>
             <a:endParaRPr lang="en-US" sz="3200" dirty="0">
               <a:solidFill>
@@ -2844,7 +2918,7 @@
           <p:cNvPr id="9" name="TextBox 8">
             <a:extLst>
               <a:ext uri="{FF2B5EF4-FFF2-40B4-BE49-F238E27FC236}">
-                <a16:creationId xmlns="" xmlns:a16="http://schemas.microsoft.com/office/drawing/2014/main" id="{7A3FE5A4-DE9A-F443-A167-ED190C82D950}"/>
+                <a16:creationId xmlns:a16="http://schemas.microsoft.com/office/drawing/2014/main" xmlns="" id="{7A3FE5A4-DE9A-F443-A167-ED190C82D950}"/>
               </a:ext>
             </a:extLst>
           </p:cNvPr>
@@ -2885,47 +2959,27 @@
                 <a:latin typeface="Oracle Sans Light" panose="020B0403020204020204" pitchFamily="34" charset="0"/>
                 <a:cs typeface="Oracle Sans Light" panose="020B0403020204020204" pitchFamily="34" charset="0"/>
               </a:rPr>
-              <a:t>November</a:t>
-            </a:r>
-            <a:r>
-              <a:rPr lang="en-US" sz="2800" dirty="0" smtClean="0">
+              <a:t>November </a:t>
+            </a:r>
+            <a:r>
+              <a:rPr lang="en-US" sz="2800" dirty="0">
                 <a:solidFill>
                   <a:schemeClr val="bg1"/>
                 </a:solidFill>
                 <a:latin typeface="Oracle Sans Light" panose="020B0403020204020204" pitchFamily="34" charset="0"/>
                 <a:cs typeface="Oracle Sans Light" panose="020B0403020204020204" pitchFamily="34" charset="0"/>
               </a:rPr>
-              <a:t> </a:t>
-            </a:r>
-            <a:r>
-              <a:rPr lang="en-US" sz="2800" dirty="0">
+              <a:t>1</a:t>
+            </a:r>
+            <a:r>
+              <a:rPr lang="en-US" sz="2800" dirty="0" smtClean="0">
                 <a:solidFill>
                   <a:schemeClr val="bg1"/>
                 </a:solidFill>
                 <a:latin typeface="Oracle Sans Light" panose="020B0403020204020204" pitchFamily="34" charset="0"/>
                 <a:cs typeface="Oracle Sans Light" panose="020B0403020204020204" pitchFamily="34" charset="0"/>
               </a:rPr>
-              <a:t>1</a:t>
-            </a:r>
-            <a:r>
-              <a:rPr lang="en-US" sz="2800" dirty="0" smtClean="0">
-                <a:solidFill>
-                  <a:schemeClr val="bg1"/>
-                </a:solidFill>
-                <a:latin typeface="Oracle Sans Light" panose="020B0403020204020204" pitchFamily="34" charset="0"/>
-                <a:cs typeface="Oracle Sans Light" panose="020B0403020204020204" pitchFamily="34" charset="0"/>
-              </a:rPr>
-              <a:t>3</a:t>
-            </a:r>
-            <a:r>
-              <a:rPr lang="en-US" sz="2800" dirty="0" smtClean="0">
-                <a:solidFill>
-                  <a:schemeClr val="bg1"/>
-                </a:solidFill>
-                <a:latin typeface="Oracle Sans Light" panose="020B0403020204020204" pitchFamily="34" charset="0"/>
-                <a:cs typeface="Oracle Sans Light" panose="020B0403020204020204" pitchFamily="34" charset="0"/>
-              </a:rPr>
-              <a:t>, </a:t>
+              <a:t>3, </a:t>
             </a:r>
             <a:r>
               <a:rPr lang="en-US" sz="2800" dirty="0">
@@ -2957,7 +3011,7 @@
           <p:cNvPr id="5" name="Picture 4">
             <a:extLst>
               <a:ext uri="{FF2B5EF4-FFF2-40B4-BE49-F238E27FC236}">
-                <a16:creationId xmlns="" xmlns:a16="http://schemas.microsoft.com/office/drawing/2014/main" id="{10843A28-72DE-4D4A-A9CB-CC49D63ADCC4}"/>
+                <a16:creationId xmlns:a16="http://schemas.microsoft.com/office/drawing/2014/main" xmlns="" id="{10843A28-72DE-4D4A-A9CB-CC49D63ADCC4}"/>
               </a:ext>
             </a:extLst>
           </p:cNvPr>
@@ -2993,7 +3047,7 @@
           <p:cNvPr id="13" name="Rectangle 12">
             <a:extLst>
               <a:ext uri="{FF2B5EF4-FFF2-40B4-BE49-F238E27FC236}">
-                <a16:creationId xmlns="" xmlns:a16="http://schemas.microsoft.com/office/drawing/2014/main" id="{0E8E37B4-B4ED-434B-A3F5-231EADD1C3A8}"/>
+                <a16:creationId xmlns:a16="http://schemas.microsoft.com/office/drawing/2014/main" xmlns="" id="{0E8E37B4-B4ED-434B-A3F5-231EADD1C3A8}"/>
               </a:ext>
             </a:extLst>
           </p:cNvPr>
@@ -3094,7 +3148,7 @@
           <p:cNvPr id="8" name="Title 1">
             <a:extLst>
               <a:ext uri="{FF2B5EF4-FFF2-40B4-BE49-F238E27FC236}">
-                <a16:creationId xmlns="" xmlns:a16="http://schemas.microsoft.com/office/drawing/2014/main" id="{04761533-698B-DC4C-AA2F-48DAC0505FE0}"/>
+                <a16:creationId xmlns:a16="http://schemas.microsoft.com/office/drawing/2014/main" xmlns="" id="{04761533-698B-DC4C-AA2F-48DAC0505FE0}"/>
               </a:ext>
             </a:extLst>
           </p:cNvPr>
@@ -3105,8 +3159,8 @@
         </p:nvSpPr>
         <p:spPr>
           <a:xfrm>
-            <a:off x="2204431" y="1988624"/>
-            <a:ext cx="9031980" cy="777380"/>
+            <a:off x="2204431" y="2300861"/>
+            <a:ext cx="8779520" cy="777380"/>
           </a:xfrm>
           <a:prstGeom prst="rect">
             <a:avLst/>
@@ -3164,7 +3218,7 @@
               </a:lnSpc>
             </a:pPr>
             <a:r>
-              <a:rPr lang="en-US" sz="3200" dirty="0">
+              <a:rPr lang="en-US" sz="3200" dirty="0" smtClean="0">
                 <a:solidFill>
                   <a:prstClr val="white"/>
                 </a:solidFill>
@@ -3172,10 +3226,10 @@
                 <a:ea typeface="+mj-ea"/>
                 <a:cs typeface="Oracle Sans" panose="020B0503020204020204" pitchFamily="34" charset="0"/>
               </a:rPr>
-              <a:t>Oracle </a:t>
-            </a:r>
-            <a:r>
-              <a:rPr lang="en-US" sz="3200" dirty="0" smtClean="0">
+              <a:t>Oracle command line interface for </a:t>
+            </a:r>
+            <a:r>
+              <a:rPr lang="en-US" sz="3200" dirty="0">
                 <a:solidFill>
                   <a:prstClr val="white"/>
                 </a:solidFill>
@@ -3183,18 +3237,48 @@
                 <a:ea typeface="+mj-ea"/>
                 <a:cs typeface="Oracle Sans" panose="020B0503020204020204" pitchFamily="34" charset="0"/>
               </a:rPr>
-              <a:t>Command line interface for </a:t>
-            </a:r>
-            <a:r>
-              <a:rPr lang="en-US" sz="3200" dirty="0">
-                <a:solidFill>
-                  <a:prstClr val="white"/>
-                </a:solidFill>
-                <a:latin typeface="Georgia" panose="02040502050405020303" pitchFamily="18" charset="0"/>
-                <a:ea typeface="+mj-ea"/>
-                <a:cs typeface="Oracle Sans" panose="020B0503020204020204" pitchFamily="34" charset="0"/>
-              </a:rPr>
               <a:t>Researchers</a:t>
+            </a:r>
+          </a:p>
+        </p:txBody>
+      </p:sp>
+      <p:sp>
+        <p:nvSpPr>
+          <p:cNvPr id="9" name="TextBox 8">
+            <a:extLst>
+              <a:ext uri="{FF2B5EF4-FFF2-40B4-BE49-F238E27FC236}">
+                <a16:creationId xmlns:a16="http://schemas.microsoft.com/office/drawing/2014/main" xmlns="" id="{7A3FE5A4-DE9A-F443-A167-ED190C82D950}"/>
+              </a:ext>
+            </a:extLst>
+          </p:cNvPr>
+          <p:cNvSpPr txBox="1"/>
+          <p:nvPr/>
+        </p:nvSpPr>
+        <p:spPr>
+          <a:xfrm>
+            <a:off x="2204430" y="4134684"/>
+            <a:ext cx="7920877" cy="615553"/>
+          </a:xfrm>
+          <a:prstGeom prst="rect">
+            <a:avLst/>
+          </a:prstGeom>
+          <a:noFill/>
+        </p:spPr>
+        <p:txBody>
+          <a:bodyPr wrap="square" lIns="0" tIns="0" rIns="0" bIns="0" rtlCol="0">
+            <a:spAutoFit/>
+          </a:bodyPr>
+          <a:lstStyle/>
+          <a:p>
+            <a:r>
+              <a:rPr lang="en-US" sz="4000" dirty="0">
+                <a:solidFill>
+                  <a:schemeClr val="bg1"/>
+                </a:solidFill>
+                <a:latin typeface="Oracle Sans Light" panose="020B0403020204020204" pitchFamily="34" charset="0"/>
+                <a:cs typeface="Oracle Sans Light" panose="020B0403020204020204" pitchFamily="34" charset="0"/>
+              </a:rPr>
+              <a:t>Questions, Answers &amp; Discussion</a:t>
             </a:r>
           </a:p>
         </p:txBody>
@@ -3204,7 +3288,7 @@
           <p:cNvPr id="5" name="Picture 4">
             <a:extLst>
               <a:ext uri="{FF2B5EF4-FFF2-40B4-BE49-F238E27FC236}">
-                <a16:creationId xmlns="" xmlns:a16="http://schemas.microsoft.com/office/drawing/2014/main" id="{10843A28-72DE-4D4A-A9CB-CC49D63ADCC4}"/>
+                <a16:creationId xmlns:a16="http://schemas.microsoft.com/office/drawing/2014/main" xmlns="" id="{10843A28-72DE-4D4A-A9CB-CC49D63ADCC4}"/>
               </a:ext>
             </a:extLst>
           </p:cNvPr>
@@ -3240,7 +3324,7 @@
           <p:cNvPr id="13" name="Rectangle 12">
             <a:extLst>
               <a:ext uri="{FF2B5EF4-FFF2-40B4-BE49-F238E27FC236}">
-                <a16:creationId xmlns="" xmlns:a16="http://schemas.microsoft.com/office/drawing/2014/main" id="{0E8E37B4-B4ED-434B-A3F5-231EADD1C3A8}"/>
+                <a16:creationId xmlns:a16="http://schemas.microsoft.com/office/drawing/2014/main" xmlns="" id="{0E8E37B4-B4ED-434B-A3F5-231EADD1C3A8}"/>
               </a:ext>
             </a:extLst>
           </p:cNvPr>
@@ -3287,12 +3371,259 @@
           </a:p>
         </p:txBody>
       </p:sp>
+    </p:spTree>
+    <p:extLst>
+      <p:ext uri="{BB962C8B-B14F-4D97-AF65-F5344CB8AC3E}">
+        <p14:creationId xmlns:p14="http://schemas.microsoft.com/office/powerpoint/2010/main" val="2882968853"/>
+      </p:ext>
+    </p:extLst>
+  </p:cSld>
+  <p:clrMapOvr>
+    <a:masterClrMapping/>
+  </p:clrMapOvr>
+  <mc:AlternateContent xmlns:mc="http://schemas.openxmlformats.org/markup-compatibility/2006" xmlns:p14="http://schemas.microsoft.com/office/powerpoint/2010/main">
+    <mc:Choice Requires="p14">
+      <p:transition spd="med" p14:dur="700">
+        <p:fade/>
+      </p:transition>
+    </mc:Choice>
+    <mc:Fallback xmlns="">
+      <p:transition spd="med">
+        <p:fade/>
+      </p:transition>
+    </mc:Fallback>
+  </mc:AlternateContent>
+  <p:timing>
+    <p:tnLst>
+      <p:par>
+        <p:cTn id="1" dur="indefinite" restart="never" nodeType="tmRoot"/>
+      </p:par>
+    </p:tnLst>
+  </p:timing>
+</p:sld>
+</file>
+
+<file path=ppt/slides/slide11.xml><?xml version="1.0" encoding="utf-8"?>
+<p:sld xmlns:a="http://schemas.openxmlformats.org/drawingml/2006/main" xmlns:r="http://schemas.openxmlformats.org/officeDocument/2006/relationships" xmlns:p="http://schemas.openxmlformats.org/presentationml/2006/main">
+  <p:cSld>
+    <p:spTree>
+      <p:nvGrpSpPr>
+        <p:cNvPr id="1" name=""/>
+        <p:cNvGrpSpPr/>
+        <p:nvPr/>
+      </p:nvGrpSpPr>
+      <p:grpSpPr>
+        <a:xfrm>
+          <a:off x="0" y="0"/>
+          <a:ext cx="0" cy="0"/>
+          <a:chOff x="0" y="0"/>
+          <a:chExt cx="0" cy="0"/>
+        </a:xfrm>
+      </p:grpSpPr>
+      <p:sp>
+        <p:nvSpPr>
+          <p:cNvPr id="8" name="Title 1">
+            <a:extLst>
+              <a:ext uri="{FF2B5EF4-FFF2-40B4-BE49-F238E27FC236}">
+                <a16:creationId xmlns:a16="http://schemas.microsoft.com/office/drawing/2014/main" xmlns="" id="{04761533-698B-DC4C-AA2F-48DAC0505FE0}"/>
+              </a:ext>
+            </a:extLst>
+          </p:cNvPr>
+          <p:cNvSpPr txBox="1">
+            <a:spLocks/>
+          </p:cNvSpPr>
+          <p:nvPr/>
+        </p:nvSpPr>
+        <p:spPr>
+          <a:xfrm>
+            <a:off x="2204431" y="1988624"/>
+            <a:ext cx="9031980" cy="777380"/>
+          </a:xfrm>
+          <a:prstGeom prst="rect">
+            <a:avLst/>
+          </a:prstGeom>
+          <a:noFill/>
+        </p:spPr>
+        <p:txBody>
+          <a:bodyPr vert="horz" lIns="0" tIns="45720" rIns="0" bIns="45720" rtlCol="0" anchor="b">
+            <a:noAutofit/>
+          </a:bodyPr>
+          <a:lstStyle>
+            <a:lvl1pPr algn="l" defTabSz="914400" rtl="0" eaLnBrk="1" latinLnBrk="0" hangingPunct="1">
+              <a:lnSpc>
+                <a:spcPct val="90000"/>
+              </a:lnSpc>
+              <a:spcBef>
+                <a:spcPct val="0"/>
+              </a:spcBef>
+              <a:buNone/>
+              <a:defRPr lang="en-US" sz="1600" kern="1200">
+                <a:solidFill>
+                  <a:schemeClr val="bg1"/>
+                </a:solidFill>
+                <a:latin typeface="Oracle Sans Extra Bold" panose="020B0803020204020204" pitchFamily="34" charset="0"/>
+                <a:ea typeface="+mn-ea"/>
+                <a:cs typeface="Oracle Sans Extra Bold" panose="020B0803020204020204" pitchFamily="34" charset="0"/>
+              </a:defRPr>
+            </a:lvl1pPr>
+          </a:lstStyle>
+          <a:p>
+            <a:pPr>
+              <a:lnSpc>
+                <a:spcPts val="4600"/>
+              </a:lnSpc>
+              <a:spcAft>
+                <a:spcPts val="1200"/>
+              </a:spcAft>
+            </a:pPr>
+            <a:r>
+              <a:rPr lang="en-US" sz="2600" dirty="0">
+                <a:solidFill>
+                  <a:prstClr val="white"/>
+                </a:solidFill>
+                <a:latin typeface="Oracle Sans Light" panose="020B0403020204020204" pitchFamily="34" charset="0"/>
+                <a:ea typeface="+mj-ea"/>
+                <a:cs typeface="Oracle Sans Light" panose="020B0403020204020204" pitchFamily="34" charset="0"/>
+              </a:rPr>
+              <a:t>TECH TALK: </a:t>
+            </a:r>
+          </a:p>
+          <a:p>
+            <a:pPr>
+              <a:lnSpc>
+                <a:spcPct val="100000"/>
+              </a:lnSpc>
+            </a:pPr>
+            <a:r>
+              <a:rPr lang="en-US" sz="3200" dirty="0">
+                <a:solidFill>
+                  <a:prstClr val="white"/>
+                </a:solidFill>
+                <a:latin typeface="Georgia" panose="02040502050405020303" pitchFamily="18" charset="0"/>
+                <a:ea typeface="+mj-ea"/>
+                <a:cs typeface="Oracle Sans" panose="020B0503020204020204" pitchFamily="34" charset="0"/>
+              </a:rPr>
+              <a:t>Oracle </a:t>
+            </a:r>
+            <a:r>
+              <a:rPr lang="en-US" sz="3200" dirty="0" smtClean="0">
+                <a:solidFill>
+                  <a:prstClr val="white"/>
+                </a:solidFill>
+                <a:latin typeface="Georgia" panose="02040502050405020303" pitchFamily="18" charset="0"/>
+                <a:ea typeface="+mj-ea"/>
+                <a:cs typeface="Oracle Sans" panose="020B0503020204020204" pitchFamily="34" charset="0"/>
+              </a:rPr>
+              <a:t>Command line interface for </a:t>
+            </a:r>
+            <a:r>
+              <a:rPr lang="en-US" sz="3200" dirty="0">
+                <a:solidFill>
+                  <a:prstClr val="white"/>
+                </a:solidFill>
+                <a:latin typeface="Georgia" panose="02040502050405020303" pitchFamily="18" charset="0"/>
+                <a:ea typeface="+mj-ea"/>
+                <a:cs typeface="Oracle Sans" panose="020B0503020204020204" pitchFamily="34" charset="0"/>
+              </a:rPr>
+              <a:t>Researchers</a:t>
+            </a:r>
+          </a:p>
+        </p:txBody>
+      </p:sp>
+      <p:pic>
+        <p:nvPicPr>
+          <p:cNvPr id="5" name="Picture 4">
+            <a:extLst>
+              <a:ext uri="{FF2B5EF4-FFF2-40B4-BE49-F238E27FC236}">
+                <a16:creationId xmlns:a16="http://schemas.microsoft.com/office/drawing/2014/main" xmlns="" id="{10843A28-72DE-4D4A-A9CB-CC49D63ADCC4}"/>
+              </a:ext>
+            </a:extLst>
+          </p:cNvPr>
+          <p:cNvPicPr>
+            <a:picLocks noChangeAspect="1"/>
+          </p:cNvPicPr>
+          <p:nvPr/>
+        </p:nvPicPr>
+        <p:blipFill>
+          <a:blip r:embed="rId2">
+            <a:extLst>
+              <a:ext uri="{28A0092B-C50C-407E-A947-70E740481C1C}">
+                <a14:useLocalDpi xmlns:a14="http://schemas.microsoft.com/office/drawing/2010/main" val="0"/>
+              </a:ext>
+            </a:extLst>
+          </a:blip>
+          <a:stretch>
+            <a:fillRect/>
+          </a:stretch>
+        </p:blipFill>
+        <p:spPr>
+          <a:xfrm>
+            <a:off x="2204430" y="495300"/>
+            <a:ext cx="1714225" cy="519462"/>
+          </a:xfrm>
+          <a:prstGeom prst="rect">
+            <a:avLst/>
+          </a:prstGeom>
+        </p:spPr>
+      </p:pic>
+      <p:sp>
+        <p:nvSpPr>
+          <p:cNvPr id="13" name="Rectangle 12">
+            <a:extLst>
+              <a:ext uri="{FF2B5EF4-FFF2-40B4-BE49-F238E27FC236}">
+                <a16:creationId xmlns:a16="http://schemas.microsoft.com/office/drawing/2014/main" xmlns="" id="{0E8E37B4-B4ED-434B-A3F5-231EADD1C3A8}"/>
+              </a:ext>
+            </a:extLst>
+          </p:cNvPr>
+          <p:cNvSpPr/>
+          <p:nvPr/>
+        </p:nvSpPr>
+        <p:spPr>
+          <a:xfrm>
+            <a:off x="9266663" y="297830"/>
+            <a:ext cx="2732049" cy="1185281"/>
+          </a:xfrm>
+          <a:prstGeom prst="rect">
+            <a:avLst/>
+          </a:prstGeom>
+          <a:solidFill>
+            <a:srgbClr val="2C5967"/>
+          </a:solidFill>
+          <a:ln>
+            <a:noFill/>
+          </a:ln>
+        </p:spPr>
+        <p:style>
+          <a:lnRef idx="2">
+            <a:schemeClr val="accent1">
+              <a:shade val="50000"/>
+            </a:schemeClr>
+          </a:lnRef>
+          <a:fillRef idx="1">
+            <a:schemeClr val="accent1"/>
+          </a:fillRef>
+          <a:effectRef idx="0">
+            <a:schemeClr val="accent1"/>
+          </a:effectRef>
+          <a:fontRef idx="minor">
+            <a:schemeClr val="lt1"/>
+          </a:fontRef>
+        </p:style>
+        <p:txBody>
+          <a:bodyPr rtlCol="0" anchor="ctr"/>
+          <a:lstStyle/>
+          <a:p>
+            <a:pPr algn="ctr"/>
+            <a:endParaRPr lang="en-US"/>
+          </a:p>
+        </p:txBody>
+      </p:sp>
       <p:sp>
         <p:nvSpPr>
           <p:cNvPr id="6" name="TextBox 5">
             <a:extLst>
               <a:ext uri="{FF2B5EF4-FFF2-40B4-BE49-F238E27FC236}">
-                <a16:creationId xmlns="" xmlns:a16="http://schemas.microsoft.com/office/drawing/2014/main" id="{5CA20ED6-3E69-AD40-94FD-09E9107F59C8}"/>
+                <a16:creationId xmlns:a16="http://schemas.microsoft.com/office/drawing/2014/main" xmlns="" id="{5CA20ED6-3E69-AD40-94FD-09E9107F59C8}"/>
               </a:ext>
             </a:extLst>
           </p:cNvPr>
@@ -3348,7 +3679,7 @@
           <p:cNvPr id="7" name="TextBox 6">
             <a:extLst>
               <a:ext uri="{FF2B5EF4-FFF2-40B4-BE49-F238E27FC236}">
-                <a16:creationId xmlns="" xmlns:a16="http://schemas.microsoft.com/office/drawing/2014/main" id="{B78EE18A-8494-2848-8161-EFD7DF74C0B3}"/>
+                <a16:creationId xmlns:a16="http://schemas.microsoft.com/office/drawing/2014/main" xmlns="" id="{B78EE18A-8494-2848-8161-EFD7DF74C0B3}"/>
               </a:ext>
             </a:extLst>
           </p:cNvPr>
@@ -3518,7 +3849,7 @@
           <p:cNvPr id="10" name="Rectangle 9">
             <a:extLst>
               <a:ext uri="{FF2B5EF4-FFF2-40B4-BE49-F238E27FC236}">
-                <a16:creationId xmlns="" xmlns:a16="http://schemas.microsoft.com/office/drawing/2014/main" id="{9372F31D-3EC4-EA45-83A1-BC5A1F2889CE}"/>
+                <a16:creationId xmlns:a16="http://schemas.microsoft.com/office/drawing/2014/main" xmlns="" id="{9372F31D-3EC4-EA45-83A1-BC5A1F2889CE}"/>
               </a:ext>
             </a:extLst>
           </p:cNvPr>
@@ -3655,7 +3986,7 @@
           <p:cNvPr id="2" name="Footer Placeholder 1">
             <a:extLst>
               <a:ext uri="{FF2B5EF4-FFF2-40B4-BE49-F238E27FC236}">
-                <a16:creationId xmlns="" xmlns:a16="http://schemas.microsoft.com/office/drawing/2014/main" id="{68F2AAA1-EC00-B744-AF90-E0F6C0834E34}"/>
+                <a16:creationId xmlns:a16="http://schemas.microsoft.com/office/drawing/2014/main" xmlns="" id="{68F2AAA1-EC00-B744-AF90-E0F6C0834E34}"/>
               </a:ext>
             </a:extLst>
           </p:cNvPr>
@@ -3688,7 +4019,7 @@
           <p:cNvPr id="9" name="Rectangle 8">
             <a:extLst>
               <a:ext uri="{FF2B5EF4-FFF2-40B4-BE49-F238E27FC236}">
-                <a16:creationId xmlns="" xmlns:a16="http://schemas.microsoft.com/office/drawing/2014/main" id="{1FDE377C-106C-EA40-AB83-40111CA8F85E}"/>
+                <a16:creationId xmlns:a16="http://schemas.microsoft.com/office/drawing/2014/main" xmlns="" id="{1FDE377C-106C-EA40-AB83-40111CA8F85E}"/>
               </a:ext>
             </a:extLst>
           </p:cNvPr>
@@ -3736,7 +4067,7 @@
           <p:cNvPr id="13" name="Title 1">
             <a:extLst>
               <a:ext uri="{FF2B5EF4-FFF2-40B4-BE49-F238E27FC236}">
-                <a16:creationId xmlns="" xmlns:a16="http://schemas.microsoft.com/office/drawing/2014/main" id="{81E40DFC-078D-F846-84E6-8F9F9B51A9DF}"/>
+                <a16:creationId xmlns:a16="http://schemas.microsoft.com/office/drawing/2014/main" xmlns="" id="{81E40DFC-078D-F846-84E6-8F9F9B51A9DF}"/>
               </a:ext>
             </a:extLst>
           </p:cNvPr>
@@ -3927,7 +4258,7 @@
           <p:cNvPr id="5" name="Picture 4">
             <a:extLst>
               <a:ext uri="{FF2B5EF4-FFF2-40B4-BE49-F238E27FC236}">
-                <a16:creationId xmlns="" xmlns:a16="http://schemas.microsoft.com/office/drawing/2014/main" id="{79324B54-407F-C746-BCD7-C81CF94FA180}"/>
+                <a16:creationId xmlns:a16="http://schemas.microsoft.com/office/drawing/2014/main" xmlns="" id="{79324B54-407F-C746-BCD7-C81CF94FA180}"/>
               </a:ext>
             </a:extLst>
           </p:cNvPr>
@@ -3963,7 +4294,7 @@
           <p:cNvPr id="6" name="Rectangle 5">
             <a:extLst>
               <a:ext uri="{FF2B5EF4-FFF2-40B4-BE49-F238E27FC236}">
-                <a16:creationId xmlns="" xmlns:a16="http://schemas.microsoft.com/office/drawing/2014/main" id="{1F06EA7C-DDE1-864E-9165-B4694601C946}"/>
+                <a16:creationId xmlns:a16="http://schemas.microsoft.com/office/drawing/2014/main" xmlns="" id="{1F06EA7C-DDE1-864E-9165-B4694601C946}"/>
               </a:ext>
             </a:extLst>
           </p:cNvPr>
@@ -4108,7 +4439,6 @@
               <a:rPr lang="en-US" dirty="0" smtClean="0"/>
               <a:t>OCI Command line interface</a:t>
             </a:r>
-            <a:endParaRPr lang="en-US" dirty="0" smtClean="0"/>
           </a:p>
           <a:p>
             <a:endParaRPr lang="en-US" dirty="0"/>
@@ -4182,7 +4512,7 @@
           <p:cNvPr id="2" name="Footer Placeholder 1">
             <a:extLst>
               <a:ext uri="{FF2B5EF4-FFF2-40B4-BE49-F238E27FC236}">
-                <a16:creationId xmlns:a16="http://schemas.microsoft.com/office/drawing/2014/main" xmlns="" id="{EB7098F0-6935-B247-92F1-05653C13B445}"/>
+                <a16:creationId xmlns="" xmlns:a16="http://schemas.microsoft.com/office/drawing/2014/main" id="{EB7098F0-6935-B247-92F1-05653C13B445}"/>
               </a:ext>
             </a:extLst>
           </p:cNvPr>
@@ -4210,7 +4540,7 @@
           <p:cNvPr id="3" name="Slide Number Placeholder 2">
             <a:extLst>
               <a:ext uri="{FF2B5EF4-FFF2-40B4-BE49-F238E27FC236}">
-                <a16:creationId xmlns:a16="http://schemas.microsoft.com/office/drawing/2014/main" xmlns="" id="{A85048A9-3D14-B945-BA11-ED741A6748C3}"/>
+                <a16:creationId xmlns="" xmlns:a16="http://schemas.microsoft.com/office/drawing/2014/main" id="{A85048A9-3D14-B945-BA11-ED741A6748C3}"/>
               </a:ext>
             </a:extLst>
           </p:cNvPr>
@@ -4240,7 +4570,7 @@
           <p:cNvPr id="9" name="Google Shape;70;p15">
             <a:extLst>
               <a:ext uri="{FF2B5EF4-FFF2-40B4-BE49-F238E27FC236}">
-                <a16:creationId xmlns:a16="http://schemas.microsoft.com/office/drawing/2014/main" xmlns="" id="{6E553804-E03E-2E4C-8825-93899756C43A}"/>
+                <a16:creationId xmlns="" xmlns:a16="http://schemas.microsoft.com/office/drawing/2014/main" id="{6E553804-E03E-2E4C-8825-93899756C43A}"/>
               </a:ext>
             </a:extLst>
           </p:cNvPr>
@@ -4302,14 +4632,6 @@
               </a:rPr>
               <a:t>Interface (CLI)</a:t>
             </a:r>
-            <a:endParaRPr lang="en-US" b="1" dirty="0" smtClean="0">
-              <a:solidFill>
-                <a:schemeClr val="bg1"/>
-              </a:solidFill>
-              <a:latin typeface="Calibri Light" panose="020F0302020204030204" pitchFamily="34" charset="0"/>
-              <a:cs typeface="Calibri Light" panose="020F0302020204030204" pitchFamily="34" charset="0"/>
-              <a:sym typeface="Questrial"/>
-            </a:endParaRPr>
           </a:p>
         </p:txBody>
       </p:sp>
@@ -4318,7 +4640,7 @@
           <p:cNvPr id="10" name="Google Shape;72;p15">
             <a:extLst>
               <a:ext uri="{FF2B5EF4-FFF2-40B4-BE49-F238E27FC236}">
-                <a16:creationId xmlns:a16="http://schemas.microsoft.com/office/drawing/2014/main" xmlns="" id="{F3FC4F15-A9FA-0146-B83D-7497F110DAE5}"/>
+                <a16:creationId xmlns="" xmlns:a16="http://schemas.microsoft.com/office/drawing/2014/main" id="{F3FC4F15-A9FA-0146-B83D-7497F110DAE5}"/>
               </a:ext>
             </a:extLst>
           </p:cNvPr>
@@ -4547,7 +4869,7 @@
           <p:cNvPr id="11" name="Google Shape;70;p15">
             <a:extLst>
               <a:ext uri="{FF2B5EF4-FFF2-40B4-BE49-F238E27FC236}">
-                <a16:creationId xmlns:a16="http://schemas.microsoft.com/office/drawing/2014/main" xmlns="" id="{3EE84173-DDF5-6944-8B2B-612361C3E79F}"/>
+                <a16:creationId xmlns="" xmlns:a16="http://schemas.microsoft.com/office/drawing/2014/main" id="{3EE84173-DDF5-6944-8B2B-612361C3E79F}"/>
               </a:ext>
             </a:extLst>
           </p:cNvPr>
@@ -4596,14 +4918,6 @@
               </a:rPr>
               <a:t>Demo</a:t>
             </a:r>
-            <a:endParaRPr lang="en-US" b="1" dirty="0" smtClean="0">
-              <a:solidFill>
-                <a:schemeClr val="bg1"/>
-              </a:solidFill>
-              <a:latin typeface="Calibri Light" panose="020F0302020204030204" pitchFamily="34" charset="0"/>
-              <a:cs typeface="Calibri Light" panose="020F0302020204030204" pitchFamily="34" charset="0"/>
-              <a:sym typeface="Questrial"/>
-            </a:endParaRPr>
           </a:p>
         </p:txBody>
       </p:sp>
@@ -4612,7 +4926,7 @@
           <p:cNvPr id="12" name="Google Shape;72;p15">
             <a:extLst>
               <a:ext uri="{FF2B5EF4-FFF2-40B4-BE49-F238E27FC236}">
-                <a16:creationId xmlns:a16="http://schemas.microsoft.com/office/drawing/2014/main" xmlns="" id="{F486D52D-16D3-4446-9EF4-B7510805AB89}"/>
+                <a16:creationId xmlns="" xmlns:a16="http://schemas.microsoft.com/office/drawing/2014/main" id="{F486D52D-16D3-4446-9EF4-B7510805AB89}"/>
               </a:ext>
             </a:extLst>
           </p:cNvPr>
@@ -4729,7 +5043,7 @@
                 <a:cs typeface="Questrial"/>
                 <a:sym typeface="Questrial"/>
               </a:rPr>
-              <a:t>Example scripts </a:t>
+              <a:t>CLI scripts and development workflow for researchers </a:t>
             </a:r>
             <a:endParaRPr lang="en-US" sz="1400" dirty="0">
               <a:solidFill>
@@ -4747,7 +5061,7 @@
           <p:cNvPr id="15" name="Google Shape;70;p15">
             <a:extLst>
               <a:ext uri="{FF2B5EF4-FFF2-40B4-BE49-F238E27FC236}">
-                <a16:creationId xmlns:a16="http://schemas.microsoft.com/office/drawing/2014/main" xmlns="" id="{5259DE74-08F6-7148-A332-3725E50C98E3}"/>
+                <a16:creationId xmlns="" xmlns:a16="http://schemas.microsoft.com/office/drawing/2014/main" id="{5259DE74-08F6-7148-A332-3725E50C98E3}"/>
               </a:ext>
             </a:extLst>
           </p:cNvPr>
@@ -4799,7 +5113,31 @@
                 <a:cs typeface="Calibri Light" panose="020F0302020204030204" pitchFamily="34" charset="0"/>
                 <a:sym typeface="Questrial"/>
               </a:rPr>
-              <a:t>Q &amp; A</a:t>
+              <a:t>Recommendations </a:t>
+            </a:r>
+          </a:p>
+          <a:p>
+            <a:r>
+              <a:rPr lang="en-US" b="1" dirty="0" smtClean="0">
+                <a:solidFill>
+                  <a:schemeClr val="bg1"/>
+                </a:solidFill>
+                <a:latin typeface="Calibri Light" panose="020F0302020204030204" pitchFamily="34" charset="0"/>
+                <a:cs typeface="Calibri Light" panose="020F0302020204030204" pitchFamily="34" charset="0"/>
+                <a:sym typeface="Questrial"/>
+              </a:rPr>
+              <a:t>and Q </a:t>
+            </a:r>
+            <a:r>
+              <a:rPr lang="en-US" b="1" dirty="0" smtClean="0">
+                <a:solidFill>
+                  <a:schemeClr val="bg1"/>
+                </a:solidFill>
+                <a:latin typeface="Calibri Light" panose="020F0302020204030204" pitchFamily="34" charset="0"/>
+                <a:cs typeface="Calibri Light" panose="020F0302020204030204" pitchFamily="34" charset="0"/>
+                <a:sym typeface="Questrial"/>
+              </a:rPr>
+              <a:t>&amp; A</a:t>
             </a:r>
             <a:endParaRPr b="1" dirty="0">
               <a:solidFill>
@@ -4817,7 +5155,7 @@
           <p:cNvPr id="16" name="Google Shape;72;p15">
             <a:extLst>
               <a:ext uri="{FF2B5EF4-FFF2-40B4-BE49-F238E27FC236}">
-                <a16:creationId xmlns:a16="http://schemas.microsoft.com/office/drawing/2014/main" xmlns="" id="{F780DD02-BE0F-1E44-AD81-98E3C1A4CA75}"/>
+                <a16:creationId xmlns="" xmlns:a16="http://schemas.microsoft.com/office/drawing/2014/main" id="{F780DD02-BE0F-1E44-AD81-98E3C1A4CA75}"/>
               </a:ext>
             </a:extLst>
           </p:cNvPr>
@@ -4861,93 +5199,7 @@
                 <a:cs typeface="Questrial"/>
                 <a:sym typeface="Questrial"/>
               </a:rPr>
-              <a:t>Q &amp; </a:t>
-            </a:r>
-            <a:r>
-              <a:rPr lang="en-US" sz="1400" dirty="0" smtClean="0">
-                <a:solidFill>
-                  <a:srgbClr val="312D2A"/>
-                </a:solidFill>
-                <a:ea typeface="Questrial"/>
-                <a:cs typeface="Questrial"/>
-                <a:sym typeface="Questrial"/>
-              </a:rPr>
-              <a:t>A</a:t>
-            </a:r>
-            <a:r>
-              <a:rPr lang="en-US" sz="1400" dirty="0">
-                <a:solidFill>
-                  <a:srgbClr val="312D2A"/>
-                </a:solidFill>
-                <a:ea typeface="Questrial"/>
-                <a:cs typeface="Questrial"/>
-                <a:sym typeface="Questrial"/>
-              </a:rPr>
-              <a:t> </a:t>
-            </a:r>
-            <a:r>
-              <a:rPr lang="en-US" sz="1400" dirty="0" smtClean="0">
-                <a:solidFill>
-                  <a:srgbClr val="312D2A"/>
-                </a:solidFill>
-                <a:ea typeface="Questrial"/>
-                <a:cs typeface="Questrial"/>
-                <a:sym typeface="Questrial"/>
-              </a:rPr>
-              <a:t>and Feedback</a:t>
-            </a:r>
-          </a:p>
-          <a:p>
-            <a:pPr>
-              <a:lnSpc>
-                <a:spcPct val="105000"/>
-              </a:lnSpc>
-              <a:buSzPts val="900"/>
-              <a:defRPr/>
-            </a:pPr>
-            <a:r>
-              <a:rPr lang="en-US" sz="1400" dirty="0" smtClean="0">
-                <a:solidFill>
-                  <a:srgbClr val="312D2A"/>
-                </a:solidFill>
-                <a:ea typeface="Questrial"/>
-                <a:cs typeface="Questrial"/>
-                <a:sym typeface="Questrial"/>
-              </a:rPr>
-              <a:t>Oracle for Research </a:t>
-            </a:r>
-            <a:r>
-              <a:rPr lang="en-US" sz="1400" dirty="0" err="1">
-                <a:solidFill>
-                  <a:srgbClr val="312D2A"/>
-                </a:solidFill>
-                <a:ea typeface="Questrial"/>
-                <a:cs typeface="Questrial"/>
-                <a:sym typeface="Questrial"/>
-              </a:rPr>
-              <a:t>G</a:t>
-            </a:r>
-            <a:r>
-              <a:rPr lang="en-US" sz="1400" dirty="0" err="1" smtClean="0">
-                <a:solidFill>
-                  <a:srgbClr val="312D2A"/>
-                </a:solidFill>
-                <a:ea typeface="Questrial"/>
-                <a:cs typeface="Questrial"/>
-                <a:sym typeface="Questrial"/>
-              </a:rPr>
-              <a:t>ithub</a:t>
-            </a:r>
-            <a:r>
-              <a:rPr lang="en-US" sz="1400" dirty="0" smtClean="0">
-                <a:solidFill>
-                  <a:srgbClr val="312D2A"/>
-                </a:solidFill>
-                <a:ea typeface="Questrial"/>
-                <a:cs typeface="Questrial"/>
-                <a:sym typeface="Questrial"/>
-              </a:rPr>
-              <a:t> collaboration</a:t>
+              <a:t>Recommendations</a:t>
             </a:r>
             <a:endParaRPr lang="en-US" sz="1400" dirty="0" smtClean="0">
               <a:solidFill>
@@ -4958,6 +5210,59 @@
               <a:sym typeface="Questrial"/>
             </a:endParaRPr>
           </a:p>
+          <a:p>
+            <a:pPr>
+              <a:lnSpc>
+                <a:spcPct val="105000"/>
+              </a:lnSpc>
+              <a:buSzPts val="900"/>
+              <a:defRPr/>
+            </a:pPr>
+            <a:r>
+              <a:rPr lang="en-US" sz="1400" dirty="0" smtClean="0">
+                <a:solidFill>
+                  <a:srgbClr val="312D2A"/>
+                </a:solidFill>
+                <a:ea typeface="Questrial"/>
+                <a:cs typeface="Questrial"/>
+                <a:sym typeface="Questrial"/>
+              </a:rPr>
+              <a:t>Oracle for Research </a:t>
+            </a:r>
+            <a:r>
+              <a:rPr lang="en-US" sz="1400" dirty="0" err="1">
+                <a:solidFill>
+                  <a:srgbClr val="312D2A"/>
+                </a:solidFill>
+                <a:ea typeface="Questrial"/>
+                <a:cs typeface="Questrial"/>
+                <a:sym typeface="Questrial"/>
+              </a:rPr>
+              <a:t>G</a:t>
+            </a:r>
+            <a:r>
+              <a:rPr lang="en-US" sz="1400" dirty="0" err="1" smtClean="0">
+                <a:solidFill>
+                  <a:srgbClr val="312D2A"/>
+                </a:solidFill>
+                <a:ea typeface="Questrial"/>
+                <a:cs typeface="Questrial"/>
+                <a:sym typeface="Questrial"/>
+              </a:rPr>
+              <a:t>ithub</a:t>
+            </a:r>
+            <a:r>
+              <a:rPr lang="en-US" sz="1400" dirty="0" smtClean="0">
+                <a:solidFill>
+                  <a:srgbClr val="312D2A"/>
+                </a:solidFill>
+                <a:ea typeface="Questrial"/>
+                <a:cs typeface="Questrial"/>
+                <a:sym typeface="Questrial"/>
+              </a:rPr>
+              <a:t> collaboration</a:t>
+            </a:r>
+          </a:p>
         </p:txBody>
       </p:sp>
       <p:sp>
@@ -4965,7 +5270,7 @@
           <p:cNvPr id="17" name="TextBox 16">
             <a:extLst>
               <a:ext uri="{FF2B5EF4-FFF2-40B4-BE49-F238E27FC236}">
-                <a16:creationId xmlns:a16="http://schemas.microsoft.com/office/drawing/2014/main" xmlns="" id="{00FABF5B-8DCC-4D38-8123-A80D08EB965B}"/>
+                <a16:creationId xmlns="" xmlns:a16="http://schemas.microsoft.com/office/drawing/2014/main" id="{00FABF5B-8DCC-4D38-8123-A80D08EB965B}"/>
               </a:ext>
             </a:extLst>
           </p:cNvPr>
@@ -5049,7 +5354,7 @@
           <p:cNvPr id="18" name="Google Shape;70;p15">
             <a:extLst>
               <a:ext uri="{FF2B5EF4-FFF2-40B4-BE49-F238E27FC236}">
-                <a16:creationId xmlns:a16="http://schemas.microsoft.com/office/drawing/2014/main" xmlns="" id="{2B4AF13A-0EE5-B047-8620-09F337BEA773}"/>
+                <a16:creationId xmlns="" xmlns:a16="http://schemas.microsoft.com/office/drawing/2014/main" id="{2B4AF13A-0EE5-B047-8620-09F337BEA773}"/>
               </a:ext>
             </a:extLst>
           </p:cNvPr>
@@ -5097,18 +5402,7 @@
                 <a:cs typeface="Calibri Light" panose="020F0302020204030204" pitchFamily="34" charset="0"/>
                 <a:sym typeface="Questrial"/>
               </a:rPr>
-              <a:t>Researcher</a:t>
-            </a:r>
-            <a:r>
-              <a:rPr lang="en-US" b="1" dirty="0" smtClean="0">
-                <a:solidFill>
-                  <a:schemeClr val="bg1"/>
-                </a:solidFill>
-                <a:latin typeface="Calibri Light" panose="020F0302020204030204" pitchFamily="34" charset="0"/>
-                <a:cs typeface="Calibri Light" panose="020F0302020204030204" pitchFamily="34" charset="0"/>
-                <a:sym typeface="Questrial"/>
-              </a:rPr>
-              <a:t> presentation</a:t>
+              <a:t>Researcher presentation</a:t>
             </a:r>
           </a:p>
           <a:p>
@@ -5140,7 +5434,7 @@
           <p:cNvPr id="19" name="Google Shape;72;p15">
             <a:extLst>
               <a:ext uri="{FF2B5EF4-FFF2-40B4-BE49-F238E27FC236}">
-                <a16:creationId xmlns:a16="http://schemas.microsoft.com/office/drawing/2014/main" xmlns="" id="{7F2BE374-0EF0-6544-9390-8BDFA07ACD31}"/>
+                <a16:creationId xmlns="" xmlns:a16="http://schemas.microsoft.com/office/drawing/2014/main" id="{7F2BE374-0EF0-6544-9390-8BDFA07ACD31}"/>
               </a:ext>
             </a:extLst>
           </p:cNvPr>
@@ -5184,18 +5478,7 @@
                 <a:cs typeface="Questrial"/>
                 <a:sym typeface="Questrial"/>
               </a:rPr>
-              <a:t>1. </a:t>
-            </a:r>
-            <a:r>
-              <a:rPr lang="en-US" sz="1400" dirty="0" smtClean="0">
-                <a:solidFill>
-                  <a:srgbClr val="312D2A"/>
-                </a:solidFill>
-                <a:ea typeface="Questrial"/>
-                <a:cs typeface="Questrial"/>
-                <a:sym typeface="Questrial"/>
-              </a:rPr>
-              <a:t>OCI-CLI implementation by a researcher</a:t>
+              <a:t>1. OCI-CLI implementation by a researcher</a:t>
             </a:r>
           </a:p>
           <a:p>
@@ -5254,27 +5537,8 @@
                 <a:cs typeface="Questrial"/>
                 <a:sym typeface="Questrial"/>
               </a:rPr>
-              <a:t>2. </a:t>
-            </a:r>
-            <a:r>
-              <a:rPr lang="en-US" sz="1400" dirty="0" smtClean="0">
-                <a:solidFill>
-                  <a:srgbClr val="312D2A"/>
-                </a:solidFill>
-                <a:ea typeface="Questrial"/>
-                <a:cs typeface="Questrial"/>
-                <a:sym typeface="Questrial"/>
-              </a:rPr>
-              <a:t>OCFS2 Implementation </a:t>
-            </a:r>
-            <a:endParaRPr lang="en-US" sz="1400" dirty="0" smtClean="0">
-              <a:solidFill>
-                <a:srgbClr val="312D2A"/>
-              </a:solidFill>
-              <a:ea typeface="Questrial"/>
-              <a:cs typeface="Questrial"/>
-              <a:sym typeface="Questrial"/>
-            </a:endParaRPr>
+              <a:t>2. OCFS2 Implementation </a:t>
+            </a:r>
           </a:p>
           <a:p>
             <a:pPr lvl="0">
@@ -5293,40 +5557,7 @@
                 <a:cs typeface="Questrial"/>
                 <a:sym typeface="Questrial"/>
               </a:rPr>
-              <a:t>3. </a:t>
-            </a:r>
-            <a:r>
-              <a:rPr lang="en-US" sz="1400" dirty="0" smtClean="0">
-                <a:solidFill>
-                  <a:srgbClr val="312D2A"/>
-                </a:solidFill>
-                <a:ea typeface="Questrial"/>
-                <a:cs typeface="Questrial"/>
-                <a:sym typeface="Questrial"/>
-              </a:rPr>
-              <a:t>Benefits from a researcher perspective. </a:t>
-            </a:r>
-            <a:r>
-              <a:rPr lang="en-US" sz="1400" dirty="0" smtClean="0">
-                <a:solidFill>
-                  <a:srgbClr val="312D2A"/>
-                </a:solidFill>
-                <a:ea typeface="Questrial"/>
-                <a:cs typeface="Questrial"/>
-                <a:sym typeface="Questrial"/>
-              </a:rPr>
-              <a:t>Any other </a:t>
-            </a:r>
-            <a:r>
-              <a:rPr lang="en-US" sz="1400" dirty="0" smtClean="0">
-                <a:solidFill>
-                  <a:srgbClr val="312D2A"/>
-                </a:solidFill>
-                <a:ea typeface="Questrial"/>
-                <a:cs typeface="Questrial"/>
-                <a:sym typeface="Questrial"/>
-              </a:rPr>
-              <a:t>implementation areas</a:t>
+              <a:t>3. Benefits from a researcher perspective. Any other implementation areas</a:t>
             </a:r>
             <a:endParaRPr lang="en-US" sz="1400" dirty="0">
               <a:solidFill>
@@ -5344,7 +5575,7 @@
           <p:cNvPr id="21" name="Google Shape;70;p15">
             <a:extLst>
               <a:ext uri="{FF2B5EF4-FFF2-40B4-BE49-F238E27FC236}">
-                <a16:creationId xmlns:a16="http://schemas.microsoft.com/office/drawing/2014/main" xmlns="" id="{2B4AF13A-0EE5-B047-8620-09F337BEA773}"/>
+                <a16:creationId xmlns="" xmlns:a16="http://schemas.microsoft.com/office/drawing/2014/main" id="{2B4AF13A-0EE5-B047-8620-09F337BEA773}"/>
               </a:ext>
             </a:extLst>
           </p:cNvPr>
@@ -5409,7 +5640,7 @@
           <p:cNvPr id="22" name="Google Shape;72;p15">
             <a:extLst>
               <a:ext uri="{FF2B5EF4-FFF2-40B4-BE49-F238E27FC236}">
-                <a16:creationId xmlns:a16="http://schemas.microsoft.com/office/drawing/2014/main" xmlns="" id="{7F2BE374-0EF0-6544-9390-8BDFA07ACD31}"/>
+                <a16:creationId xmlns="" xmlns:a16="http://schemas.microsoft.com/office/drawing/2014/main" id="{7F2BE374-0EF0-6544-9390-8BDFA07ACD31}"/>
               </a:ext>
             </a:extLst>
           </p:cNvPr>
@@ -5453,29 +5684,7 @@
                 <a:cs typeface="Questrial"/>
                 <a:sym typeface="Questrial"/>
               </a:rPr>
-              <a:t>1. </a:t>
-            </a:r>
-            <a:r>
-              <a:rPr lang="en-US" sz="1400" dirty="0" smtClean="0">
-                <a:solidFill>
-                  <a:srgbClr val="312D2A"/>
-                </a:solidFill>
-                <a:ea typeface="Questrial"/>
-                <a:cs typeface="Questrial"/>
-                <a:sym typeface="Questrial"/>
-              </a:rPr>
-              <a:t>Architectures </a:t>
-            </a:r>
-            <a:r>
-              <a:rPr lang="en-US" sz="1400" dirty="0" smtClean="0">
-                <a:solidFill>
-                  <a:srgbClr val="312D2A"/>
-                </a:solidFill>
-                <a:ea typeface="Questrial"/>
-                <a:cs typeface="Questrial"/>
-                <a:sym typeface="Questrial"/>
-              </a:rPr>
-              <a:t>and automation </a:t>
+              <a:t>1. Architectures and automation </a:t>
             </a:r>
           </a:p>
           <a:p>
@@ -5562,1198 +5771,10 @@
       </p:grpSpPr>
       <p:sp>
         <p:nvSpPr>
-          <p:cNvPr id="2" name="Footer Placeholder 1">
-            <a:extLst>
-              <a:ext uri="{FF2B5EF4-FFF2-40B4-BE49-F238E27FC236}">
-                <a16:creationId xmlns:a16="http://schemas.microsoft.com/office/drawing/2014/main" xmlns="" id="{EB7098F0-6935-B247-92F1-05653C13B445}"/>
-              </a:ext>
-            </a:extLst>
-          </p:cNvPr>
-          <p:cNvSpPr>
-            <a:spLocks noGrp="1"/>
-          </p:cNvSpPr>
-          <p:nvPr>
-            <p:ph type="ftr" sz="quarter" idx="3"/>
-          </p:nvPr>
-        </p:nvSpPr>
-        <p:spPr/>
-        <p:txBody>
-          <a:bodyPr/>
-          <a:lstStyle/>
-          <a:p>
-            <a:r>
-              <a:rPr lang="en-US" dirty="0"/>
-              <a:t>Copyright © 2020 Oracle and/or its affiliates. Oracle Confidential - Restricted.</a:t>
-            </a:r>
-          </a:p>
-        </p:txBody>
-      </p:sp>
-      <p:sp>
-        <p:nvSpPr>
-          <p:cNvPr id="3" name="Slide Number Placeholder 2">
-            <a:extLst>
-              <a:ext uri="{FF2B5EF4-FFF2-40B4-BE49-F238E27FC236}">
-                <a16:creationId xmlns:a16="http://schemas.microsoft.com/office/drawing/2014/main" xmlns="" id="{A85048A9-3D14-B945-BA11-ED741A6748C3}"/>
-              </a:ext>
-            </a:extLst>
-          </p:cNvPr>
-          <p:cNvSpPr>
-            <a:spLocks noGrp="1"/>
-          </p:cNvSpPr>
-          <p:nvPr>
-            <p:ph type="sldNum" sz="quarter" idx="4"/>
-          </p:nvPr>
-        </p:nvSpPr>
-        <p:spPr/>
-        <p:txBody>
-          <a:bodyPr/>
-          <a:lstStyle/>
-          <a:p>
-            <a:fld id="{345D60D9-5372-5F40-9443-0F9AE5BDC3C8}" type="slidenum">
-              <a:rPr lang="en-US" smtClean="0"/>
-              <a:pPr/>
-              <a:t>5</a:t>
-            </a:fld>
-            <a:endParaRPr lang="en-US" dirty="0"/>
-          </a:p>
-        </p:txBody>
-      </p:sp>
-      <p:sp>
-        <p:nvSpPr>
-          <p:cNvPr id="9" name="Google Shape;70;p15">
-            <a:extLst>
-              <a:ext uri="{FF2B5EF4-FFF2-40B4-BE49-F238E27FC236}">
-                <a16:creationId xmlns:a16="http://schemas.microsoft.com/office/drawing/2014/main" xmlns="" id="{6E553804-E03E-2E4C-8825-93899756C43A}"/>
-              </a:ext>
-            </a:extLst>
-          </p:cNvPr>
-          <p:cNvSpPr/>
-          <p:nvPr/>
-        </p:nvSpPr>
-        <p:spPr>
-          <a:xfrm>
-            <a:off x="288704" y="1906213"/>
-            <a:ext cx="2431348" cy="787897"/>
-          </a:xfrm>
-          <a:prstGeom prst="rect">
-            <a:avLst/>
-          </a:prstGeom>
-          <a:solidFill>
-            <a:srgbClr val="2B6242"/>
-          </a:solidFill>
-          <a:ln w="12700" cap="flat" cmpd="sng" algn="ctr">
-            <a:solidFill>
-              <a:srgbClr val="FCFBFA">
-                <a:hueOff val="0"/>
-                <a:satOff val="0"/>
-                <a:lumOff val="0"/>
-                <a:alphaOff val="0"/>
-              </a:srgbClr>
-            </a:solidFill>
-            <a:prstDash val="solid"/>
-            <a:miter lim="800000"/>
-          </a:ln>
-          <a:effectLst/>
-        </p:spPr>
-        <p:txBody>
-          <a:bodyPr spcFirstLastPara="0" vert="horz" wrap="none" lIns="144000" tIns="72000" rIns="144000" bIns="72000" numCol="1" spcCol="1270" anchor="ctr" anchorCtr="0">
-            <a:noAutofit/>
-          </a:bodyPr>
-          <a:lstStyle/>
-          <a:p>
-            <a:r>
-              <a:rPr lang="en-US" b="1" dirty="0" smtClean="0">
-                <a:solidFill>
-                  <a:schemeClr val="bg1"/>
-                </a:solidFill>
-                <a:latin typeface="Calibri Light" panose="020F0302020204030204" pitchFamily="34" charset="0"/>
-                <a:cs typeface="Calibri Light" panose="020F0302020204030204" pitchFamily="34" charset="0"/>
-                <a:sym typeface="Questrial"/>
-              </a:rPr>
-              <a:t>Research Gateway</a:t>
-            </a:r>
-          </a:p>
-        </p:txBody>
-      </p:sp>
-      <p:sp>
-        <p:nvSpPr>
-          <p:cNvPr id="10" name="Google Shape;72;p15">
-            <a:extLst>
-              <a:ext uri="{FF2B5EF4-FFF2-40B4-BE49-F238E27FC236}">
-                <a16:creationId xmlns:a16="http://schemas.microsoft.com/office/drawing/2014/main" xmlns="" id="{F3FC4F15-A9FA-0146-B83D-7497F110DAE5}"/>
-              </a:ext>
-            </a:extLst>
-          </p:cNvPr>
-          <p:cNvSpPr/>
-          <p:nvPr/>
-        </p:nvSpPr>
-        <p:spPr>
-          <a:xfrm>
-            <a:off x="2720051" y="1906213"/>
-            <a:ext cx="9039234" cy="787897"/>
-          </a:xfrm>
-          <a:prstGeom prst="rect">
-            <a:avLst/>
-          </a:prstGeom>
-          <a:solidFill>
-            <a:srgbClr val="EFEFEF"/>
-          </a:solidFill>
-          <a:ln>
-            <a:noFill/>
-          </a:ln>
-        </p:spPr>
-        <p:txBody>
-          <a:bodyPr spcFirstLastPara="1" wrap="square" lIns="180000" tIns="72000" rIns="180000" bIns="72000" anchor="ctr" anchorCtr="0">
-            <a:noAutofit/>
-          </a:bodyPr>
-          <a:lstStyle/>
-          <a:p>
-            <a:pPr marR="0" lvl="0" algn="l" defTabSz="914400" rtl="0" eaLnBrk="1" fontAlgn="auto" latinLnBrk="0" hangingPunct="1">
-              <a:lnSpc>
-                <a:spcPct val="105000"/>
-              </a:lnSpc>
-              <a:spcBef>
-                <a:spcPts val="0"/>
-              </a:spcBef>
-              <a:spcAft>
-                <a:spcPts val="0"/>
-              </a:spcAft>
-              <a:buClrTx/>
-              <a:buSzPts val="900"/>
-              <a:tabLst/>
-              <a:defRPr/>
-            </a:pPr>
-            <a:r>
-              <a:rPr kumimoji="0" lang="en-US" sz="1400" i="0" u="none" strike="noStrike" kern="1200" cap="none" spc="0" normalizeH="0" baseline="0" noProof="0" dirty="0" smtClean="0">
-                <a:ln>
-                  <a:noFill/>
-                </a:ln>
-                <a:solidFill>
-                  <a:srgbClr val="312D2A"/>
-                </a:solidFill>
-                <a:effectLst/>
-                <a:uLnTx/>
-                <a:uFillTx/>
-                <a:latin typeface="Oracle Sans"/>
-                <a:ea typeface="Questrial"/>
-                <a:cs typeface="Questrial"/>
-                <a:sym typeface="Questrial"/>
-              </a:rPr>
-              <a:t>1.</a:t>
-            </a:r>
-            <a:r>
-              <a:rPr kumimoji="0" lang="en-US" sz="1400" i="0" u="none" strike="noStrike" kern="1200" cap="none" spc="0" normalizeH="0" noProof="0" dirty="0" smtClean="0">
-                <a:ln>
-                  <a:noFill/>
-                </a:ln>
-                <a:solidFill>
-                  <a:srgbClr val="312D2A"/>
-                </a:solidFill>
-                <a:effectLst/>
-                <a:uLnTx/>
-                <a:uFillTx/>
-                <a:latin typeface="Oracle Sans"/>
-                <a:ea typeface="Questrial"/>
-                <a:cs typeface="Questrial"/>
-                <a:sym typeface="Questrial"/>
-              </a:rPr>
-              <a:t> </a:t>
-            </a:r>
-            <a:r>
-              <a:rPr lang="en-US" sz="1400" dirty="0" smtClean="0">
-                <a:solidFill>
-                  <a:srgbClr val="312D2A"/>
-                </a:solidFill>
-                <a:latin typeface="Oracle Sans"/>
-                <a:ea typeface="Questrial"/>
-                <a:cs typeface="Questrial"/>
-                <a:sym typeface="Questrial"/>
-              </a:rPr>
-              <a:t>An Oracle Linux image with OCI-CLI installed</a:t>
-            </a:r>
-            <a:endParaRPr kumimoji="0" lang="en-US" sz="1400" i="0" u="none" strike="noStrike" kern="1200" cap="none" spc="0" normalizeH="0" noProof="0" dirty="0" smtClean="0">
-              <a:ln>
-                <a:noFill/>
-              </a:ln>
-              <a:solidFill>
-                <a:srgbClr val="312D2A"/>
-              </a:solidFill>
-              <a:effectLst/>
-              <a:uLnTx/>
-              <a:uFillTx/>
-              <a:latin typeface="Oracle Sans"/>
-              <a:ea typeface="Questrial"/>
-              <a:cs typeface="Questrial"/>
-              <a:sym typeface="Questrial"/>
-            </a:endParaRPr>
-          </a:p>
-          <a:p>
-            <a:pPr marR="0" lvl="0" algn="l" defTabSz="914400" rtl="0" eaLnBrk="1" fontAlgn="auto" latinLnBrk="0" hangingPunct="1">
-              <a:lnSpc>
-                <a:spcPct val="105000"/>
-              </a:lnSpc>
-              <a:spcBef>
-                <a:spcPts val="0"/>
-              </a:spcBef>
-              <a:spcAft>
-                <a:spcPts val="0"/>
-              </a:spcAft>
-              <a:buClrTx/>
-              <a:buSzPts val="900"/>
-              <a:tabLst/>
-              <a:defRPr/>
-            </a:pPr>
-            <a:r>
-              <a:rPr kumimoji="0" lang="en-US" sz="1400" i="0" u="none" strike="noStrike" kern="1200" cap="none" spc="0" normalizeH="0" baseline="0" noProof="0" dirty="0" smtClean="0">
-                <a:ln>
-                  <a:noFill/>
-                </a:ln>
-                <a:solidFill>
-                  <a:srgbClr val="312D2A"/>
-                </a:solidFill>
-                <a:effectLst/>
-                <a:uLnTx/>
-                <a:uFillTx/>
-                <a:latin typeface="Oracle Sans"/>
-                <a:ea typeface="Questrial"/>
-                <a:cs typeface="Questrial"/>
-                <a:sym typeface="Questrial"/>
-              </a:rPr>
-              <a:t>2. </a:t>
-            </a:r>
-            <a:r>
-              <a:rPr lang="en-US" sz="1400" noProof="0" dirty="0" smtClean="0">
-                <a:solidFill>
-                  <a:srgbClr val="312D2A"/>
-                </a:solidFill>
-                <a:latin typeface="Oracle Sans"/>
-                <a:ea typeface="Questrial"/>
-                <a:cs typeface="Questrial"/>
-                <a:sym typeface="Questrial"/>
-              </a:rPr>
-              <a:t>Available as a custom image from Oracle for Research (</a:t>
-            </a:r>
-            <a:r>
-              <a:rPr lang="en-US" sz="1400" noProof="0" dirty="0" err="1" smtClean="0">
-                <a:solidFill>
-                  <a:srgbClr val="312D2A"/>
-                </a:solidFill>
-                <a:latin typeface="Oracle Sans"/>
-                <a:ea typeface="Questrial"/>
-                <a:cs typeface="Questrial"/>
-                <a:sym typeface="Questrial"/>
-              </a:rPr>
-              <a:t>github</a:t>
-            </a:r>
-            <a:r>
-              <a:rPr lang="en-US" sz="1400" noProof="0" dirty="0" smtClean="0">
-                <a:solidFill>
-                  <a:srgbClr val="312D2A"/>
-                </a:solidFill>
-                <a:latin typeface="Oracle Sans"/>
-                <a:ea typeface="Questrial"/>
-                <a:cs typeface="Questrial"/>
-                <a:sym typeface="Questrial"/>
-              </a:rPr>
-              <a:t> link)</a:t>
-            </a:r>
-            <a:endParaRPr lang="en-US" sz="1400" dirty="0" smtClean="0">
-              <a:solidFill>
-                <a:srgbClr val="312D2A"/>
-              </a:solidFill>
-              <a:latin typeface="Oracle Sans"/>
-              <a:ea typeface="Questrial"/>
-              <a:cs typeface="Questrial"/>
-              <a:sym typeface="Questrial"/>
-            </a:endParaRPr>
-          </a:p>
-          <a:p>
-            <a:pPr marR="0" lvl="0" algn="l" defTabSz="914400" rtl="0" eaLnBrk="1" fontAlgn="auto" latinLnBrk="0" hangingPunct="1">
-              <a:lnSpc>
-                <a:spcPct val="105000"/>
-              </a:lnSpc>
-              <a:spcBef>
-                <a:spcPts val="0"/>
-              </a:spcBef>
-              <a:spcAft>
-                <a:spcPts val="0"/>
-              </a:spcAft>
-              <a:buClrTx/>
-              <a:buSzPts val="900"/>
-              <a:tabLst/>
-              <a:defRPr/>
-            </a:pPr>
-            <a:r>
-              <a:rPr kumimoji="0" lang="en-US" sz="1400" i="0" u="none" strike="noStrike" kern="1200" cap="none" spc="0" normalizeH="0" baseline="0" noProof="0" dirty="0" smtClean="0">
-                <a:ln>
-                  <a:noFill/>
-                </a:ln>
-                <a:solidFill>
-                  <a:srgbClr val="312D2A"/>
-                </a:solidFill>
-                <a:effectLst/>
-                <a:uLnTx/>
-                <a:uFillTx/>
-                <a:latin typeface="Oracle Sans"/>
-                <a:ea typeface="Questrial"/>
-                <a:cs typeface="Questrial"/>
-                <a:sym typeface="Questrial"/>
-              </a:rPr>
-              <a:t>3.</a:t>
-            </a:r>
-            <a:r>
-              <a:rPr kumimoji="0" lang="en-US" sz="1400" i="0" u="none" strike="noStrike" kern="1200" cap="none" spc="0" normalizeH="0" noProof="0" dirty="0" smtClean="0">
-                <a:ln>
-                  <a:noFill/>
-                </a:ln>
-                <a:solidFill>
-                  <a:srgbClr val="312D2A"/>
-                </a:solidFill>
-                <a:effectLst/>
-                <a:uLnTx/>
-                <a:uFillTx/>
-                <a:latin typeface="Oracle Sans"/>
-                <a:ea typeface="Questrial"/>
-                <a:cs typeface="Questrial"/>
-                <a:sym typeface="Questrial"/>
-              </a:rPr>
-              <a:t> </a:t>
-            </a:r>
-            <a:r>
-              <a:rPr lang="en-US" sz="1400" dirty="0" smtClean="0">
-                <a:solidFill>
-                  <a:srgbClr val="312D2A"/>
-                </a:solidFill>
-                <a:latin typeface="Oracle Sans"/>
-                <a:ea typeface="Questrial"/>
-                <a:cs typeface="Questrial"/>
-                <a:sym typeface="Questrial"/>
-              </a:rPr>
-              <a:t>Implement in a public subnet VM / standard architecture</a:t>
-            </a:r>
-            <a:endParaRPr kumimoji="0" sz="1400" i="0" u="none" strike="noStrike" kern="1200" cap="none" spc="0" normalizeH="0" baseline="0" noProof="0" dirty="0">
-              <a:ln>
-                <a:noFill/>
-              </a:ln>
-              <a:solidFill>
-                <a:srgbClr val="312D2A"/>
-              </a:solidFill>
-              <a:effectLst/>
-              <a:uLnTx/>
-              <a:uFillTx/>
-              <a:latin typeface="Oracle Sans"/>
-              <a:ea typeface="Questrial"/>
-              <a:cs typeface="Questrial"/>
-              <a:sym typeface="Questrial"/>
-            </a:endParaRPr>
-          </a:p>
-        </p:txBody>
-      </p:sp>
-      <p:sp>
-        <p:nvSpPr>
-          <p:cNvPr id="17" name="TextBox 16">
+          <p:cNvPr id="108" name="TextBox 107">
             <a:extLst>
               <a:ext uri="{FF2B5EF4-FFF2-40B4-BE49-F238E27FC236}">
                 <a16:creationId xmlns:a16="http://schemas.microsoft.com/office/drawing/2014/main" xmlns="" id="{00FABF5B-8DCC-4D38-8123-A80D08EB965B}"/>
-              </a:ext>
-            </a:extLst>
-          </p:cNvPr>
-          <p:cNvSpPr txBox="1"/>
-          <p:nvPr/>
-        </p:nvSpPr>
-        <p:spPr>
-          <a:xfrm>
-            <a:off x="288703" y="358558"/>
-            <a:ext cx="6342756" cy="535619"/>
-          </a:xfrm>
-          <a:prstGeom prst="rect">
-            <a:avLst/>
-          </a:prstGeom>
-          <a:noFill/>
-        </p:spPr>
-        <p:txBody>
-          <a:bodyPr wrap="square" lIns="0" tIns="0" rIns="0" bIns="0" rtlCol="0">
-            <a:noAutofit/>
-          </a:bodyPr>
-          <a:lstStyle/>
-          <a:p>
-            <a:pPr marL="0" marR="0" lvl="0" indent="0" algn="l" defTabSz="914400" rtl="0" eaLnBrk="1" fontAlgn="auto" latinLnBrk="0" hangingPunct="1">
-              <a:lnSpc>
-                <a:spcPct val="90000"/>
-              </a:lnSpc>
-              <a:spcBef>
-                <a:spcPts val="0"/>
-              </a:spcBef>
-              <a:spcAft>
-                <a:spcPts val="0"/>
-              </a:spcAft>
-              <a:buClrTx/>
-              <a:buSzTx/>
-              <a:buFontTx/>
-              <a:buNone/>
-              <a:tabLst/>
-              <a:defRPr/>
-            </a:pPr>
-            <a:r>
-              <a:rPr lang="en-US" sz="3200" kern="0" noProof="0" dirty="0" smtClean="0">
-                <a:solidFill>
-                  <a:srgbClr val="000000"/>
-                </a:solidFill>
-                <a:latin typeface="Calibri Light" panose="020F0302020204030204" pitchFamily="34" charset="0"/>
-                <a:cs typeface="Calibri Light" panose="020F0302020204030204" pitchFamily="34" charset="0"/>
-                <a:sym typeface="Arial"/>
-              </a:rPr>
-              <a:t>OCI-CLI and Research Gateway Image </a:t>
-            </a:r>
-            <a:r>
-              <a:rPr lang="en-US" sz="3200" kern="0" noProof="0" dirty="0" smtClean="0">
-                <a:solidFill>
-                  <a:srgbClr val="000000"/>
-                </a:solidFill>
-                <a:latin typeface="Calibri Light" panose="020F0302020204030204" pitchFamily="34" charset="0"/>
-                <a:cs typeface="Calibri Light" panose="020F0302020204030204" pitchFamily="34" charset="0"/>
-                <a:sym typeface="Arial"/>
-              </a:rPr>
-              <a:t> </a:t>
-            </a:r>
-            <a:endParaRPr kumimoji="0" lang="en-US" sz="3200" b="0" i="0" u="none" strike="noStrike" kern="0" cap="none" spc="0" normalizeH="0" baseline="0" noProof="0" dirty="0">
-              <a:ln>
-                <a:noFill/>
-              </a:ln>
-              <a:solidFill>
-                <a:srgbClr val="000000"/>
-              </a:solidFill>
-              <a:uLnTx/>
-              <a:uFillTx/>
-              <a:latin typeface="Calibri Light" panose="020F0302020204030204" pitchFamily="34" charset="0"/>
-              <a:ea typeface="+mn-ea"/>
-              <a:cs typeface="Calibri Light" panose="020F0302020204030204" pitchFamily="34" charset="0"/>
-              <a:sym typeface="Arial"/>
-            </a:endParaRPr>
-          </a:p>
-        </p:txBody>
-      </p:sp>
-      <p:sp>
-        <p:nvSpPr>
-          <p:cNvPr id="21" name="Google Shape;70;p15">
-            <a:extLst>
-              <a:ext uri="{FF2B5EF4-FFF2-40B4-BE49-F238E27FC236}">
-                <a16:creationId xmlns:a16="http://schemas.microsoft.com/office/drawing/2014/main" xmlns="" id="{2B4AF13A-0EE5-B047-8620-09F337BEA773}"/>
-              </a:ext>
-            </a:extLst>
-          </p:cNvPr>
-          <p:cNvSpPr/>
-          <p:nvPr/>
-        </p:nvSpPr>
-        <p:spPr>
-          <a:xfrm>
-            <a:off x="288703" y="1018980"/>
-            <a:ext cx="2431348" cy="787897"/>
-          </a:xfrm>
-          <a:prstGeom prst="rect">
-            <a:avLst/>
-          </a:prstGeom>
-          <a:solidFill>
-            <a:srgbClr val="2B6242"/>
-          </a:solidFill>
-          <a:ln w="12700" cap="flat" cmpd="sng" algn="ctr">
-            <a:solidFill>
-              <a:srgbClr val="FCFBFA">
-                <a:hueOff val="0"/>
-                <a:satOff val="0"/>
-                <a:lumOff val="0"/>
-                <a:alphaOff val="0"/>
-              </a:srgbClr>
-            </a:solidFill>
-            <a:prstDash val="solid"/>
-            <a:miter lim="800000"/>
-          </a:ln>
-          <a:effectLst/>
-        </p:spPr>
-        <p:txBody>
-          <a:bodyPr spcFirstLastPara="0" vert="horz" wrap="none" lIns="144000" tIns="72000" rIns="144000" bIns="72000" numCol="1" spcCol="1270" anchor="ctr" anchorCtr="0">
-            <a:noAutofit/>
-          </a:bodyPr>
-          <a:lstStyle/>
-          <a:p>
-            <a:r>
-              <a:rPr lang="en-US" b="1" dirty="0" smtClean="0">
-                <a:solidFill>
-                  <a:schemeClr val="bg1"/>
-                </a:solidFill>
-                <a:latin typeface="Calibri Light" panose="020F0302020204030204" pitchFamily="34" charset="0"/>
-                <a:cs typeface="Calibri Light" panose="020F0302020204030204" pitchFamily="34" charset="0"/>
-                <a:sym typeface="Questrial"/>
-              </a:rPr>
-              <a:t>OCI-CLI</a:t>
-            </a:r>
-            <a:endParaRPr lang="en-US" b="1" dirty="0">
-              <a:solidFill>
-                <a:schemeClr val="bg1"/>
-              </a:solidFill>
-              <a:latin typeface="Calibri Light" panose="020F0302020204030204" pitchFamily="34" charset="0"/>
-              <a:cs typeface="Calibri Light" panose="020F0302020204030204" pitchFamily="34" charset="0"/>
-              <a:sym typeface="Questrial"/>
-            </a:endParaRPr>
-          </a:p>
-        </p:txBody>
-      </p:sp>
-      <p:sp>
-        <p:nvSpPr>
-          <p:cNvPr id="22" name="Google Shape;72;p15">
-            <a:extLst>
-              <a:ext uri="{FF2B5EF4-FFF2-40B4-BE49-F238E27FC236}">
-                <a16:creationId xmlns:a16="http://schemas.microsoft.com/office/drawing/2014/main" xmlns="" id="{7F2BE374-0EF0-6544-9390-8BDFA07ACD31}"/>
-              </a:ext>
-            </a:extLst>
-          </p:cNvPr>
-          <p:cNvSpPr/>
-          <p:nvPr/>
-        </p:nvSpPr>
-        <p:spPr>
-          <a:xfrm>
-            <a:off x="2720051" y="1018925"/>
-            <a:ext cx="9039234" cy="787897"/>
-          </a:xfrm>
-          <a:prstGeom prst="rect">
-            <a:avLst/>
-          </a:prstGeom>
-          <a:solidFill>
-            <a:srgbClr val="EFEFEF"/>
-          </a:solidFill>
-          <a:ln>
-            <a:noFill/>
-          </a:ln>
-        </p:spPr>
-        <p:txBody>
-          <a:bodyPr spcFirstLastPara="1" wrap="square" lIns="180000" tIns="72000" rIns="180000" bIns="72000" anchor="ctr" anchorCtr="0">
-            <a:noAutofit/>
-          </a:bodyPr>
-          <a:lstStyle/>
-          <a:p>
-            <a:pPr lvl="0">
-              <a:lnSpc>
-                <a:spcPct val="105000"/>
-              </a:lnSpc>
-              <a:buSzPts val="900"/>
-              <a:defRPr/>
-            </a:pPr>
-            <a:r>
-              <a:rPr lang="en-US" sz="1400" dirty="0" smtClean="0">
-                <a:solidFill>
-                  <a:srgbClr val="312D2A"/>
-                </a:solidFill>
-                <a:ea typeface="Questrial"/>
-                <a:cs typeface="Questrial"/>
-                <a:sym typeface="Questrial"/>
-              </a:rPr>
-              <a:t>1. All functionality of OCI console + additional commands</a:t>
-            </a:r>
-            <a:endParaRPr lang="en-US" sz="1400" dirty="0">
-              <a:solidFill>
-                <a:srgbClr val="312D2A"/>
-              </a:solidFill>
-              <a:ea typeface="Questrial"/>
-              <a:cs typeface="Questrial"/>
-              <a:sym typeface="Questrial"/>
-            </a:endParaRPr>
-          </a:p>
-          <a:p>
-            <a:pPr lvl="0">
-              <a:lnSpc>
-                <a:spcPct val="105000"/>
-              </a:lnSpc>
-              <a:buSzPts val="900"/>
-              <a:defRPr/>
-            </a:pPr>
-            <a:r>
-              <a:rPr lang="en-US" sz="1400" dirty="0" smtClean="0">
-                <a:solidFill>
-                  <a:srgbClr val="312D2A"/>
-                </a:solidFill>
-                <a:ea typeface="Questrial"/>
-                <a:cs typeface="Questrial"/>
-                <a:sym typeface="Questrial"/>
-              </a:rPr>
-              <a:t>2. Built on OCI python SDK that calls OCI REST APIs </a:t>
-            </a:r>
-          </a:p>
-          <a:p>
-            <a:pPr lvl="0">
-              <a:lnSpc>
-                <a:spcPct val="105000"/>
-              </a:lnSpc>
-              <a:buSzPts val="900"/>
-              <a:defRPr/>
-            </a:pPr>
-            <a:r>
-              <a:rPr lang="en-US" sz="1400" dirty="0" smtClean="0">
-                <a:solidFill>
-                  <a:srgbClr val="312D2A"/>
-                </a:solidFill>
-                <a:ea typeface="Questrial"/>
-                <a:cs typeface="Questrial"/>
-                <a:sym typeface="Questrial"/>
-              </a:rPr>
-              <a:t>3. OCI-CLI can run </a:t>
-            </a:r>
-            <a:r>
-              <a:rPr lang="en-US" sz="1400" dirty="0" smtClean="0">
-                <a:solidFill>
-                  <a:srgbClr val="312D2A"/>
-                </a:solidFill>
-                <a:ea typeface="Questrial"/>
-                <a:cs typeface="Questrial"/>
-                <a:sym typeface="Questrial"/>
-              </a:rPr>
-              <a:t>over Linux shell, Windows batch or Mac</a:t>
-            </a:r>
-            <a:endParaRPr lang="en-US" sz="1400" dirty="0" smtClean="0">
-              <a:solidFill>
-                <a:srgbClr val="312D2A"/>
-              </a:solidFill>
-              <a:ea typeface="Questrial"/>
-              <a:cs typeface="Questrial"/>
-              <a:sym typeface="Questrial"/>
-            </a:endParaRPr>
-          </a:p>
-        </p:txBody>
-      </p:sp>
-      <p:pic>
-        <p:nvPicPr>
-          <p:cNvPr id="4" name="Picture 3"/>
-          <p:cNvPicPr>
-            <a:picLocks noChangeAspect="1"/>
-          </p:cNvPicPr>
-          <p:nvPr/>
-        </p:nvPicPr>
-        <p:blipFill>
-          <a:blip r:embed="rId3"/>
-          <a:stretch>
-            <a:fillRect/>
-          </a:stretch>
-        </p:blipFill>
-        <p:spPr>
-          <a:xfrm>
-            <a:off x="288703" y="2875667"/>
-            <a:ext cx="7115175" cy="2905125"/>
-          </a:xfrm>
-          <a:prstGeom prst="rect">
-            <a:avLst/>
-          </a:prstGeom>
-        </p:spPr>
-      </p:pic>
-      <p:sp>
-        <p:nvSpPr>
-          <p:cNvPr id="20" name="Google Shape;72;p15">
-            <a:extLst>
-              <a:ext uri="{FF2B5EF4-FFF2-40B4-BE49-F238E27FC236}">
-                <a16:creationId xmlns:a16="http://schemas.microsoft.com/office/drawing/2014/main" xmlns="" id="{F3FC4F15-A9FA-0146-B83D-7497F110DAE5}"/>
-              </a:ext>
-            </a:extLst>
-          </p:cNvPr>
-          <p:cNvSpPr/>
-          <p:nvPr/>
-        </p:nvSpPr>
-        <p:spPr>
-          <a:xfrm>
-            <a:off x="7521146" y="2875667"/>
-            <a:ext cx="4439966" cy="3195619"/>
-          </a:xfrm>
-          <a:prstGeom prst="rect">
-            <a:avLst/>
-          </a:prstGeom>
-          <a:solidFill>
-            <a:srgbClr val="EFEFEF"/>
-          </a:solidFill>
-          <a:ln>
-            <a:noFill/>
-          </a:ln>
-        </p:spPr>
-        <p:txBody>
-          <a:bodyPr spcFirstLastPara="1" wrap="square" lIns="180000" tIns="72000" rIns="180000" bIns="72000" anchor="ctr" anchorCtr="0">
-            <a:noAutofit/>
-          </a:bodyPr>
-          <a:lstStyle/>
-          <a:p>
-            <a:pPr marR="0" lvl="0" algn="l" defTabSz="914400" rtl="0" eaLnBrk="1" fontAlgn="auto" latinLnBrk="0" hangingPunct="1">
-              <a:lnSpc>
-                <a:spcPct val="105000"/>
-              </a:lnSpc>
-              <a:spcBef>
-                <a:spcPts val="0"/>
-              </a:spcBef>
-              <a:spcAft>
-                <a:spcPts val="0"/>
-              </a:spcAft>
-              <a:buClrTx/>
-              <a:buSzPts val="900"/>
-              <a:tabLst/>
-              <a:defRPr/>
-            </a:pPr>
-            <a:r>
-              <a:rPr lang="en-US" sz="1400" b="1" dirty="0" smtClean="0">
-                <a:solidFill>
-                  <a:srgbClr val="312D2A"/>
-                </a:solidFill>
-                <a:latin typeface="Oracle Sans"/>
-                <a:ea typeface="Questrial"/>
-                <a:cs typeface="Questrial"/>
-                <a:sym typeface="Questrial"/>
-              </a:rPr>
-              <a:t>Research Gateway and OCI CLI Features</a:t>
-            </a:r>
-          </a:p>
-          <a:p>
-            <a:pPr marR="0" lvl="0" algn="l" defTabSz="914400" rtl="0" eaLnBrk="1" fontAlgn="auto" latinLnBrk="0" hangingPunct="1">
-              <a:lnSpc>
-                <a:spcPct val="105000"/>
-              </a:lnSpc>
-              <a:spcBef>
-                <a:spcPts val="0"/>
-              </a:spcBef>
-              <a:spcAft>
-                <a:spcPts val="0"/>
-              </a:spcAft>
-              <a:buClrTx/>
-              <a:buSzPts val="900"/>
-              <a:tabLst/>
-              <a:defRPr/>
-            </a:pPr>
-            <a:r>
-              <a:rPr kumimoji="0" lang="en-US" sz="1400" i="0" u="none" strike="noStrike" kern="1200" cap="none" spc="0" normalizeH="0" baseline="0" noProof="0" dirty="0" smtClean="0">
-                <a:ln>
-                  <a:noFill/>
-                </a:ln>
-                <a:solidFill>
-                  <a:srgbClr val="312D2A"/>
-                </a:solidFill>
-                <a:effectLst/>
-                <a:uLnTx/>
-                <a:uFillTx/>
-                <a:latin typeface="Oracle Sans"/>
-                <a:ea typeface="Questrial"/>
-                <a:cs typeface="Questrial"/>
-                <a:sym typeface="Questrial"/>
-              </a:rPr>
-              <a:t>1.</a:t>
-            </a:r>
-            <a:r>
-              <a:rPr kumimoji="0" lang="en-US" sz="1400" i="0" u="none" strike="noStrike" kern="1200" cap="none" spc="0" normalizeH="0" noProof="0" dirty="0" smtClean="0">
-                <a:ln>
-                  <a:noFill/>
-                </a:ln>
-                <a:solidFill>
-                  <a:srgbClr val="312D2A"/>
-                </a:solidFill>
-                <a:effectLst/>
-                <a:uLnTx/>
-                <a:uFillTx/>
-                <a:latin typeface="Oracle Sans"/>
-                <a:ea typeface="Questrial"/>
-                <a:cs typeface="Questrial"/>
-                <a:sym typeface="Questrial"/>
-              </a:rPr>
-              <a:t> Programmatic usage OCI Console features</a:t>
-            </a:r>
-          </a:p>
-          <a:p>
-            <a:pPr marR="0" lvl="0" algn="l" defTabSz="914400" rtl="0" eaLnBrk="1" fontAlgn="auto" latinLnBrk="0" hangingPunct="1">
-              <a:lnSpc>
-                <a:spcPct val="105000"/>
-              </a:lnSpc>
-              <a:spcBef>
-                <a:spcPts val="0"/>
-              </a:spcBef>
-              <a:spcAft>
-                <a:spcPts val="0"/>
-              </a:spcAft>
-              <a:buClrTx/>
-              <a:buSzPts val="900"/>
-              <a:tabLst/>
-              <a:defRPr/>
-            </a:pPr>
-            <a:r>
-              <a:rPr kumimoji="0" lang="en-US" sz="1400" i="0" u="none" strike="noStrike" kern="1200" cap="none" spc="0" normalizeH="0" baseline="0" noProof="0" dirty="0" smtClean="0">
-                <a:ln>
-                  <a:noFill/>
-                </a:ln>
-                <a:solidFill>
-                  <a:srgbClr val="312D2A"/>
-                </a:solidFill>
-                <a:effectLst/>
-                <a:uLnTx/>
-                <a:uFillTx/>
-                <a:latin typeface="Oracle Sans"/>
-                <a:ea typeface="Questrial"/>
-                <a:cs typeface="Questrial"/>
-                <a:sym typeface="Questrial"/>
-              </a:rPr>
-              <a:t>2. Quick and easy install</a:t>
-            </a:r>
-          </a:p>
-          <a:p>
-            <a:pPr marR="0" lvl="0" algn="l" defTabSz="914400" rtl="0" eaLnBrk="1" fontAlgn="auto" latinLnBrk="0" hangingPunct="1">
-              <a:lnSpc>
-                <a:spcPct val="105000"/>
-              </a:lnSpc>
-              <a:spcBef>
-                <a:spcPts val="0"/>
-              </a:spcBef>
-              <a:spcAft>
-                <a:spcPts val="0"/>
-              </a:spcAft>
-              <a:buClrTx/>
-              <a:buSzPts val="900"/>
-              <a:tabLst/>
-              <a:defRPr/>
-            </a:pPr>
-            <a:r>
-              <a:rPr lang="en-US" sz="1400" dirty="0" smtClean="0">
-                <a:solidFill>
-                  <a:srgbClr val="312D2A"/>
-                </a:solidFill>
-                <a:latin typeface="Oracle Sans"/>
-                <a:ea typeface="Questrial"/>
-                <a:cs typeface="Questrial"/>
-                <a:sym typeface="Questrial"/>
-              </a:rPr>
-              <a:t>3. Low learning curve</a:t>
-            </a:r>
-          </a:p>
-          <a:p>
-            <a:pPr marR="0" lvl="0" algn="l" defTabSz="914400" rtl="0" eaLnBrk="1" fontAlgn="auto" latinLnBrk="0" hangingPunct="1">
-              <a:lnSpc>
-                <a:spcPct val="105000"/>
-              </a:lnSpc>
-              <a:spcBef>
-                <a:spcPts val="0"/>
-              </a:spcBef>
-              <a:spcAft>
-                <a:spcPts val="0"/>
-              </a:spcAft>
-              <a:buClrTx/>
-              <a:buSzPts val="900"/>
-              <a:tabLst/>
-              <a:defRPr/>
-            </a:pPr>
-            <a:r>
-              <a:rPr lang="en-US" sz="1400" dirty="0" smtClean="0">
-                <a:solidFill>
-                  <a:srgbClr val="312D2A"/>
-                </a:solidFill>
-                <a:latin typeface="Oracle Sans"/>
-                <a:ea typeface="Questrial"/>
-                <a:cs typeface="Questrial"/>
-                <a:sym typeface="Questrial"/>
-              </a:rPr>
-              <a:t>4. Multiple tenancy support </a:t>
-            </a:r>
-          </a:p>
-          <a:p>
-            <a:pPr marR="0" lvl="0" algn="l" defTabSz="914400" rtl="0" eaLnBrk="1" fontAlgn="auto" latinLnBrk="0" hangingPunct="1">
-              <a:lnSpc>
-                <a:spcPct val="105000"/>
-              </a:lnSpc>
-              <a:spcBef>
-                <a:spcPts val="0"/>
-              </a:spcBef>
-              <a:spcAft>
-                <a:spcPts val="0"/>
-              </a:spcAft>
-              <a:buClrTx/>
-              <a:buSzPts val="900"/>
-              <a:tabLst/>
-              <a:defRPr/>
-            </a:pPr>
-            <a:r>
-              <a:rPr lang="en-US" sz="1400" dirty="0" smtClean="0">
-                <a:solidFill>
-                  <a:srgbClr val="312D2A"/>
-                </a:solidFill>
-                <a:latin typeface="Oracle Sans"/>
-                <a:ea typeface="Questrial"/>
-                <a:cs typeface="Questrial"/>
-                <a:sym typeface="Questrial"/>
-              </a:rPr>
-              <a:t>4. Integrates well with Linux shell commands</a:t>
-            </a:r>
-          </a:p>
-          <a:p>
-            <a:pPr marR="0" lvl="0" algn="l" defTabSz="914400" rtl="0" eaLnBrk="1" fontAlgn="auto" latinLnBrk="0" hangingPunct="1">
-              <a:lnSpc>
-                <a:spcPct val="105000"/>
-              </a:lnSpc>
-              <a:spcBef>
-                <a:spcPts val="0"/>
-              </a:spcBef>
-              <a:spcAft>
-                <a:spcPts val="0"/>
-              </a:spcAft>
-              <a:buClrTx/>
-              <a:buSzPts val="900"/>
-              <a:tabLst/>
-              <a:defRPr/>
-            </a:pPr>
-            <a:r>
-              <a:rPr lang="en-US" sz="1400" dirty="0" smtClean="0">
-                <a:solidFill>
-                  <a:srgbClr val="312D2A"/>
-                </a:solidFill>
-                <a:latin typeface="Oracle Sans"/>
-                <a:ea typeface="Questrial"/>
-                <a:cs typeface="Questrial"/>
-                <a:sym typeface="Questrial"/>
-              </a:rPr>
-              <a:t>5. APIs released before console features</a:t>
-            </a:r>
-          </a:p>
-          <a:p>
-            <a:pPr marR="0" lvl="0" algn="l" defTabSz="914400" rtl="0" eaLnBrk="1" fontAlgn="auto" latinLnBrk="0" hangingPunct="1">
-              <a:lnSpc>
-                <a:spcPct val="105000"/>
-              </a:lnSpc>
-              <a:spcBef>
-                <a:spcPts val="0"/>
-              </a:spcBef>
-              <a:spcAft>
-                <a:spcPts val="0"/>
-              </a:spcAft>
-              <a:buClrTx/>
-              <a:buSzPts val="900"/>
-              <a:tabLst/>
-              <a:defRPr/>
-            </a:pPr>
-            <a:r>
-              <a:rPr lang="en-US" sz="1400" dirty="0" smtClean="0">
-                <a:solidFill>
-                  <a:srgbClr val="312D2A"/>
-                </a:solidFill>
-                <a:latin typeface="Oracle Sans"/>
-                <a:ea typeface="Questrial"/>
-                <a:cs typeface="Questrial"/>
-                <a:sym typeface="Questrial"/>
-              </a:rPr>
-              <a:t>6. Command generation options</a:t>
-            </a:r>
-          </a:p>
-          <a:p>
-            <a:pPr marR="0" lvl="0" algn="l" defTabSz="914400" rtl="0" eaLnBrk="1" fontAlgn="auto" latinLnBrk="0" hangingPunct="1">
-              <a:lnSpc>
-                <a:spcPct val="105000"/>
-              </a:lnSpc>
-              <a:spcBef>
-                <a:spcPts val="0"/>
-              </a:spcBef>
-              <a:spcAft>
-                <a:spcPts val="0"/>
-              </a:spcAft>
-              <a:buClrTx/>
-              <a:buSzPts val="900"/>
-              <a:tabLst/>
-              <a:defRPr/>
-            </a:pPr>
-            <a:r>
-              <a:rPr lang="en-US" sz="1400" dirty="0" smtClean="0">
-                <a:solidFill>
-                  <a:srgbClr val="312D2A"/>
-                </a:solidFill>
-                <a:latin typeface="Oracle Sans"/>
-                <a:ea typeface="Questrial"/>
-                <a:cs typeface="Questrial"/>
-                <a:sym typeface="Questrial"/>
-              </a:rPr>
-              <a:t>7. JSON support</a:t>
-            </a:r>
-          </a:p>
-          <a:p>
-            <a:pPr marR="0" lvl="0" algn="l" defTabSz="914400" rtl="0" eaLnBrk="1" fontAlgn="auto" latinLnBrk="0" hangingPunct="1">
-              <a:lnSpc>
-                <a:spcPct val="105000"/>
-              </a:lnSpc>
-              <a:spcBef>
-                <a:spcPts val="0"/>
-              </a:spcBef>
-              <a:spcAft>
-                <a:spcPts val="0"/>
-              </a:spcAft>
-              <a:buClrTx/>
-              <a:buSzPts val="900"/>
-              <a:tabLst/>
-              <a:defRPr/>
-            </a:pPr>
-            <a:r>
-              <a:rPr lang="en-US" sz="1400" dirty="0" smtClean="0">
-                <a:solidFill>
-                  <a:srgbClr val="312D2A"/>
-                </a:solidFill>
-                <a:latin typeface="Oracle Sans"/>
-                <a:ea typeface="Questrial"/>
-                <a:cs typeface="Questrial"/>
-                <a:sym typeface="Questrial"/>
-              </a:rPr>
-              <a:t>8. Extensible usage and cost API</a:t>
-            </a:r>
-          </a:p>
-          <a:p>
-            <a:pPr marR="0" lvl="0" algn="l" defTabSz="914400" rtl="0" eaLnBrk="1" fontAlgn="auto" latinLnBrk="0" hangingPunct="1">
-              <a:lnSpc>
-                <a:spcPct val="105000"/>
-              </a:lnSpc>
-              <a:spcBef>
-                <a:spcPts val="0"/>
-              </a:spcBef>
-              <a:spcAft>
-                <a:spcPts val="0"/>
-              </a:spcAft>
-              <a:buClrTx/>
-              <a:buSzPts val="900"/>
-              <a:tabLst/>
-              <a:defRPr/>
-            </a:pPr>
-            <a:r>
-              <a:rPr lang="en-US" sz="1400" dirty="0" smtClean="0">
-                <a:solidFill>
-                  <a:srgbClr val="312D2A"/>
-                </a:solidFill>
-                <a:latin typeface="Oracle Sans"/>
-                <a:ea typeface="Questrial"/>
-                <a:cs typeface="Questrial"/>
-                <a:sym typeface="Questrial"/>
-              </a:rPr>
-              <a:t>9. Notification API</a:t>
-            </a:r>
-          </a:p>
-          <a:p>
-            <a:pPr marR="0" lvl="0" algn="l" defTabSz="914400" rtl="0" eaLnBrk="1" fontAlgn="auto" latinLnBrk="0" hangingPunct="1">
-              <a:lnSpc>
-                <a:spcPct val="105000"/>
-              </a:lnSpc>
-              <a:spcBef>
-                <a:spcPts val="0"/>
-              </a:spcBef>
-              <a:spcAft>
-                <a:spcPts val="0"/>
-              </a:spcAft>
-              <a:buClrTx/>
-              <a:buSzPts val="900"/>
-              <a:tabLst/>
-              <a:defRPr/>
-            </a:pPr>
-            <a:r>
-              <a:rPr lang="en-US" sz="1400" dirty="0" smtClean="0">
-                <a:solidFill>
-                  <a:srgbClr val="312D2A"/>
-                </a:solidFill>
-                <a:latin typeface="Oracle Sans"/>
-                <a:ea typeface="Questrial"/>
-                <a:cs typeface="Questrial"/>
-                <a:sym typeface="Questrial"/>
-              </a:rPr>
-              <a:t>10. Logging and audit API</a:t>
-            </a:r>
-          </a:p>
-          <a:p>
-            <a:pPr marR="0" lvl="0" algn="l" defTabSz="914400" rtl="0" eaLnBrk="1" fontAlgn="auto" latinLnBrk="0" hangingPunct="1">
-              <a:lnSpc>
-                <a:spcPct val="105000"/>
-              </a:lnSpc>
-              <a:spcBef>
-                <a:spcPts val="0"/>
-              </a:spcBef>
-              <a:spcAft>
-                <a:spcPts val="0"/>
-              </a:spcAft>
-              <a:buClrTx/>
-              <a:buSzPts val="900"/>
-              <a:tabLst/>
-              <a:defRPr/>
-            </a:pPr>
-            <a:r>
-              <a:rPr lang="en-US" sz="1400" dirty="0" smtClean="0">
-                <a:solidFill>
-                  <a:srgbClr val="312D2A"/>
-                </a:solidFill>
-                <a:latin typeface="Oracle Sans"/>
-                <a:ea typeface="Questrial"/>
-                <a:cs typeface="Questrial"/>
-                <a:sym typeface="Questrial"/>
-              </a:rPr>
-              <a:t>11. Manage console resources stack and Terraform </a:t>
-            </a:r>
-            <a:endParaRPr kumimoji="0" sz="1400" i="0" u="none" strike="noStrike" kern="1200" cap="none" spc="0" normalizeH="0" baseline="0" noProof="0" dirty="0">
-              <a:ln>
-                <a:noFill/>
-              </a:ln>
-              <a:solidFill>
-                <a:srgbClr val="312D2A"/>
-              </a:solidFill>
-              <a:effectLst/>
-              <a:uLnTx/>
-              <a:uFillTx/>
-              <a:latin typeface="Oracle Sans"/>
-              <a:ea typeface="Questrial"/>
-              <a:cs typeface="Questrial"/>
-              <a:sym typeface="Questrial"/>
-            </a:endParaRPr>
-          </a:p>
-        </p:txBody>
-      </p:sp>
-    </p:spTree>
-    <p:extLst>
-      <p:ext uri="{BB962C8B-B14F-4D97-AF65-F5344CB8AC3E}">
-        <p14:creationId xmlns:p14="http://schemas.microsoft.com/office/powerpoint/2010/main" val="4284352472"/>
-      </p:ext>
-    </p:extLst>
-  </p:cSld>
-  <p:clrMapOvr>
-    <a:masterClrMapping/>
-  </p:clrMapOvr>
-  <mc:AlternateContent xmlns:mc="http://schemas.openxmlformats.org/markup-compatibility/2006" xmlns:p14="http://schemas.microsoft.com/office/powerpoint/2010/main">
-    <mc:Choice Requires="p14">
-      <p:transition spd="med" p14:dur="700">
-        <p:fade/>
-      </p:transition>
-    </mc:Choice>
-    <mc:Fallback xmlns="">
-      <p:transition spd="med">
-        <p:fade/>
-      </p:transition>
-    </mc:Fallback>
-  </mc:AlternateContent>
-  <p:timing>
-    <p:tnLst>
-      <p:par>
-        <p:cTn id="1" dur="indefinite" restart="never" nodeType="tmRoot"/>
-      </p:par>
-    </p:tnLst>
-  </p:timing>
-</p:sld>
-</file>
-
-<file path=ppt/slides/slide6.xml><?xml version="1.0" encoding="utf-8"?>
-<p:sld xmlns:a="http://schemas.openxmlformats.org/drawingml/2006/main" xmlns:r="http://schemas.openxmlformats.org/officeDocument/2006/relationships" xmlns:p="http://schemas.openxmlformats.org/presentationml/2006/main">
-  <p:cSld>
-    <p:spTree>
-      <p:nvGrpSpPr>
-        <p:cNvPr id="1" name=""/>
-        <p:cNvGrpSpPr/>
-        <p:nvPr/>
-      </p:nvGrpSpPr>
-      <p:grpSpPr>
-        <a:xfrm>
-          <a:off x="0" y="0"/>
-          <a:ext cx="0" cy="0"/>
-          <a:chOff x="0" y="0"/>
-          <a:chExt cx="0" cy="0"/>
-        </a:xfrm>
-      </p:grpSpPr>
-      <p:sp>
-        <p:nvSpPr>
-          <p:cNvPr id="108" name="TextBox 107">
-            <a:extLst>
-              <a:ext uri="{FF2B5EF4-FFF2-40B4-BE49-F238E27FC236}">
-                <a16:creationId xmlns="" xmlns:a16="http://schemas.microsoft.com/office/drawing/2014/main" id="{00FABF5B-8DCC-4D38-8123-A80D08EB965B}"/>
               </a:ext>
             </a:extLst>
           </p:cNvPr>
@@ -6899,7 +5920,7 @@
 </p:sld>
 </file>
 
-<file path=ppt/slides/slide7.xml><?xml version="1.0" encoding="utf-8"?>
+<file path=ppt/slides/slide6.xml><?xml version="1.0" encoding="utf-8"?>
 <p:sld xmlns:a="http://schemas.openxmlformats.org/drawingml/2006/main" xmlns:r="http://schemas.openxmlformats.org/officeDocument/2006/relationships" xmlns:p="http://schemas.openxmlformats.org/presentationml/2006/main">
   <p:cSld>
     <p:spTree>
@@ -6921,7 +5942,7 @@
           <p:cNvPr id="2" name="Footer Placeholder 1">
             <a:extLst>
               <a:ext uri="{FF2B5EF4-FFF2-40B4-BE49-F238E27FC236}">
-                <a16:creationId xmlns:a16="http://schemas.microsoft.com/office/drawing/2014/main" xmlns="" id="{EB7098F0-6935-B247-92F1-05653C13B445}"/>
+                <a16:creationId xmlns="" xmlns:a16="http://schemas.microsoft.com/office/drawing/2014/main" id="{EB7098F0-6935-B247-92F1-05653C13B445}"/>
               </a:ext>
             </a:extLst>
           </p:cNvPr>
@@ -6949,7 +5970,7 @@
           <p:cNvPr id="3" name="Slide Number Placeholder 2">
             <a:extLst>
               <a:ext uri="{FF2B5EF4-FFF2-40B4-BE49-F238E27FC236}">
-                <a16:creationId xmlns:a16="http://schemas.microsoft.com/office/drawing/2014/main" xmlns="" id="{A85048A9-3D14-B945-BA11-ED741A6748C3}"/>
+                <a16:creationId xmlns="" xmlns:a16="http://schemas.microsoft.com/office/drawing/2014/main" id="{A85048A9-3D14-B945-BA11-ED741A6748C3}"/>
               </a:ext>
             </a:extLst>
           </p:cNvPr>
@@ -6968,7 +5989,7 @@
             <a:fld id="{345D60D9-5372-5F40-9443-0F9AE5BDC3C8}" type="slidenum">
               <a:rPr lang="en-US" smtClean="0"/>
               <a:pPr/>
-              <a:t>7</a:t>
+              <a:t>6</a:t>
             </a:fld>
             <a:endParaRPr lang="en-US" dirty="0"/>
           </a:p>
@@ -6979,7 +6000,7 @@
           <p:cNvPr id="9" name="Google Shape;70;p15">
             <a:extLst>
               <a:ext uri="{FF2B5EF4-FFF2-40B4-BE49-F238E27FC236}">
-                <a16:creationId xmlns:a16="http://schemas.microsoft.com/office/drawing/2014/main" xmlns="" id="{6E553804-E03E-2E4C-8825-93899756C43A}"/>
+                <a16:creationId xmlns="" xmlns:a16="http://schemas.microsoft.com/office/drawing/2014/main" id="{6E553804-E03E-2E4C-8825-93899756C43A}"/>
               </a:ext>
             </a:extLst>
           </p:cNvPr>
@@ -6988,8 +6009,8 @@
         </p:nvSpPr>
         <p:spPr>
           <a:xfrm>
-            <a:off x="6134867" y="1263838"/>
-            <a:ext cx="5624418" cy="787897"/>
+            <a:off x="288704" y="1906213"/>
+            <a:ext cx="2431348" cy="787897"/>
           </a:xfrm>
           <a:prstGeom prst="rect">
             <a:avLst/>
@@ -7017,7 +6038,6 @@
           </a:bodyPr>
           <a:lstStyle/>
           <a:p>
-            <a:pPr algn="ctr"/>
             <a:r>
               <a:rPr lang="en-US" b="1" dirty="0" smtClean="0">
                 <a:solidFill>
@@ -7027,16 +6047,8 @@
                 <a:cs typeface="Calibri Light" panose="020F0302020204030204" pitchFamily="34" charset="0"/>
                 <a:sym typeface="Questrial"/>
               </a:rPr>
-              <a:t>OCI Console</a:t>
-            </a:r>
-            <a:endParaRPr lang="en-US" b="1" dirty="0">
-              <a:solidFill>
-                <a:schemeClr val="bg1"/>
-              </a:solidFill>
-              <a:latin typeface="Calibri Light" panose="020F0302020204030204" pitchFamily="34" charset="0"/>
-              <a:cs typeface="Calibri Light" panose="020F0302020204030204" pitchFamily="34" charset="0"/>
-              <a:sym typeface="Questrial"/>
-            </a:endParaRPr>
+              <a:t>Research Gateway</a:t>
+            </a:r>
           </a:p>
         </p:txBody>
       </p:sp>
@@ -7045,7 +6057,7 @@
           <p:cNvPr id="10" name="Google Shape;72;p15">
             <a:extLst>
               <a:ext uri="{FF2B5EF4-FFF2-40B4-BE49-F238E27FC236}">
-                <a16:creationId xmlns:a16="http://schemas.microsoft.com/office/drawing/2014/main" xmlns="" id="{F3FC4F15-A9FA-0146-B83D-7497F110DAE5}"/>
+                <a16:creationId xmlns="" xmlns:a16="http://schemas.microsoft.com/office/drawing/2014/main" id="{F3FC4F15-A9FA-0146-B83D-7497F110DAE5}"/>
               </a:ext>
             </a:extLst>
           </p:cNvPr>
@@ -7054,8 +6066,8 @@
         </p:nvSpPr>
         <p:spPr>
           <a:xfrm>
-            <a:off x="288702" y="2227150"/>
-            <a:ext cx="5632413" cy="4066558"/>
+            <a:off x="2720051" y="1906213"/>
+            <a:ext cx="9039234" cy="787897"/>
           </a:xfrm>
           <a:prstGeom prst="rect">
             <a:avLst/>
@@ -7089,7 +6101,7 @@
               <a:defRPr/>
             </a:pPr>
             <a:r>
-              <a:rPr kumimoji="0" lang="en-US" i="0" u="sng" strike="noStrike" kern="1200" cap="none" spc="0" normalizeH="0" noProof="0" dirty="0" smtClean="0">
+              <a:rPr kumimoji="0" lang="en-US" sz="1400" i="0" u="none" strike="noStrike" kern="1200" cap="none" spc="0" normalizeH="0" baseline="0" noProof="0" dirty="0" smtClean="0">
                 <a:ln>
                   <a:noFill/>
                 </a:ln>
@@ -7104,22 +6116,10 @@
                 <a:cs typeface="Questrial"/>
                 <a:sym typeface="Questrial"/>
               </a:rPr>
-              <a:t>Recommended </a:t>
-            </a:r>
-            <a:r>
-              <a:rPr lang="en-US" u="sng" dirty="0" smtClean="0">
-                <a:solidFill>
-                  <a:srgbClr val="312D2A"/>
-                </a:solidFill>
-                <a:latin typeface="Oracle Sans"/>
-                <a:ea typeface="Questrial"/>
-                <a:cs typeface="Questrial"/>
-                <a:sym typeface="Questrial"/>
-              </a:rPr>
-              <a:t>for – Repeatable tasks</a:t>
-            </a:r>
-            <a:r>
-              <a:rPr kumimoji="0" lang="en-US" i="0" u="sng" strike="noStrike" kern="1200" cap="none" spc="0" normalizeH="0" noProof="0" dirty="0" smtClean="0">
+              <a:t>1.</a:t>
+            </a:r>
+            <a:r>
+              <a:rPr kumimoji="0" lang="en-US" sz="1400" i="0" u="none" strike="noStrike" kern="1200" cap="none" spc="0" normalizeH="0" noProof="0" dirty="0" smtClean="0">
                 <a:ln>
                   <a:noFill/>
                 </a:ln>
@@ -7136,7 +6136,19 @@
               </a:rPr>
               <a:t> </a:t>
             </a:r>
-            <a:endParaRPr kumimoji="0" lang="en-US" i="0" u="sng" strike="noStrike" kern="1200" cap="none" spc="0" normalizeH="0" noProof="0" dirty="0" smtClean="0">
+            <a:r>
+              <a:rPr lang="en-US" sz="1400" dirty="0" smtClean="0">
+                <a:solidFill>
+                  <a:srgbClr val="312D2A"/>
+                </a:solidFill>
+                <a:latin typeface="Oracle Sans"/>
+                <a:ea typeface="Questrial"/>
+                <a:cs typeface="Questrial"/>
+                <a:sym typeface="Questrial"/>
+              </a:rPr>
+              <a:t>An Oracle Linux image with OCI-CLI installed</a:t>
+            </a:r>
+            <a:endParaRPr kumimoji="0" lang="en-US" sz="1400" i="0" u="none" strike="noStrike" kern="1200" cap="none" spc="0" normalizeH="0" noProof="0" dirty="0" smtClean="0">
               <a:ln>
                 <a:noFill/>
               </a:ln>
@@ -7169,19 +6181,25 @@
               <a:defRPr/>
             </a:pPr>
             <a:r>
-              <a:rPr lang="en-US" sz="1600" dirty="0" smtClean="0">
-                <a:solidFill>
-                  <a:srgbClr val="312D2A"/>
-                </a:solidFill>
+              <a:rPr kumimoji="0" lang="en-US" sz="1400" i="0" u="none" strike="noStrike" kern="1200" cap="none" spc="0" normalizeH="0" baseline="0" noProof="0" dirty="0" smtClean="0">
+                <a:ln>
+                  <a:noFill/>
+                </a:ln>
+                <a:solidFill>
+                  <a:srgbClr val="312D2A"/>
+                </a:solidFill>
+                <a:effectLst/>
+                <a:uLnTx/>
+                <a:uFillTx/>
                 <a:latin typeface="Oracle Sans"/>
                 <a:ea typeface="Questrial"/>
                 <a:cs typeface="Questrial"/>
                 <a:sym typeface="Questrial"/>
               </a:rPr>
-              <a:t>1. </a:t>
-            </a:r>
-            <a:r>
-              <a:rPr lang="en-US" sz="1600" dirty="0" smtClean="0">
+              <a:t>2. </a:t>
+            </a:r>
+            <a:r>
+              <a:rPr lang="en-US" sz="1400" noProof="0" dirty="0" smtClean="0">
                 <a:solidFill>
                   <a:srgbClr val="312D2A"/>
                 </a:solidFill>
@@ -7190,9 +6208,33 @@
                 <a:cs typeface="Questrial"/>
                 <a:sym typeface="Questrial"/>
               </a:rPr>
-              <a:t>Starting and terminating an instances</a:t>
-            </a:r>
-            <a:endParaRPr lang="en-US" sz="1600" dirty="0" smtClean="0">
+              <a:t>Available as a custom image from Oracle for Research (</a:t>
+            </a:r>
+            <a:r>
+              <a:rPr lang="en-US" sz="1400" noProof="0" dirty="0" err="1" smtClean="0">
+                <a:solidFill>
+                  <a:srgbClr val="312D2A"/>
+                </a:solidFill>
+                <a:latin typeface="Oracle Sans"/>
+                <a:ea typeface="Questrial"/>
+                <a:cs typeface="Questrial"/>
+                <a:sym typeface="Questrial"/>
+              </a:rPr>
+              <a:t>github</a:t>
+            </a:r>
+            <a:r>
+              <a:rPr lang="en-US" sz="1400" noProof="0" dirty="0" smtClean="0">
+                <a:solidFill>
+                  <a:srgbClr val="312D2A"/>
+                </a:solidFill>
+                <a:latin typeface="Oracle Sans"/>
+                <a:ea typeface="Questrial"/>
+                <a:cs typeface="Questrial"/>
+                <a:sym typeface="Questrial"/>
+              </a:rPr>
+              <a:t> link)</a:t>
+            </a:r>
+            <a:endParaRPr lang="en-US" sz="1400" dirty="0" smtClean="0">
               <a:solidFill>
                 <a:srgbClr val="312D2A"/>
               </a:solidFill>
@@ -7219,7 +6261,7 @@
               <a:defRPr/>
             </a:pPr>
             <a:r>
-              <a:rPr kumimoji="0" lang="en-US" sz="1600" i="0" u="none" strike="noStrike" kern="1200" cap="none" spc="0" normalizeH="0" baseline="0" noProof="0" dirty="0" smtClean="0">
+              <a:rPr kumimoji="0" lang="en-US" sz="1400" i="0" u="none" strike="noStrike" kern="1200" cap="none" spc="0" normalizeH="0" baseline="0" noProof="0" dirty="0" smtClean="0">
                 <a:ln>
                   <a:noFill/>
                 </a:ln>
@@ -7234,10 +6276,10 @@
                 <a:cs typeface="Questrial"/>
                 <a:sym typeface="Questrial"/>
               </a:rPr>
-              <a:t>2. </a:t>
-            </a:r>
-            <a:r>
-              <a:rPr kumimoji="0" lang="en-US" sz="1600" i="0" u="none" strike="noStrike" kern="1200" cap="none" spc="0" normalizeH="0" baseline="0" noProof="0" dirty="0" smtClean="0">
+              <a:t>3.</a:t>
+            </a:r>
+            <a:r>
+              <a:rPr kumimoji="0" lang="en-US" sz="1400" i="0" u="none" strike="noStrike" kern="1200" cap="none" spc="0" normalizeH="0" noProof="0" dirty="0" smtClean="0">
                 <a:ln>
                   <a:noFill/>
                 </a:ln>
@@ -7252,181 +6294,21 @@
                 <a:cs typeface="Questrial"/>
                 <a:sym typeface="Questrial"/>
               </a:rPr>
-              <a:t>Attaching / detaching block volumes / file</a:t>
-            </a:r>
-            <a:r>
-              <a:rPr kumimoji="0" lang="en-US" sz="1600" i="0" u="none" strike="noStrike" kern="1200" cap="none" spc="0" normalizeH="0" noProof="0" dirty="0" smtClean="0">
-                <a:ln>
-                  <a:noFill/>
-                </a:ln>
-                <a:solidFill>
-                  <a:srgbClr val="312D2A"/>
-                </a:solidFill>
-                <a:effectLst/>
-                <a:uLnTx/>
-                <a:uFillTx/>
+              <a:t> </a:t>
+            </a:r>
+            <a:r>
+              <a:rPr lang="en-US" sz="1400" dirty="0" smtClean="0">
+                <a:solidFill>
+                  <a:srgbClr val="312D2A"/>
+                </a:solidFill>
                 <a:latin typeface="Oracle Sans"/>
                 <a:ea typeface="Questrial"/>
                 <a:cs typeface="Questrial"/>
                 <a:sym typeface="Questrial"/>
               </a:rPr>
-              <a:t> systems</a:t>
-            </a:r>
-            <a:endParaRPr lang="en-US" sz="1600" noProof="0" dirty="0" smtClean="0">
-              <a:solidFill>
-                <a:srgbClr val="312D2A"/>
-              </a:solidFill>
-              <a:latin typeface="Oracle Sans"/>
-              <a:ea typeface="Questrial"/>
-              <a:cs typeface="Questrial"/>
-              <a:sym typeface="Questrial"/>
-            </a:endParaRPr>
-          </a:p>
-          <a:p>
-            <a:pPr marR="0" lvl="0" algn="l" defTabSz="914400" rtl="0" eaLnBrk="1" fontAlgn="auto" latinLnBrk="0" hangingPunct="1">
-              <a:lnSpc>
-                <a:spcPct val="105000"/>
-              </a:lnSpc>
-              <a:spcBef>
-                <a:spcPts val="0"/>
-              </a:spcBef>
-              <a:spcAft>
-                <a:spcPts val="0"/>
-              </a:spcAft>
-              <a:buClrTx/>
-              <a:buSzPts val="900"/>
-              <a:tabLst/>
-              <a:defRPr/>
-            </a:pPr>
-            <a:r>
-              <a:rPr kumimoji="0" lang="en-US" sz="1600" i="0" u="none" strike="noStrike" kern="1200" cap="none" spc="0" normalizeH="0" baseline="0" dirty="0" smtClean="0">
-                <a:ln>
-                  <a:noFill/>
-                </a:ln>
-                <a:solidFill>
-                  <a:srgbClr val="312D2A"/>
-                </a:solidFill>
-                <a:effectLst/>
-                <a:uLnTx/>
-                <a:uFillTx/>
-                <a:latin typeface="Oracle Sans"/>
-                <a:ea typeface="Questrial"/>
-                <a:cs typeface="Questrial"/>
-                <a:sym typeface="Questrial"/>
-              </a:rPr>
-              <a:t>3.</a:t>
-            </a:r>
-            <a:r>
-              <a:rPr kumimoji="0" lang="en-US" sz="1600" i="0" u="none" strike="noStrike" kern="1200" cap="none" spc="0" normalizeH="0" dirty="0" smtClean="0">
-                <a:ln>
-                  <a:noFill/>
-                </a:ln>
-                <a:solidFill>
-                  <a:srgbClr val="312D2A"/>
-                </a:solidFill>
-                <a:effectLst/>
-                <a:uLnTx/>
-                <a:uFillTx/>
-                <a:latin typeface="Oracle Sans"/>
-                <a:ea typeface="Questrial"/>
-                <a:cs typeface="Questrial"/>
-                <a:sym typeface="Questrial"/>
-              </a:rPr>
-              <a:t> </a:t>
-            </a:r>
-            <a:r>
-              <a:rPr lang="en-US" sz="1600" dirty="0" smtClean="0">
-                <a:solidFill>
-                  <a:srgbClr val="312D2A"/>
-                </a:solidFill>
-                <a:latin typeface="Oracle Sans"/>
-                <a:ea typeface="Questrial"/>
-                <a:cs typeface="Questrial"/>
-                <a:sym typeface="Questrial"/>
-              </a:rPr>
-              <a:t>Copying, deleting and exporting data</a:t>
-            </a:r>
-            <a:endParaRPr lang="en-US" sz="1600" dirty="0" smtClean="0">
-              <a:solidFill>
-                <a:srgbClr val="312D2A"/>
-              </a:solidFill>
-              <a:latin typeface="Oracle Sans"/>
-              <a:ea typeface="Questrial"/>
-              <a:cs typeface="Questrial"/>
-              <a:sym typeface="Questrial"/>
-            </a:endParaRPr>
-          </a:p>
-          <a:p>
-            <a:pPr marR="0" lvl="0" algn="l" defTabSz="914400" rtl="0" eaLnBrk="1" fontAlgn="auto" latinLnBrk="0" hangingPunct="1">
-              <a:lnSpc>
-                <a:spcPct val="105000"/>
-              </a:lnSpc>
-              <a:spcBef>
-                <a:spcPts val="0"/>
-              </a:spcBef>
-              <a:spcAft>
-                <a:spcPts val="0"/>
-              </a:spcAft>
-              <a:buClrTx/>
-              <a:buSzPts val="900"/>
-              <a:tabLst/>
-              <a:defRPr/>
-            </a:pPr>
-            <a:r>
-              <a:rPr kumimoji="0" lang="en-US" sz="1600" i="0" u="none" strike="noStrike" kern="1200" cap="none" spc="0" normalizeH="0" baseline="0" noProof="0" dirty="0" smtClean="0">
-                <a:ln>
-                  <a:noFill/>
-                </a:ln>
-                <a:solidFill>
-                  <a:srgbClr val="312D2A"/>
-                </a:solidFill>
-                <a:effectLst/>
-                <a:uLnTx/>
-                <a:uFillTx/>
-                <a:latin typeface="Oracle Sans"/>
-                <a:ea typeface="Questrial"/>
-                <a:cs typeface="Questrial"/>
-                <a:sym typeface="Questrial"/>
-              </a:rPr>
-              <a:t>4. </a:t>
-            </a:r>
-            <a:r>
-              <a:rPr lang="en-US" sz="1600" noProof="0" dirty="0" smtClean="0">
-                <a:solidFill>
-                  <a:srgbClr val="312D2A"/>
-                </a:solidFill>
-                <a:latin typeface="Oracle Sans"/>
-                <a:ea typeface="Questrial"/>
-                <a:cs typeface="Questrial"/>
-                <a:sym typeface="Questrial"/>
-              </a:rPr>
-              <a:t>Integration with Linux shell / </a:t>
-            </a:r>
-            <a:r>
-              <a:rPr lang="en-US" sz="1600" noProof="0" dirty="0" err="1" smtClean="0">
-                <a:solidFill>
-                  <a:srgbClr val="312D2A"/>
-                </a:solidFill>
-                <a:latin typeface="Oracle Sans"/>
-                <a:ea typeface="Questrial"/>
-                <a:cs typeface="Questrial"/>
-                <a:sym typeface="Questrial"/>
-              </a:rPr>
-              <a:t>cron</a:t>
-            </a:r>
-            <a:r>
-              <a:rPr lang="en-US" sz="1600" noProof="0" dirty="0" smtClean="0">
-                <a:solidFill>
-                  <a:srgbClr val="312D2A"/>
-                </a:solidFill>
-                <a:latin typeface="Oracle Sans"/>
-                <a:ea typeface="Questrial"/>
-                <a:cs typeface="Questrial"/>
-                <a:sym typeface="Questrial"/>
-              </a:rPr>
-              <a:t> &amp; scheduling</a:t>
-            </a:r>
-            <a:endParaRPr kumimoji="0" lang="en-US" sz="1600" i="0" u="none" strike="noStrike" kern="1200" cap="none" spc="0" normalizeH="0" baseline="0" noProof="0" dirty="0" smtClean="0">
+              <a:t>Implement in a public subnet VM / standard architecture</a:t>
+            </a:r>
+            <a:endParaRPr kumimoji="0" sz="1400" i="0" u="none" strike="noStrike" kern="1200" cap="none" spc="0" normalizeH="0" baseline="0" noProof="0" dirty="0">
               <a:ln>
                 <a:noFill/>
               </a:ln>
@@ -7442,422 +6324,6 @@
               <a:sym typeface="Questrial"/>
             </a:endParaRPr>
           </a:p>
-          <a:p>
-            <a:pPr marR="0" lvl="0" algn="l" defTabSz="914400" rtl="0" eaLnBrk="1" fontAlgn="auto" latinLnBrk="0" hangingPunct="1">
-              <a:lnSpc>
-                <a:spcPct val="105000"/>
-              </a:lnSpc>
-              <a:spcBef>
-                <a:spcPts val="0"/>
-              </a:spcBef>
-              <a:spcAft>
-                <a:spcPts val="0"/>
-              </a:spcAft>
-              <a:buClrTx/>
-              <a:buSzPts val="900"/>
-              <a:tabLst/>
-              <a:defRPr/>
-            </a:pPr>
-            <a:r>
-              <a:rPr lang="en-US" sz="1600" dirty="0" smtClean="0">
-                <a:solidFill>
-                  <a:srgbClr val="312D2A"/>
-                </a:solidFill>
-                <a:latin typeface="Oracle Sans"/>
-                <a:ea typeface="Questrial"/>
-                <a:cs typeface="Questrial"/>
-                <a:sym typeface="Questrial"/>
-              </a:rPr>
-              <a:t>5</a:t>
-            </a:r>
-            <a:r>
-              <a:rPr lang="en-US" sz="1600" dirty="0" smtClean="0">
-                <a:solidFill>
-                  <a:srgbClr val="312D2A"/>
-                </a:solidFill>
-                <a:latin typeface="Oracle Sans"/>
-                <a:ea typeface="Questrial"/>
-                <a:cs typeface="Questrial"/>
-                <a:sym typeface="Questrial"/>
-              </a:rPr>
-              <a:t>. </a:t>
-            </a:r>
-            <a:r>
-              <a:rPr lang="en-US" sz="1600" dirty="0" smtClean="0">
-                <a:solidFill>
-                  <a:srgbClr val="312D2A"/>
-                </a:solidFill>
-                <a:latin typeface="Oracle Sans"/>
-                <a:ea typeface="Questrial"/>
-                <a:cs typeface="Questrial"/>
-                <a:sym typeface="Questrial"/>
-              </a:rPr>
-              <a:t>Benchmark data collection and storage</a:t>
-            </a:r>
-            <a:endParaRPr lang="en-US" sz="1600" dirty="0" smtClean="0">
-              <a:solidFill>
-                <a:srgbClr val="312D2A"/>
-              </a:solidFill>
-              <a:latin typeface="Oracle Sans"/>
-              <a:ea typeface="Questrial"/>
-              <a:cs typeface="Questrial"/>
-              <a:sym typeface="Questrial"/>
-            </a:endParaRPr>
-          </a:p>
-          <a:p>
-            <a:pPr marR="0" lvl="0" algn="l" defTabSz="914400" rtl="0" eaLnBrk="1" fontAlgn="auto" latinLnBrk="0" hangingPunct="1">
-              <a:lnSpc>
-                <a:spcPct val="105000"/>
-              </a:lnSpc>
-              <a:spcBef>
-                <a:spcPts val="0"/>
-              </a:spcBef>
-              <a:spcAft>
-                <a:spcPts val="0"/>
-              </a:spcAft>
-              <a:buClrTx/>
-              <a:buSzPts val="900"/>
-              <a:tabLst/>
-              <a:defRPr/>
-            </a:pPr>
-            <a:r>
-              <a:rPr kumimoji="0" lang="en-US" sz="1600" i="0" u="none" strike="noStrike" kern="1200" cap="none" spc="0" normalizeH="0" baseline="0" noProof="0" dirty="0" smtClean="0">
-                <a:ln>
-                  <a:noFill/>
-                </a:ln>
-                <a:solidFill>
-                  <a:srgbClr val="312D2A"/>
-                </a:solidFill>
-                <a:effectLst/>
-                <a:uLnTx/>
-                <a:uFillTx/>
-                <a:latin typeface="Oracle Sans"/>
-                <a:ea typeface="Questrial"/>
-                <a:cs typeface="Questrial"/>
-                <a:sym typeface="Questrial"/>
-              </a:rPr>
-              <a:t>6.</a:t>
-            </a:r>
-            <a:r>
-              <a:rPr kumimoji="0" lang="en-US" sz="1600" i="0" u="none" strike="noStrike" kern="1200" cap="none" spc="0" normalizeH="0" noProof="0" dirty="0" smtClean="0">
-                <a:ln>
-                  <a:noFill/>
-                </a:ln>
-                <a:solidFill>
-                  <a:srgbClr val="312D2A"/>
-                </a:solidFill>
-                <a:effectLst/>
-                <a:uLnTx/>
-                <a:uFillTx/>
-                <a:latin typeface="Oracle Sans"/>
-                <a:ea typeface="Questrial"/>
-                <a:cs typeface="Questrial"/>
-                <a:sym typeface="Questrial"/>
-              </a:rPr>
-              <a:t> </a:t>
-            </a:r>
-            <a:r>
-              <a:rPr lang="en-US" sz="1600" noProof="0" dirty="0" smtClean="0">
-                <a:solidFill>
-                  <a:srgbClr val="312D2A"/>
-                </a:solidFill>
-                <a:latin typeface="Oracle Sans"/>
-                <a:ea typeface="Questrial"/>
-                <a:cs typeface="Questrial"/>
-                <a:sym typeface="Questrial"/>
-              </a:rPr>
-              <a:t>Monitoring CPU / RAM / Storage utilization</a:t>
-            </a:r>
-          </a:p>
-          <a:p>
-            <a:pPr marR="0" lvl="0" algn="l" defTabSz="914400" rtl="0" eaLnBrk="1" fontAlgn="auto" latinLnBrk="0" hangingPunct="1">
-              <a:lnSpc>
-                <a:spcPct val="105000"/>
-              </a:lnSpc>
-              <a:spcBef>
-                <a:spcPts val="0"/>
-              </a:spcBef>
-              <a:spcAft>
-                <a:spcPts val="0"/>
-              </a:spcAft>
-              <a:buClrTx/>
-              <a:buSzPts val="900"/>
-              <a:tabLst/>
-              <a:defRPr/>
-            </a:pPr>
-            <a:r>
-              <a:rPr lang="en-US" sz="1600" dirty="0" smtClean="0">
-                <a:solidFill>
-                  <a:srgbClr val="312D2A"/>
-                </a:solidFill>
-                <a:latin typeface="Oracle Sans"/>
-                <a:ea typeface="Questrial"/>
-                <a:cs typeface="Questrial"/>
-                <a:sym typeface="Questrial"/>
-              </a:rPr>
-              <a:t>7.  Integration with HPC Cluster provisioning</a:t>
-            </a:r>
-            <a:endParaRPr lang="en-US" sz="1600" dirty="0" smtClean="0">
-              <a:solidFill>
-                <a:srgbClr val="312D2A"/>
-              </a:solidFill>
-              <a:latin typeface="Oracle Sans"/>
-              <a:ea typeface="Questrial"/>
-              <a:cs typeface="Questrial"/>
-              <a:sym typeface="Questrial"/>
-            </a:endParaRPr>
-          </a:p>
-          <a:p>
-            <a:pPr marR="0" lvl="0" algn="l" defTabSz="914400" rtl="0" eaLnBrk="1" fontAlgn="auto" latinLnBrk="0" hangingPunct="1">
-              <a:lnSpc>
-                <a:spcPct val="105000"/>
-              </a:lnSpc>
-              <a:spcBef>
-                <a:spcPts val="0"/>
-              </a:spcBef>
-              <a:spcAft>
-                <a:spcPts val="0"/>
-              </a:spcAft>
-              <a:buClrTx/>
-              <a:buSzPts val="900"/>
-              <a:tabLst/>
-              <a:defRPr/>
-            </a:pPr>
-            <a:r>
-              <a:rPr lang="en-US" sz="1600" dirty="0">
-                <a:solidFill>
-                  <a:srgbClr val="312D2A"/>
-                </a:solidFill>
-                <a:latin typeface="Oracle Sans"/>
-                <a:ea typeface="Questrial"/>
-                <a:cs typeface="Questrial"/>
-                <a:sym typeface="Questrial"/>
-              </a:rPr>
-              <a:t>8</a:t>
-            </a:r>
-            <a:r>
-              <a:rPr kumimoji="0" lang="en-US" sz="1600" i="0" u="none" strike="noStrike" kern="1200" cap="none" spc="0" normalizeH="0" baseline="0" noProof="0" dirty="0" smtClean="0">
-                <a:ln>
-                  <a:noFill/>
-                </a:ln>
-                <a:solidFill>
-                  <a:srgbClr val="312D2A"/>
-                </a:solidFill>
-                <a:effectLst/>
-                <a:uLnTx/>
-                <a:uFillTx/>
-                <a:latin typeface="Oracle Sans"/>
-                <a:ea typeface="Questrial"/>
-                <a:cs typeface="Questrial"/>
-                <a:sym typeface="Questrial"/>
-              </a:rPr>
-              <a:t>.</a:t>
-            </a:r>
-            <a:r>
-              <a:rPr kumimoji="0" lang="en-US" sz="1600" i="0" u="none" strike="noStrike" kern="1200" cap="none" spc="0" normalizeH="0" noProof="0" dirty="0" smtClean="0">
-                <a:ln>
-                  <a:noFill/>
-                </a:ln>
-                <a:solidFill>
-                  <a:srgbClr val="312D2A"/>
-                </a:solidFill>
-                <a:effectLst/>
-                <a:uLnTx/>
-                <a:uFillTx/>
-                <a:latin typeface="Oracle Sans"/>
-                <a:ea typeface="Questrial"/>
-                <a:cs typeface="Questrial"/>
-                <a:sym typeface="Questrial"/>
-              </a:rPr>
-              <a:t> </a:t>
-            </a:r>
-            <a:r>
-              <a:rPr lang="en-US" sz="1600" dirty="0" smtClean="0">
-                <a:solidFill>
-                  <a:srgbClr val="312D2A"/>
-                </a:solidFill>
-                <a:latin typeface="Oracle Sans"/>
-                <a:ea typeface="Questrial"/>
-                <a:cs typeface="Questrial"/>
-                <a:sym typeface="Questrial"/>
-              </a:rPr>
-              <a:t>Cloud advisor and cost report customization</a:t>
-            </a:r>
-            <a:endParaRPr lang="en-US" sz="1600" dirty="0" smtClean="0">
-              <a:solidFill>
-                <a:srgbClr val="312D2A"/>
-              </a:solidFill>
-              <a:latin typeface="Oracle Sans"/>
-              <a:ea typeface="Questrial"/>
-              <a:cs typeface="Questrial"/>
-              <a:sym typeface="Questrial"/>
-            </a:endParaRPr>
-          </a:p>
-          <a:p>
-            <a:pPr marR="0" lvl="0" algn="l" defTabSz="914400" rtl="0" eaLnBrk="1" fontAlgn="auto" latinLnBrk="0" hangingPunct="1">
-              <a:lnSpc>
-                <a:spcPct val="105000"/>
-              </a:lnSpc>
-              <a:spcBef>
-                <a:spcPts val="0"/>
-              </a:spcBef>
-              <a:spcAft>
-                <a:spcPts val="0"/>
-              </a:spcAft>
-              <a:buClrTx/>
-              <a:buSzPts val="900"/>
-              <a:tabLst/>
-              <a:defRPr/>
-            </a:pPr>
-            <a:r>
-              <a:rPr lang="en-US" sz="1600" dirty="0">
-                <a:solidFill>
-                  <a:srgbClr val="312D2A"/>
-                </a:solidFill>
-                <a:latin typeface="Oracle Sans"/>
-                <a:ea typeface="Questrial"/>
-                <a:cs typeface="Questrial"/>
-                <a:sym typeface="Questrial"/>
-              </a:rPr>
-              <a:t>9</a:t>
-            </a:r>
-            <a:r>
-              <a:rPr kumimoji="0" lang="en-US" sz="1600" i="0" u="none" strike="noStrike" kern="1200" cap="none" spc="0" normalizeH="0" baseline="0" noProof="0" dirty="0" smtClean="0">
-                <a:ln>
-                  <a:noFill/>
-                </a:ln>
-                <a:solidFill>
-                  <a:srgbClr val="312D2A"/>
-                </a:solidFill>
-                <a:effectLst/>
-                <a:uLnTx/>
-                <a:uFillTx/>
-                <a:latin typeface="Oracle Sans"/>
-                <a:ea typeface="Questrial"/>
-                <a:cs typeface="Questrial"/>
-                <a:sym typeface="Questrial"/>
-              </a:rPr>
-              <a:t>. </a:t>
-            </a:r>
-            <a:r>
-              <a:rPr lang="en-US" sz="1600" dirty="0" smtClean="0">
-                <a:solidFill>
-                  <a:srgbClr val="312D2A"/>
-                </a:solidFill>
-                <a:latin typeface="Oracle Sans"/>
-                <a:ea typeface="Questrial"/>
-                <a:cs typeface="Questrial"/>
-                <a:sym typeface="Questrial"/>
-              </a:rPr>
-              <a:t>Object storage data pulls and replication</a:t>
-            </a:r>
-            <a:endParaRPr kumimoji="0" lang="en-US" sz="1600" i="0" u="none" strike="noStrike" kern="1200" cap="none" spc="0" normalizeH="0" noProof="0" dirty="0" smtClean="0">
-              <a:ln>
-                <a:noFill/>
-              </a:ln>
-              <a:solidFill>
-                <a:srgbClr val="312D2A"/>
-              </a:solidFill>
-              <a:effectLst/>
-              <a:uLnTx/>
-              <a:uFillTx/>
-              <a:latin typeface="Oracle Sans"/>
-              <a:ea typeface="Questrial"/>
-              <a:cs typeface="Questrial"/>
-              <a:sym typeface="Questrial"/>
-            </a:endParaRPr>
-          </a:p>
-          <a:p>
-            <a:pPr marR="0" lvl="0" algn="l" defTabSz="914400" rtl="0" eaLnBrk="1" fontAlgn="auto" latinLnBrk="0" hangingPunct="1">
-              <a:lnSpc>
-                <a:spcPct val="105000"/>
-              </a:lnSpc>
-              <a:spcBef>
-                <a:spcPts val="0"/>
-              </a:spcBef>
-              <a:spcAft>
-                <a:spcPts val="0"/>
-              </a:spcAft>
-              <a:buClrTx/>
-              <a:buSzPts val="900"/>
-              <a:tabLst/>
-              <a:defRPr/>
-            </a:pPr>
-            <a:r>
-              <a:rPr lang="en-US" sz="1600" dirty="0" smtClean="0">
-                <a:solidFill>
-                  <a:srgbClr val="312D2A"/>
-                </a:solidFill>
-                <a:latin typeface="Oracle Sans"/>
-                <a:ea typeface="Questrial"/>
-                <a:cs typeface="Questrial"/>
-                <a:sym typeface="Questrial"/>
-              </a:rPr>
-              <a:t>10</a:t>
-            </a:r>
-            <a:r>
-              <a:rPr lang="en-US" sz="1600" baseline="0" dirty="0" smtClean="0">
-                <a:solidFill>
-                  <a:srgbClr val="312D2A"/>
-                </a:solidFill>
-                <a:latin typeface="Oracle Sans"/>
-                <a:ea typeface="Questrial"/>
-                <a:cs typeface="Questrial"/>
-                <a:sym typeface="Questrial"/>
-              </a:rPr>
-              <a:t>.</a:t>
-            </a:r>
-            <a:r>
-              <a:rPr lang="en-US" sz="1600" dirty="0" smtClean="0">
-                <a:solidFill>
-                  <a:srgbClr val="312D2A"/>
-                </a:solidFill>
-                <a:latin typeface="Oracle Sans"/>
-                <a:ea typeface="Questrial"/>
-                <a:cs typeface="Questrial"/>
-                <a:sym typeface="Questrial"/>
-              </a:rPr>
-              <a:t> Docker/Singularity and container integration</a:t>
-            </a:r>
-            <a:endParaRPr lang="en-US" sz="1600" dirty="0" smtClean="0">
-              <a:solidFill>
-                <a:srgbClr val="312D2A"/>
-              </a:solidFill>
-              <a:latin typeface="Oracle Sans"/>
-              <a:ea typeface="Questrial"/>
-              <a:cs typeface="Questrial"/>
-              <a:sym typeface="Questrial"/>
-            </a:endParaRPr>
-          </a:p>
-          <a:p>
-            <a:pPr marR="0" lvl="0" algn="l" defTabSz="914400" rtl="0" eaLnBrk="1" fontAlgn="auto" latinLnBrk="0" hangingPunct="1">
-              <a:lnSpc>
-                <a:spcPct val="105000"/>
-              </a:lnSpc>
-              <a:spcBef>
-                <a:spcPts val="0"/>
-              </a:spcBef>
-              <a:spcAft>
-                <a:spcPts val="0"/>
-              </a:spcAft>
-              <a:buClrTx/>
-              <a:buSzPts val="900"/>
-              <a:tabLst/>
-              <a:defRPr/>
-            </a:pPr>
-            <a:r>
-              <a:rPr lang="en-US" sz="1600" dirty="0" smtClean="0">
-                <a:solidFill>
-                  <a:srgbClr val="312D2A"/>
-                </a:solidFill>
-                <a:latin typeface="Oracle Sans"/>
-                <a:ea typeface="Questrial"/>
-                <a:cs typeface="Questrial"/>
-                <a:sym typeface="Questrial"/>
-              </a:rPr>
-              <a:t>11.  API based Cloud bursting integration</a:t>
-            </a:r>
-          </a:p>
         </p:txBody>
       </p:sp>
       <p:sp>
@@ -7865,7 +6331,7 @@
           <p:cNvPr id="17" name="TextBox 16">
             <a:extLst>
               <a:ext uri="{FF2B5EF4-FFF2-40B4-BE49-F238E27FC236}">
-                <a16:creationId xmlns:a16="http://schemas.microsoft.com/office/drawing/2014/main" xmlns="" id="{00FABF5B-8DCC-4D38-8123-A80D08EB965B}"/>
+                <a16:creationId xmlns="" xmlns:a16="http://schemas.microsoft.com/office/drawing/2014/main" id="{00FABF5B-8DCC-4D38-8123-A80D08EB965B}"/>
               </a:ext>
             </a:extLst>
           </p:cNvPr>
@@ -7875,7 +6341,7 @@
         <p:spPr>
           <a:xfrm>
             <a:off x="288703" y="358558"/>
-            <a:ext cx="4246943" cy="535619"/>
+            <a:ext cx="6342756" cy="535619"/>
           </a:xfrm>
           <a:prstGeom prst="rect">
             <a:avLst/>
@@ -7906,7 +6372,7 @@
               <a:defRPr/>
             </a:pPr>
             <a:r>
-              <a:rPr lang="en-US" sz="3200" kern="0" dirty="0" smtClean="0">
+              <a:rPr lang="en-US" sz="3200" kern="0" noProof="0" dirty="0" smtClean="0">
                 <a:solidFill>
                   <a:srgbClr val="000000"/>
                 </a:solidFill>
@@ -7914,18 +6380,7 @@
                 <a:cs typeface="Calibri Light" panose="020F0302020204030204" pitchFamily="34" charset="0"/>
                 <a:sym typeface="Arial"/>
               </a:rPr>
-              <a:t>Researcher use-cases</a:t>
-            </a:r>
-            <a:r>
-              <a:rPr lang="en-US" sz="3200" kern="0" noProof="0" dirty="0" smtClean="0">
-                <a:solidFill>
-                  <a:srgbClr val="000000"/>
-                </a:solidFill>
-                <a:latin typeface="Calibri Light" panose="020F0302020204030204" pitchFamily="34" charset="0"/>
-                <a:cs typeface="Calibri Light" panose="020F0302020204030204" pitchFamily="34" charset="0"/>
-                <a:sym typeface="Arial"/>
-              </a:rPr>
-              <a:t> </a:t>
+              <a:t>OCI-CLI and Research Gateway Image  </a:t>
             </a:r>
             <a:endParaRPr kumimoji="0" lang="en-US" sz="3200" b="0" i="0" u="none" strike="noStrike" kern="0" cap="none" spc="0" normalizeH="0" baseline="0" noProof="0" dirty="0">
               <a:ln>
@@ -7949,7 +6404,7 @@
           <p:cNvPr id="21" name="Google Shape;70;p15">
             <a:extLst>
               <a:ext uri="{FF2B5EF4-FFF2-40B4-BE49-F238E27FC236}">
-                <a16:creationId xmlns:a16="http://schemas.microsoft.com/office/drawing/2014/main" xmlns="" id="{2B4AF13A-0EE5-B047-8620-09F337BEA773}"/>
+                <a16:creationId xmlns="" xmlns:a16="http://schemas.microsoft.com/office/drawing/2014/main" id="{2B4AF13A-0EE5-B047-8620-09F337BEA773}"/>
               </a:ext>
             </a:extLst>
           </p:cNvPr>
@@ -7958,8 +6413,8 @@
         </p:nvSpPr>
         <p:spPr>
           <a:xfrm>
-            <a:off x="288702" y="1263839"/>
-            <a:ext cx="5632413" cy="787897"/>
+            <a:off x="288703" y="1018980"/>
+            <a:ext cx="2431348" cy="787897"/>
           </a:xfrm>
           <a:prstGeom prst="rect">
             <a:avLst/>
@@ -7987,7 +6442,6 @@
           </a:bodyPr>
           <a:lstStyle/>
           <a:p>
-            <a:pPr algn="ctr"/>
             <a:r>
               <a:rPr lang="en-US" b="1" dirty="0" smtClean="0">
                 <a:solidFill>
@@ -7997,18 +6451,7 @@
                 <a:cs typeface="Calibri Light" panose="020F0302020204030204" pitchFamily="34" charset="0"/>
                 <a:sym typeface="Questrial"/>
               </a:rPr>
-              <a:t>OCI Command line interface / API</a:t>
-            </a:r>
-            <a:r>
-              <a:rPr lang="en-US" b="1" dirty="0" smtClean="0">
-                <a:solidFill>
-                  <a:schemeClr val="bg1"/>
-                </a:solidFill>
-                <a:latin typeface="Calibri Light" panose="020F0302020204030204" pitchFamily="34" charset="0"/>
-                <a:cs typeface="Calibri Light" panose="020F0302020204030204" pitchFamily="34" charset="0"/>
-                <a:sym typeface="Questrial"/>
-              </a:rPr>
-              <a:t> </a:t>
+              <a:t>OCI-CLI</a:t>
             </a:r>
             <a:endParaRPr lang="en-US" b="1" dirty="0">
               <a:solidFill>
@@ -8026,7 +6469,7 @@
           <p:cNvPr id="22" name="Google Shape;72;p15">
             <a:extLst>
               <a:ext uri="{FF2B5EF4-FFF2-40B4-BE49-F238E27FC236}">
-                <a16:creationId xmlns:a16="http://schemas.microsoft.com/office/drawing/2014/main" xmlns="" id="{7F2BE374-0EF0-6544-9390-8BDFA07ACD31}"/>
+                <a16:creationId xmlns="" xmlns:a16="http://schemas.microsoft.com/office/drawing/2014/main" id="{7F2BE374-0EF0-6544-9390-8BDFA07ACD31}"/>
               </a:ext>
             </a:extLst>
           </p:cNvPr>
@@ -8035,8 +6478,8 @@
         </p:nvSpPr>
         <p:spPr>
           <a:xfrm>
-            <a:off x="6134868" y="2227148"/>
-            <a:ext cx="5624418" cy="4066560"/>
+            <a:off x="2720051" y="1018925"/>
+            <a:ext cx="9039234" cy="787897"/>
           </a:xfrm>
           <a:prstGeom prst="rect">
             <a:avLst/>
@@ -8062,28 +6505,17 @@
               <a:defRPr/>
             </a:pPr>
             <a:r>
-              <a:rPr lang="en-US" u="sng" dirty="0" smtClean="0">
-                <a:solidFill>
-                  <a:srgbClr val="312D2A"/>
-                </a:solidFill>
-                <a:ea typeface="Questrial"/>
-                <a:cs typeface="Questrial"/>
-                <a:sym typeface="Questrial"/>
-              </a:rPr>
-              <a:t>Recommended </a:t>
-            </a:r>
-            <a:r>
-              <a:rPr lang="en-US" u="sng" dirty="0" smtClean="0">
-                <a:solidFill>
-                  <a:srgbClr val="312D2A"/>
-                </a:solidFill>
-                <a:ea typeface="Questrial"/>
-                <a:cs typeface="Questrial"/>
-                <a:sym typeface="Questrial"/>
-              </a:rPr>
-              <a:t>for – One-time setup tasks</a:t>
-            </a:r>
-            <a:endParaRPr lang="en-US" u="sng" dirty="0" smtClean="0">
+              <a:rPr lang="en-US" sz="1400" dirty="0" smtClean="0">
+                <a:solidFill>
+                  <a:srgbClr val="312D2A"/>
+                </a:solidFill>
+                <a:ea typeface="Questrial"/>
+                <a:cs typeface="Questrial"/>
+                <a:sym typeface="Questrial"/>
+              </a:rPr>
+              <a:t>1. All functionality of OCI console + additional commands</a:t>
+            </a:r>
+            <a:endParaRPr lang="en-US" sz="1400" dirty="0">
               <a:solidFill>
                 <a:srgbClr val="312D2A"/>
               </a:solidFill>
@@ -8101,7 +6533,841 @@
               <a:defRPr/>
             </a:pPr>
             <a:r>
-              <a:rPr lang="en-US" sz="1600" dirty="0" smtClean="0">
+              <a:rPr lang="en-US" sz="1400" dirty="0" smtClean="0">
+                <a:solidFill>
+                  <a:srgbClr val="312D2A"/>
+                </a:solidFill>
+                <a:ea typeface="Questrial"/>
+                <a:cs typeface="Questrial"/>
+                <a:sym typeface="Questrial"/>
+              </a:rPr>
+              <a:t>2. Built on OCI python SDK that calls OCI REST APIs </a:t>
+            </a:r>
+          </a:p>
+          <a:p>
+            <a:pPr lvl="0">
+              <a:lnSpc>
+                <a:spcPct val="105000"/>
+              </a:lnSpc>
+              <a:buSzPts val="900"/>
+              <a:defRPr/>
+            </a:pPr>
+            <a:r>
+              <a:rPr lang="en-US" sz="1400" dirty="0" smtClean="0">
+                <a:solidFill>
+                  <a:srgbClr val="312D2A"/>
+                </a:solidFill>
+                <a:ea typeface="Questrial"/>
+                <a:cs typeface="Questrial"/>
+                <a:sym typeface="Questrial"/>
+              </a:rPr>
+              <a:t>3. OCI-CLI can run over Linux shell, Windows batch or Mac</a:t>
+            </a:r>
+          </a:p>
+        </p:txBody>
+      </p:sp>
+      <p:pic>
+        <p:nvPicPr>
+          <p:cNvPr id="4" name="Picture 3"/>
+          <p:cNvPicPr>
+            <a:picLocks noChangeAspect="1"/>
+          </p:cNvPicPr>
+          <p:nvPr/>
+        </p:nvPicPr>
+        <p:blipFill>
+          <a:blip r:embed="rId3"/>
+          <a:stretch>
+            <a:fillRect/>
+          </a:stretch>
+        </p:blipFill>
+        <p:spPr>
+          <a:xfrm>
+            <a:off x="4819514" y="2793446"/>
+            <a:ext cx="7115175" cy="2905125"/>
+          </a:xfrm>
+          <a:prstGeom prst="rect">
+            <a:avLst/>
+          </a:prstGeom>
+        </p:spPr>
+      </p:pic>
+      <p:sp>
+        <p:nvSpPr>
+          <p:cNvPr id="20" name="Google Shape;72;p15">
+            <a:extLst>
+              <a:ext uri="{FF2B5EF4-FFF2-40B4-BE49-F238E27FC236}">
+                <a16:creationId xmlns="" xmlns:a16="http://schemas.microsoft.com/office/drawing/2014/main" id="{F3FC4F15-A9FA-0146-B83D-7497F110DAE5}"/>
+              </a:ext>
+            </a:extLst>
+          </p:cNvPr>
+          <p:cNvSpPr/>
+          <p:nvPr/>
+        </p:nvSpPr>
+        <p:spPr>
+          <a:xfrm>
+            <a:off x="288703" y="2793446"/>
+            <a:ext cx="4439966" cy="3195619"/>
+          </a:xfrm>
+          <a:prstGeom prst="rect">
+            <a:avLst/>
+          </a:prstGeom>
+          <a:solidFill>
+            <a:srgbClr val="EFEFEF"/>
+          </a:solidFill>
+          <a:ln>
+            <a:noFill/>
+          </a:ln>
+        </p:spPr>
+        <p:txBody>
+          <a:bodyPr spcFirstLastPara="1" wrap="square" lIns="180000" tIns="72000" rIns="180000" bIns="72000" anchor="ctr" anchorCtr="0">
+            <a:noAutofit/>
+          </a:bodyPr>
+          <a:lstStyle/>
+          <a:p>
+            <a:pPr marR="0" lvl="0" algn="l" defTabSz="914400" rtl="0" eaLnBrk="1" fontAlgn="auto" latinLnBrk="0" hangingPunct="1">
+              <a:lnSpc>
+                <a:spcPct val="105000"/>
+              </a:lnSpc>
+              <a:spcBef>
+                <a:spcPts val="0"/>
+              </a:spcBef>
+              <a:spcAft>
+                <a:spcPts val="0"/>
+              </a:spcAft>
+              <a:buClrTx/>
+              <a:buSzPts val="900"/>
+              <a:tabLst/>
+              <a:defRPr/>
+            </a:pPr>
+            <a:r>
+              <a:rPr lang="en-US" sz="1400" b="1" dirty="0" smtClean="0">
+                <a:solidFill>
+                  <a:srgbClr val="312D2A"/>
+                </a:solidFill>
+                <a:latin typeface="Oracle Sans"/>
+                <a:ea typeface="Questrial"/>
+                <a:cs typeface="Questrial"/>
+                <a:sym typeface="Questrial"/>
+              </a:rPr>
+              <a:t>Research Gateway and OCI CLI Features</a:t>
+            </a:r>
+          </a:p>
+          <a:p>
+            <a:pPr marR="0" lvl="0" algn="l" defTabSz="914400" rtl="0" eaLnBrk="1" fontAlgn="auto" latinLnBrk="0" hangingPunct="1">
+              <a:lnSpc>
+                <a:spcPct val="105000"/>
+              </a:lnSpc>
+              <a:spcBef>
+                <a:spcPts val="0"/>
+              </a:spcBef>
+              <a:spcAft>
+                <a:spcPts val="0"/>
+              </a:spcAft>
+              <a:buClrTx/>
+              <a:buSzPts val="900"/>
+              <a:tabLst/>
+              <a:defRPr/>
+            </a:pPr>
+            <a:r>
+              <a:rPr kumimoji="0" lang="en-US" sz="1400" i="0" u="none" strike="noStrike" kern="1200" cap="none" spc="0" normalizeH="0" baseline="0" noProof="0" dirty="0" smtClean="0">
+                <a:ln>
+                  <a:noFill/>
+                </a:ln>
+                <a:solidFill>
+                  <a:srgbClr val="312D2A"/>
+                </a:solidFill>
+                <a:effectLst/>
+                <a:uLnTx/>
+                <a:uFillTx/>
+                <a:latin typeface="Oracle Sans"/>
+                <a:ea typeface="Questrial"/>
+                <a:cs typeface="Questrial"/>
+                <a:sym typeface="Questrial"/>
+              </a:rPr>
+              <a:t>1.</a:t>
+            </a:r>
+            <a:r>
+              <a:rPr kumimoji="0" lang="en-US" sz="1400" i="0" u="none" strike="noStrike" kern="1200" cap="none" spc="0" normalizeH="0" noProof="0" dirty="0" smtClean="0">
+                <a:ln>
+                  <a:noFill/>
+                </a:ln>
+                <a:solidFill>
+                  <a:srgbClr val="312D2A"/>
+                </a:solidFill>
+                <a:effectLst/>
+                <a:uLnTx/>
+                <a:uFillTx/>
+                <a:latin typeface="Oracle Sans"/>
+                <a:ea typeface="Questrial"/>
+                <a:cs typeface="Questrial"/>
+                <a:sym typeface="Questrial"/>
+              </a:rPr>
+              <a:t> Programmatic usage OCI Console features</a:t>
+            </a:r>
+          </a:p>
+          <a:p>
+            <a:pPr marR="0" lvl="0" algn="l" defTabSz="914400" rtl="0" eaLnBrk="1" fontAlgn="auto" latinLnBrk="0" hangingPunct="1">
+              <a:lnSpc>
+                <a:spcPct val="105000"/>
+              </a:lnSpc>
+              <a:spcBef>
+                <a:spcPts val="0"/>
+              </a:spcBef>
+              <a:spcAft>
+                <a:spcPts val="0"/>
+              </a:spcAft>
+              <a:buClrTx/>
+              <a:buSzPts val="900"/>
+              <a:tabLst/>
+              <a:defRPr/>
+            </a:pPr>
+            <a:r>
+              <a:rPr kumimoji="0" lang="en-US" sz="1400" i="0" u="none" strike="noStrike" kern="1200" cap="none" spc="0" normalizeH="0" baseline="0" noProof="0" dirty="0" smtClean="0">
+                <a:ln>
+                  <a:noFill/>
+                </a:ln>
+                <a:solidFill>
+                  <a:srgbClr val="312D2A"/>
+                </a:solidFill>
+                <a:effectLst/>
+                <a:uLnTx/>
+                <a:uFillTx/>
+                <a:latin typeface="Oracle Sans"/>
+                <a:ea typeface="Questrial"/>
+                <a:cs typeface="Questrial"/>
+                <a:sym typeface="Questrial"/>
+              </a:rPr>
+              <a:t>2. Quick and easy install</a:t>
+            </a:r>
+          </a:p>
+          <a:p>
+            <a:pPr marR="0" lvl="0" algn="l" defTabSz="914400" rtl="0" eaLnBrk="1" fontAlgn="auto" latinLnBrk="0" hangingPunct="1">
+              <a:lnSpc>
+                <a:spcPct val="105000"/>
+              </a:lnSpc>
+              <a:spcBef>
+                <a:spcPts val="0"/>
+              </a:spcBef>
+              <a:spcAft>
+                <a:spcPts val="0"/>
+              </a:spcAft>
+              <a:buClrTx/>
+              <a:buSzPts val="900"/>
+              <a:tabLst/>
+              <a:defRPr/>
+            </a:pPr>
+            <a:r>
+              <a:rPr lang="en-US" sz="1400" dirty="0" smtClean="0">
+                <a:solidFill>
+                  <a:srgbClr val="312D2A"/>
+                </a:solidFill>
+                <a:latin typeface="Oracle Sans"/>
+                <a:ea typeface="Questrial"/>
+                <a:cs typeface="Questrial"/>
+                <a:sym typeface="Questrial"/>
+              </a:rPr>
+              <a:t>3. Low learning curve</a:t>
+            </a:r>
+          </a:p>
+          <a:p>
+            <a:pPr marR="0" lvl="0" algn="l" defTabSz="914400" rtl="0" eaLnBrk="1" fontAlgn="auto" latinLnBrk="0" hangingPunct="1">
+              <a:lnSpc>
+                <a:spcPct val="105000"/>
+              </a:lnSpc>
+              <a:spcBef>
+                <a:spcPts val="0"/>
+              </a:spcBef>
+              <a:spcAft>
+                <a:spcPts val="0"/>
+              </a:spcAft>
+              <a:buClrTx/>
+              <a:buSzPts val="900"/>
+              <a:tabLst/>
+              <a:defRPr/>
+            </a:pPr>
+            <a:r>
+              <a:rPr lang="en-US" sz="1400" dirty="0" smtClean="0">
+                <a:solidFill>
+                  <a:srgbClr val="312D2A"/>
+                </a:solidFill>
+                <a:latin typeface="Oracle Sans"/>
+                <a:ea typeface="Questrial"/>
+                <a:cs typeface="Questrial"/>
+                <a:sym typeface="Questrial"/>
+              </a:rPr>
+              <a:t>4. Multiple tenancy support </a:t>
+            </a:r>
+          </a:p>
+          <a:p>
+            <a:pPr marR="0" lvl="0" algn="l" defTabSz="914400" rtl="0" eaLnBrk="1" fontAlgn="auto" latinLnBrk="0" hangingPunct="1">
+              <a:lnSpc>
+                <a:spcPct val="105000"/>
+              </a:lnSpc>
+              <a:spcBef>
+                <a:spcPts val="0"/>
+              </a:spcBef>
+              <a:spcAft>
+                <a:spcPts val="0"/>
+              </a:spcAft>
+              <a:buClrTx/>
+              <a:buSzPts val="900"/>
+              <a:tabLst/>
+              <a:defRPr/>
+            </a:pPr>
+            <a:r>
+              <a:rPr lang="en-US" sz="1400" dirty="0" smtClean="0">
+                <a:solidFill>
+                  <a:srgbClr val="312D2A"/>
+                </a:solidFill>
+                <a:latin typeface="Oracle Sans"/>
+                <a:ea typeface="Questrial"/>
+                <a:cs typeface="Questrial"/>
+                <a:sym typeface="Questrial"/>
+              </a:rPr>
+              <a:t>4. Integrates well with Linux shell commands</a:t>
+            </a:r>
+          </a:p>
+          <a:p>
+            <a:pPr marR="0" lvl="0" algn="l" defTabSz="914400" rtl="0" eaLnBrk="1" fontAlgn="auto" latinLnBrk="0" hangingPunct="1">
+              <a:lnSpc>
+                <a:spcPct val="105000"/>
+              </a:lnSpc>
+              <a:spcBef>
+                <a:spcPts val="0"/>
+              </a:spcBef>
+              <a:spcAft>
+                <a:spcPts val="0"/>
+              </a:spcAft>
+              <a:buClrTx/>
+              <a:buSzPts val="900"/>
+              <a:tabLst/>
+              <a:defRPr/>
+            </a:pPr>
+            <a:r>
+              <a:rPr lang="en-US" sz="1400" dirty="0" smtClean="0">
+                <a:solidFill>
+                  <a:srgbClr val="312D2A"/>
+                </a:solidFill>
+                <a:latin typeface="Oracle Sans"/>
+                <a:ea typeface="Questrial"/>
+                <a:cs typeface="Questrial"/>
+                <a:sym typeface="Questrial"/>
+              </a:rPr>
+              <a:t>5. APIs released before console features</a:t>
+            </a:r>
+          </a:p>
+          <a:p>
+            <a:pPr marR="0" lvl="0" algn="l" defTabSz="914400" rtl="0" eaLnBrk="1" fontAlgn="auto" latinLnBrk="0" hangingPunct="1">
+              <a:lnSpc>
+                <a:spcPct val="105000"/>
+              </a:lnSpc>
+              <a:spcBef>
+                <a:spcPts val="0"/>
+              </a:spcBef>
+              <a:spcAft>
+                <a:spcPts val="0"/>
+              </a:spcAft>
+              <a:buClrTx/>
+              <a:buSzPts val="900"/>
+              <a:tabLst/>
+              <a:defRPr/>
+            </a:pPr>
+            <a:r>
+              <a:rPr lang="en-US" sz="1400" dirty="0" smtClean="0">
+                <a:solidFill>
+                  <a:srgbClr val="312D2A"/>
+                </a:solidFill>
+                <a:latin typeface="Oracle Sans"/>
+                <a:ea typeface="Questrial"/>
+                <a:cs typeface="Questrial"/>
+                <a:sym typeface="Questrial"/>
+              </a:rPr>
+              <a:t>6. Command generation options</a:t>
+            </a:r>
+          </a:p>
+          <a:p>
+            <a:pPr marR="0" lvl="0" algn="l" defTabSz="914400" rtl="0" eaLnBrk="1" fontAlgn="auto" latinLnBrk="0" hangingPunct="1">
+              <a:lnSpc>
+                <a:spcPct val="105000"/>
+              </a:lnSpc>
+              <a:spcBef>
+                <a:spcPts val="0"/>
+              </a:spcBef>
+              <a:spcAft>
+                <a:spcPts val="0"/>
+              </a:spcAft>
+              <a:buClrTx/>
+              <a:buSzPts val="900"/>
+              <a:tabLst/>
+              <a:defRPr/>
+            </a:pPr>
+            <a:r>
+              <a:rPr lang="en-US" sz="1400" dirty="0" smtClean="0">
+                <a:solidFill>
+                  <a:srgbClr val="312D2A"/>
+                </a:solidFill>
+                <a:latin typeface="Oracle Sans"/>
+                <a:ea typeface="Questrial"/>
+                <a:cs typeface="Questrial"/>
+                <a:sym typeface="Questrial"/>
+              </a:rPr>
+              <a:t>7. JSON support</a:t>
+            </a:r>
+          </a:p>
+          <a:p>
+            <a:pPr marR="0" lvl="0" algn="l" defTabSz="914400" rtl="0" eaLnBrk="1" fontAlgn="auto" latinLnBrk="0" hangingPunct="1">
+              <a:lnSpc>
+                <a:spcPct val="105000"/>
+              </a:lnSpc>
+              <a:spcBef>
+                <a:spcPts val="0"/>
+              </a:spcBef>
+              <a:spcAft>
+                <a:spcPts val="0"/>
+              </a:spcAft>
+              <a:buClrTx/>
+              <a:buSzPts val="900"/>
+              <a:tabLst/>
+              <a:defRPr/>
+            </a:pPr>
+            <a:r>
+              <a:rPr lang="en-US" sz="1400" dirty="0" smtClean="0">
+                <a:solidFill>
+                  <a:srgbClr val="312D2A"/>
+                </a:solidFill>
+                <a:latin typeface="Oracle Sans"/>
+                <a:ea typeface="Questrial"/>
+                <a:cs typeface="Questrial"/>
+                <a:sym typeface="Questrial"/>
+              </a:rPr>
+              <a:t>8. Extensible usage and cost API</a:t>
+            </a:r>
+          </a:p>
+          <a:p>
+            <a:pPr marR="0" lvl="0" algn="l" defTabSz="914400" rtl="0" eaLnBrk="1" fontAlgn="auto" latinLnBrk="0" hangingPunct="1">
+              <a:lnSpc>
+                <a:spcPct val="105000"/>
+              </a:lnSpc>
+              <a:spcBef>
+                <a:spcPts val="0"/>
+              </a:spcBef>
+              <a:spcAft>
+                <a:spcPts val="0"/>
+              </a:spcAft>
+              <a:buClrTx/>
+              <a:buSzPts val="900"/>
+              <a:tabLst/>
+              <a:defRPr/>
+            </a:pPr>
+            <a:r>
+              <a:rPr lang="en-US" sz="1400" dirty="0" smtClean="0">
+                <a:solidFill>
+                  <a:srgbClr val="312D2A"/>
+                </a:solidFill>
+                <a:latin typeface="Oracle Sans"/>
+                <a:ea typeface="Questrial"/>
+                <a:cs typeface="Questrial"/>
+                <a:sym typeface="Questrial"/>
+              </a:rPr>
+              <a:t>9. Notification API</a:t>
+            </a:r>
+          </a:p>
+          <a:p>
+            <a:pPr marR="0" lvl="0" algn="l" defTabSz="914400" rtl="0" eaLnBrk="1" fontAlgn="auto" latinLnBrk="0" hangingPunct="1">
+              <a:lnSpc>
+                <a:spcPct val="105000"/>
+              </a:lnSpc>
+              <a:spcBef>
+                <a:spcPts val="0"/>
+              </a:spcBef>
+              <a:spcAft>
+                <a:spcPts val="0"/>
+              </a:spcAft>
+              <a:buClrTx/>
+              <a:buSzPts val="900"/>
+              <a:tabLst/>
+              <a:defRPr/>
+            </a:pPr>
+            <a:r>
+              <a:rPr lang="en-US" sz="1400" dirty="0" smtClean="0">
+                <a:solidFill>
+                  <a:srgbClr val="312D2A"/>
+                </a:solidFill>
+                <a:latin typeface="Oracle Sans"/>
+                <a:ea typeface="Questrial"/>
+                <a:cs typeface="Questrial"/>
+                <a:sym typeface="Questrial"/>
+              </a:rPr>
+              <a:t>10. Logging and audit API</a:t>
+            </a:r>
+          </a:p>
+          <a:p>
+            <a:pPr marR="0" lvl="0" algn="l" defTabSz="914400" rtl="0" eaLnBrk="1" fontAlgn="auto" latinLnBrk="0" hangingPunct="1">
+              <a:lnSpc>
+                <a:spcPct val="105000"/>
+              </a:lnSpc>
+              <a:spcBef>
+                <a:spcPts val="0"/>
+              </a:spcBef>
+              <a:spcAft>
+                <a:spcPts val="0"/>
+              </a:spcAft>
+              <a:buClrTx/>
+              <a:buSzPts val="900"/>
+              <a:tabLst/>
+              <a:defRPr/>
+            </a:pPr>
+            <a:r>
+              <a:rPr lang="en-US" sz="1400" dirty="0" smtClean="0">
+                <a:solidFill>
+                  <a:srgbClr val="312D2A"/>
+                </a:solidFill>
+                <a:latin typeface="Oracle Sans"/>
+                <a:ea typeface="Questrial"/>
+                <a:cs typeface="Questrial"/>
+                <a:sym typeface="Questrial"/>
+              </a:rPr>
+              <a:t>11. Manage console resources stack and Terraform </a:t>
+            </a:r>
+            <a:endParaRPr kumimoji="0" sz="1400" i="0" u="none" strike="noStrike" kern="1200" cap="none" spc="0" normalizeH="0" baseline="0" noProof="0" dirty="0">
+              <a:ln>
+                <a:noFill/>
+              </a:ln>
+              <a:solidFill>
+                <a:srgbClr val="312D2A"/>
+              </a:solidFill>
+              <a:effectLst/>
+              <a:uLnTx/>
+              <a:uFillTx/>
+              <a:latin typeface="Oracle Sans"/>
+              <a:ea typeface="Questrial"/>
+              <a:cs typeface="Questrial"/>
+              <a:sym typeface="Questrial"/>
+            </a:endParaRPr>
+          </a:p>
+        </p:txBody>
+      </p:sp>
+    </p:spTree>
+    <p:extLst>
+      <p:ext uri="{BB962C8B-B14F-4D97-AF65-F5344CB8AC3E}">
+        <p14:creationId xmlns:p14="http://schemas.microsoft.com/office/powerpoint/2010/main" val="4284352472"/>
+      </p:ext>
+    </p:extLst>
+  </p:cSld>
+  <p:clrMapOvr>
+    <a:masterClrMapping/>
+  </p:clrMapOvr>
+  <mc:AlternateContent xmlns:mc="http://schemas.openxmlformats.org/markup-compatibility/2006" xmlns:p14="http://schemas.microsoft.com/office/powerpoint/2010/main">
+    <mc:Choice Requires="p14">
+      <p:transition spd="med" p14:dur="700">
+        <p:fade/>
+      </p:transition>
+    </mc:Choice>
+    <mc:Fallback xmlns="">
+      <p:transition spd="med">
+        <p:fade/>
+      </p:transition>
+    </mc:Fallback>
+  </mc:AlternateContent>
+  <p:timing>
+    <p:tnLst>
+      <p:par>
+        <p:cTn id="1" dur="indefinite" restart="never" nodeType="tmRoot"/>
+      </p:par>
+    </p:tnLst>
+  </p:timing>
+</p:sld>
+</file>
+
+<file path=ppt/slides/slide7.xml><?xml version="1.0" encoding="utf-8"?>
+<p:sld xmlns:a="http://schemas.openxmlformats.org/drawingml/2006/main" xmlns:r="http://schemas.openxmlformats.org/officeDocument/2006/relationships" xmlns:p="http://schemas.openxmlformats.org/presentationml/2006/main">
+  <p:cSld>
+    <p:spTree>
+      <p:nvGrpSpPr>
+        <p:cNvPr id="1" name=""/>
+        <p:cNvGrpSpPr/>
+        <p:nvPr/>
+      </p:nvGrpSpPr>
+      <p:grpSpPr>
+        <a:xfrm>
+          <a:off x="0" y="0"/>
+          <a:ext cx="0" cy="0"/>
+          <a:chOff x="0" y="0"/>
+          <a:chExt cx="0" cy="0"/>
+        </a:xfrm>
+      </p:grpSpPr>
+      <p:sp>
+        <p:nvSpPr>
+          <p:cNvPr id="2" name="Footer Placeholder 1">
+            <a:extLst>
+              <a:ext uri="{FF2B5EF4-FFF2-40B4-BE49-F238E27FC236}">
+                <a16:creationId xmlns="" xmlns:a16="http://schemas.microsoft.com/office/drawing/2014/main" id="{EB7098F0-6935-B247-92F1-05653C13B445}"/>
+              </a:ext>
+            </a:extLst>
+          </p:cNvPr>
+          <p:cNvSpPr>
+            <a:spLocks noGrp="1"/>
+          </p:cNvSpPr>
+          <p:nvPr>
+            <p:ph type="ftr" sz="quarter" idx="3"/>
+          </p:nvPr>
+        </p:nvSpPr>
+        <p:spPr/>
+        <p:txBody>
+          <a:bodyPr/>
+          <a:lstStyle/>
+          <a:p>
+            <a:r>
+              <a:rPr lang="en-US" dirty="0"/>
+              <a:t>Copyright © 2020 Oracle and/or its affiliates. Oracle Confidential - Restricted.</a:t>
+            </a:r>
+          </a:p>
+        </p:txBody>
+      </p:sp>
+      <p:sp>
+        <p:nvSpPr>
+          <p:cNvPr id="3" name="Slide Number Placeholder 2">
+            <a:extLst>
+              <a:ext uri="{FF2B5EF4-FFF2-40B4-BE49-F238E27FC236}">
+                <a16:creationId xmlns="" xmlns:a16="http://schemas.microsoft.com/office/drawing/2014/main" id="{A85048A9-3D14-B945-BA11-ED741A6748C3}"/>
+              </a:ext>
+            </a:extLst>
+          </p:cNvPr>
+          <p:cNvSpPr>
+            <a:spLocks noGrp="1"/>
+          </p:cNvSpPr>
+          <p:nvPr>
+            <p:ph type="sldNum" sz="quarter" idx="4"/>
+          </p:nvPr>
+        </p:nvSpPr>
+        <p:spPr/>
+        <p:txBody>
+          <a:bodyPr/>
+          <a:lstStyle/>
+          <a:p>
+            <a:fld id="{345D60D9-5372-5F40-9443-0F9AE5BDC3C8}" type="slidenum">
+              <a:rPr lang="en-US" smtClean="0"/>
+              <a:pPr/>
+              <a:t>7</a:t>
+            </a:fld>
+            <a:endParaRPr lang="en-US" dirty="0"/>
+          </a:p>
+        </p:txBody>
+      </p:sp>
+      <p:sp>
+        <p:nvSpPr>
+          <p:cNvPr id="17" name="TextBox 16">
+            <a:extLst>
+              <a:ext uri="{FF2B5EF4-FFF2-40B4-BE49-F238E27FC236}">
+                <a16:creationId xmlns="" xmlns:a16="http://schemas.microsoft.com/office/drawing/2014/main" id="{00FABF5B-8DCC-4D38-8123-A80D08EB965B}"/>
+              </a:ext>
+            </a:extLst>
+          </p:cNvPr>
+          <p:cNvSpPr txBox="1"/>
+          <p:nvPr/>
+        </p:nvSpPr>
+        <p:spPr>
+          <a:xfrm>
+            <a:off x="288703" y="358558"/>
+            <a:ext cx="6342756" cy="535619"/>
+          </a:xfrm>
+          <a:prstGeom prst="rect">
+            <a:avLst/>
+          </a:prstGeom>
+          <a:noFill/>
+        </p:spPr>
+        <p:txBody>
+          <a:bodyPr wrap="square" lIns="0" tIns="0" rIns="0" bIns="0" rtlCol="0">
+            <a:noAutofit/>
+          </a:bodyPr>
+          <a:lstStyle/>
+          <a:p>
+            <a:pPr marL="0" marR="0" lvl="0" indent="0" algn="l" defTabSz="914400" rtl="0" eaLnBrk="1" fontAlgn="auto" latinLnBrk="0" hangingPunct="1">
+              <a:lnSpc>
+                <a:spcPct val="90000"/>
+              </a:lnSpc>
+              <a:spcBef>
+                <a:spcPts val="0"/>
+              </a:spcBef>
+              <a:spcAft>
+                <a:spcPts val="0"/>
+              </a:spcAft>
+              <a:buClrTx/>
+              <a:buSzTx/>
+              <a:buFontTx/>
+              <a:buNone/>
+              <a:tabLst/>
+              <a:defRPr/>
+            </a:pPr>
+            <a:r>
+              <a:rPr lang="en-US" sz="3200" kern="0" noProof="0" dirty="0" smtClean="0">
+                <a:solidFill>
+                  <a:srgbClr val="000000"/>
+                </a:solidFill>
+                <a:latin typeface="Calibri Light" panose="020F0302020204030204" pitchFamily="34" charset="0"/>
+                <a:cs typeface="Calibri Light" panose="020F0302020204030204" pitchFamily="34" charset="0"/>
+                <a:sym typeface="Arial"/>
+              </a:rPr>
+              <a:t>OCI-CLI </a:t>
+            </a:r>
+            <a:r>
+              <a:rPr lang="en-US" sz="3200" kern="0" noProof="0" dirty="0" smtClean="0">
+                <a:solidFill>
+                  <a:srgbClr val="000000"/>
+                </a:solidFill>
+                <a:latin typeface="Calibri Light" panose="020F0302020204030204" pitchFamily="34" charset="0"/>
+                <a:cs typeface="Calibri Light" panose="020F0302020204030204" pitchFamily="34" charset="0"/>
+                <a:sym typeface="Arial"/>
+              </a:rPr>
+              <a:t>Workflows</a:t>
+            </a:r>
+            <a:endParaRPr kumimoji="0" lang="en-US" sz="3200" b="0" i="0" u="none" strike="noStrike" kern="0" cap="none" spc="0" normalizeH="0" baseline="0" noProof="0" dirty="0">
+              <a:ln>
+                <a:noFill/>
+              </a:ln>
+              <a:solidFill>
+                <a:srgbClr val="000000"/>
+              </a:solidFill>
+              <a:uLnTx/>
+              <a:uFillTx/>
+              <a:latin typeface="Calibri Light" panose="020F0302020204030204" pitchFamily="34" charset="0"/>
+              <a:ea typeface="+mn-ea"/>
+              <a:cs typeface="Calibri Light" panose="020F0302020204030204" pitchFamily="34" charset="0"/>
+              <a:sym typeface="Arial"/>
+            </a:endParaRPr>
+          </a:p>
+        </p:txBody>
+      </p:sp>
+      <p:pic>
+        <p:nvPicPr>
+          <p:cNvPr id="5" name="Picture 4"/>
+          <p:cNvPicPr>
+            <a:picLocks noChangeAspect="1"/>
+          </p:cNvPicPr>
+          <p:nvPr/>
+        </p:nvPicPr>
+        <p:blipFill>
+          <a:blip r:embed="rId3"/>
+          <a:stretch>
+            <a:fillRect/>
+          </a:stretch>
+        </p:blipFill>
+        <p:spPr>
+          <a:xfrm>
+            <a:off x="428748" y="968317"/>
+            <a:ext cx="10486389" cy="4304413"/>
+          </a:xfrm>
+          <a:prstGeom prst="rect">
+            <a:avLst/>
+          </a:prstGeom>
+        </p:spPr>
+      </p:pic>
+      <p:sp>
+        <p:nvSpPr>
+          <p:cNvPr id="12" name="Google Shape;70;p15">
+            <a:extLst>
+              <a:ext uri="{FF2B5EF4-FFF2-40B4-BE49-F238E27FC236}">
+                <a16:creationId xmlns="" xmlns:a16="http://schemas.microsoft.com/office/drawing/2014/main" id="{2B4AF13A-0EE5-B047-8620-09F337BEA773}"/>
+              </a:ext>
+            </a:extLst>
+          </p:cNvPr>
+          <p:cNvSpPr/>
+          <p:nvPr/>
+        </p:nvSpPr>
+        <p:spPr>
+          <a:xfrm>
+            <a:off x="412271" y="5331696"/>
+            <a:ext cx="2431348" cy="940090"/>
+          </a:xfrm>
+          <a:prstGeom prst="rect">
+            <a:avLst/>
+          </a:prstGeom>
+          <a:solidFill>
+            <a:srgbClr val="2B6242"/>
+          </a:solidFill>
+          <a:ln w="12700" cap="flat" cmpd="sng" algn="ctr">
+            <a:solidFill>
+              <a:srgbClr val="FCFBFA">
+                <a:hueOff val="0"/>
+                <a:satOff val="0"/>
+                <a:lumOff val="0"/>
+                <a:alphaOff val="0"/>
+              </a:srgbClr>
+            </a:solidFill>
+            <a:prstDash val="solid"/>
+            <a:miter lim="800000"/>
+          </a:ln>
+          <a:effectLst/>
+        </p:spPr>
+        <p:txBody>
+          <a:bodyPr spcFirstLastPara="0" vert="horz" wrap="none" lIns="144000" tIns="72000" rIns="144000" bIns="72000" numCol="1" spcCol="1270" anchor="ctr" anchorCtr="0">
+            <a:noAutofit/>
+          </a:bodyPr>
+          <a:lstStyle/>
+          <a:p>
+            <a:r>
+              <a:rPr lang="en-US" b="1" dirty="0" smtClean="0">
+                <a:solidFill>
+                  <a:schemeClr val="bg1"/>
+                </a:solidFill>
+                <a:latin typeface="Calibri Light" panose="020F0302020204030204" pitchFamily="34" charset="0"/>
+                <a:cs typeface="Calibri Light" panose="020F0302020204030204" pitchFamily="34" charset="0"/>
+                <a:sym typeface="Questrial"/>
+              </a:rPr>
+              <a:t>Why this is important?</a:t>
+            </a:r>
+            <a:endParaRPr lang="en-US" b="1" dirty="0">
+              <a:solidFill>
+                <a:schemeClr val="bg1"/>
+              </a:solidFill>
+              <a:latin typeface="Calibri Light" panose="020F0302020204030204" pitchFamily="34" charset="0"/>
+              <a:cs typeface="Calibri Light" panose="020F0302020204030204" pitchFamily="34" charset="0"/>
+              <a:sym typeface="Questrial"/>
+            </a:endParaRPr>
+          </a:p>
+        </p:txBody>
+      </p:sp>
+      <p:sp>
+        <p:nvSpPr>
+          <p:cNvPr id="13" name="Google Shape;72;p15">
+            <a:extLst>
+              <a:ext uri="{FF2B5EF4-FFF2-40B4-BE49-F238E27FC236}">
+                <a16:creationId xmlns="" xmlns:a16="http://schemas.microsoft.com/office/drawing/2014/main" id="{7F2BE374-0EF0-6544-9390-8BDFA07ACD31}"/>
+              </a:ext>
+            </a:extLst>
+          </p:cNvPr>
+          <p:cNvSpPr/>
+          <p:nvPr/>
+        </p:nvSpPr>
+        <p:spPr>
+          <a:xfrm>
+            <a:off x="2843619" y="5331695"/>
+            <a:ext cx="9039234" cy="940035"/>
+          </a:xfrm>
+          <a:prstGeom prst="rect">
+            <a:avLst/>
+          </a:prstGeom>
+          <a:solidFill>
+            <a:srgbClr val="EFEFEF"/>
+          </a:solidFill>
+          <a:ln>
+            <a:noFill/>
+          </a:ln>
+        </p:spPr>
+        <p:txBody>
+          <a:bodyPr spcFirstLastPara="1" wrap="square" lIns="180000" tIns="72000" rIns="180000" bIns="72000" anchor="ctr" anchorCtr="0">
+            <a:noAutofit/>
+          </a:bodyPr>
+          <a:lstStyle/>
+          <a:p>
+            <a:pPr lvl="0">
+              <a:lnSpc>
+                <a:spcPct val="105000"/>
+              </a:lnSpc>
+              <a:buSzPts val="900"/>
+              <a:defRPr/>
+            </a:pPr>
+            <a:r>
+              <a:rPr lang="en-US" sz="1400" dirty="0" smtClean="0">
                 <a:solidFill>
                   <a:srgbClr val="312D2A"/>
                 </a:solidFill>
@@ -8112,17 +7378,17 @@
               <a:t>1. </a:t>
             </a:r>
             <a:r>
-              <a:rPr lang="en-US" sz="1600" dirty="0" smtClean="0">
-                <a:solidFill>
-                  <a:srgbClr val="312D2A"/>
-                </a:solidFill>
-                <a:ea typeface="Questrial"/>
-                <a:cs typeface="Questrial"/>
-                <a:sym typeface="Questrial"/>
-              </a:rPr>
-              <a:t>User setup and federated identity management</a:t>
-            </a:r>
-            <a:endParaRPr lang="en-US" sz="1600" dirty="0" smtClean="0">
+              <a:rPr lang="en-US" sz="1400" dirty="0" smtClean="0">
+                <a:solidFill>
+                  <a:srgbClr val="312D2A"/>
+                </a:solidFill>
+                <a:ea typeface="Questrial"/>
+                <a:cs typeface="Questrial"/>
+                <a:sym typeface="Questrial"/>
+              </a:rPr>
+              <a:t>Automatic termination saves researcher credits. (GPU/BM clusters are expensive)</a:t>
+            </a:r>
+            <a:endParaRPr lang="en-US" sz="1400" dirty="0">
               <a:solidFill>
                 <a:srgbClr val="312D2A"/>
               </a:solidFill>
@@ -8140,7 +7406,7 @@
               <a:defRPr/>
             </a:pPr>
             <a:r>
-              <a:rPr lang="en-US" sz="1600" dirty="0" smtClean="0">
+              <a:rPr lang="en-US" sz="1400" dirty="0" smtClean="0">
                 <a:solidFill>
                   <a:srgbClr val="312D2A"/>
                 </a:solidFill>
@@ -8151,37 +7417,17 @@
               <a:t>2. </a:t>
             </a:r>
             <a:r>
-              <a:rPr lang="en-US" sz="1600" dirty="0" smtClean="0">
-                <a:solidFill>
-                  <a:srgbClr val="312D2A"/>
-                </a:solidFill>
-                <a:ea typeface="Questrial"/>
-                <a:cs typeface="Questrial"/>
-                <a:sym typeface="Questrial"/>
-              </a:rPr>
-              <a:t>Importing Marketplace / Custom images</a:t>
-            </a:r>
-          </a:p>
-          <a:p>
-            <a:pPr lvl="0">
-              <a:lnSpc>
-                <a:spcPct val="105000"/>
-              </a:lnSpc>
-              <a:buSzPts val="900"/>
-              <a:defRPr/>
-            </a:pPr>
-            <a:r>
-              <a:rPr lang="en-US" sz="1600" dirty="0" smtClean="0">
-                <a:solidFill>
-                  <a:srgbClr val="312D2A"/>
-                </a:solidFill>
-                <a:ea typeface="Questrial"/>
-                <a:cs typeface="Questrial"/>
-                <a:sym typeface="Questrial"/>
-              </a:rPr>
-              <a:t>3. Importing Oracle for Research Images</a:t>
-            </a:r>
-            <a:endParaRPr lang="en-US" sz="1600" dirty="0" smtClean="0">
+              <a:rPr lang="en-US" sz="1400" dirty="0" smtClean="0">
+                <a:solidFill>
+                  <a:srgbClr val="312D2A"/>
+                </a:solidFill>
+                <a:ea typeface="Questrial"/>
+                <a:cs typeface="Questrial"/>
+                <a:sym typeface="Questrial"/>
+              </a:rPr>
+              <a:t>Enables Oracle to better utilize GPU / CPU resources &amp; support more researchers</a:t>
+            </a:r>
+            <a:endParaRPr lang="en-US" sz="1400" dirty="0" smtClean="0">
               <a:solidFill>
                 <a:srgbClr val="312D2A"/>
               </a:solidFill>
@@ -8199,61 +7445,28 @@
               <a:defRPr/>
             </a:pPr>
             <a:r>
-              <a:rPr lang="en-US" sz="1600" dirty="0">
-                <a:solidFill>
-                  <a:srgbClr val="312D2A"/>
-                </a:solidFill>
-                <a:ea typeface="Questrial"/>
-                <a:cs typeface="Questrial"/>
-                <a:sym typeface="Questrial"/>
-              </a:rPr>
-              <a:t>4</a:t>
-            </a:r>
-            <a:r>
-              <a:rPr lang="en-US" sz="1600" dirty="0" smtClean="0">
-                <a:solidFill>
-                  <a:srgbClr val="312D2A"/>
-                </a:solidFill>
-                <a:ea typeface="Questrial"/>
-                <a:cs typeface="Questrial"/>
-                <a:sym typeface="Questrial"/>
-              </a:rPr>
-              <a:t>. </a:t>
-            </a:r>
-            <a:r>
-              <a:rPr lang="en-US" sz="1600" dirty="0" smtClean="0">
-                <a:solidFill>
-                  <a:srgbClr val="312D2A"/>
-                </a:solidFill>
-                <a:ea typeface="Questrial"/>
-                <a:cs typeface="Questrial"/>
-                <a:sym typeface="Questrial"/>
-              </a:rPr>
-              <a:t>Quick data transfer from </a:t>
-            </a:r>
-            <a:r>
-              <a:rPr lang="en-US" sz="1600" dirty="0" err="1" smtClean="0">
-                <a:solidFill>
-                  <a:srgbClr val="312D2A"/>
-                </a:solidFill>
-                <a:ea typeface="Questrial"/>
-                <a:cs typeface="Questrial"/>
-                <a:sym typeface="Questrial"/>
-              </a:rPr>
-              <a:t>on-premise</a:t>
-            </a:r>
-            <a:r>
-              <a:rPr lang="en-US" sz="1600" dirty="0" smtClean="0">
-                <a:solidFill>
-                  <a:srgbClr val="312D2A"/>
-                </a:solidFill>
-                <a:ea typeface="Questrial"/>
-                <a:cs typeface="Questrial"/>
-                <a:sym typeface="Questrial"/>
-              </a:rPr>
-              <a:t> to object store</a:t>
-            </a:r>
-            <a:endParaRPr lang="en-US" sz="1600" dirty="0" smtClean="0">
+              <a:rPr lang="en-US" sz="1400" dirty="0" smtClean="0">
+                <a:solidFill>
+                  <a:srgbClr val="312D2A"/>
+                </a:solidFill>
+                <a:ea typeface="Questrial"/>
+                <a:cs typeface="Questrial"/>
+                <a:sym typeface="Questrial"/>
+              </a:rPr>
+              <a:t>3. </a:t>
+            </a:r>
+            <a:r>
+              <a:rPr lang="en-US" sz="1400" dirty="0" smtClean="0">
+                <a:solidFill>
+                  <a:srgbClr val="312D2A"/>
+                </a:solidFill>
+                <a:ea typeface="Questrial"/>
+                <a:cs typeface="Questrial"/>
+                <a:sym typeface="Questrial"/>
+              </a:rPr>
+              <a:t>Reduce service limit request processing time and saves researchers wait time</a:t>
+            </a:r>
+            <a:endParaRPr lang="en-US" sz="1400" dirty="0" smtClean="0">
               <a:solidFill>
                 <a:srgbClr val="312D2A"/>
               </a:solidFill>
@@ -8262,296 +7475,12 @@
               <a:sym typeface="Questrial"/>
             </a:endParaRPr>
           </a:p>
-          <a:p>
-            <a:pPr lvl="0">
-              <a:lnSpc>
-                <a:spcPct val="105000"/>
-              </a:lnSpc>
-              <a:buSzPts val="900"/>
-              <a:defRPr/>
-            </a:pPr>
-            <a:r>
-              <a:rPr lang="en-US" sz="1600" dirty="0">
-                <a:solidFill>
-                  <a:srgbClr val="312D2A"/>
-                </a:solidFill>
-                <a:ea typeface="Questrial"/>
-                <a:cs typeface="Questrial"/>
-                <a:sym typeface="Questrial"/>
-              </a:rPr>
-              <a:t>5</a:t>
-            </a:r>
-            <a:r>
-              <a:rPr lang="en-US" sz="1600" dirty="0" smtClean="0">
-                <a:solidFill>
-                  <a:srgbClr val="312D2A"/>
-                </a:solidFill>
-                <a:ea typeface="Questrial"/>
-                <a:cs typeface="Questrial"/>
-                <a:sym typeface="Questrial"/>
-              </a:rPr>
-              <a:t>. </a:t>
-            </a:r>
-            <a:r>
-              <a:rPr lang="en-US" sz="1600" dirty="0" smtClean="0">
-                <a:solidFill>
-                  <a:srgbClr val="312D2A"/>
-                </a:solidFill>
-                <a:ea typeface="Questrial"/>
-                <a:cs typeface="Questrial"/>
-                <a:sym typeface="Questrial"/>
-              </a:rPr>
-              <a:t>Block volume / FSS creation and administration</a:t>
-            </a:r>
-            <a:endParaRPr lang="en-US" sz="1600" dirty="0" smtClean="0">
-              <a:solidFill>
-                <a:srgbClr val="312D2A"/>
-              </a:solidFill>
-              <a:ea typeface="Questrial"/>
-              <a:cs typeface="Questrial"/>
-              <a:sym typeface="Questrial"/>
-            </a:endParaRPr>
-          </a:p>
-          <a:p>
-            <a:pPr lvl="0">
-              <a:lnSpc>
-                <a:spcPct val="105000"/>
-              </a:lnSpc>
-              <a:buSzPts val="900"/>
-              <a:defRPr/>
-            </a:pPr>
-            <a:r>
-              <a:rPr lang="en-US" sz="1600" dirty="0">
-                <a:solidFill>
-                  <a:srgbClr val="312D2A"/>
-                </a:solidFill>
-                <a:ea typeface="Questrial"/>
-                <a:cs typeface="Questrial"/>
-                <a:sym typeface="Questrial"/>
-              </a:rPr>
-              <a:t>6</a:t>
-            </a:r>
-            <a:r>
-              <a:rPr lang="en-US" sz="1600" dirty="0" smtClean="0">
-                <a:solidFill>
-                  <a:srgbClr val="312D2A"/>
-                </a:solidFill>
-                <a:ea typeface="Questrial"/>
-                <a:cs typeface="Questrial"/>
-                <a:sym typeface="Questrial"/>
-              </a:rPr>
-              <a:t>. Resource quota and usage analysis</a:t>
-            </a:r>
-            <a:endParaRPr lang="en-US" sz="1600" dirty="0" smtClean="0">
-              <a:solidFill>
-                <a:srgbClr val="312D2A"/>
-              </a:solidFill>
-              <a:ea typeface="Questrial"/>
-              <a:cs typeface="Questrial"/>
-              <a:sym typeface="Questrial"/>
-            </a:endParaRPr>
-          </a:p>
-          <a:p>
-            <a:pPr lvl="0">
-              <a:lnSpc>
-                <a:spcPct val="105000"/>
-              </a:lnSpc>
-              <a:buSzPts val="900"/>
-              <a:defRPr/>
-            </a:pPr>
-            <a:r>
-              <a:rPr lang="en-US" sz="1600" dirty="0">
-                <a:solidFill>
-                  <a:srgbClr val="312D2A"/>
-                </a:solidFill>
-                <a:ea typeface="Questrial"/>
-                <a:cs typeface="Questrial"/>
-                <a:sym typeface="Questrial"/>
-              </a:rPr>
-              <a:t>7</a:t>
-            </a:r>
-            <a:r>
-              <a:rPr lang="en-US" sz="1600" dirty="0" smtClean="0">
-                <a:solidFill>
-                  <a:srgbClr val="312D2A"/>
-                </a:solidFill>
-                <a:ea typeface="Questrial"/>
-                <a:cs typeface="Questrial"/>
-                <a:sym typeface="Questrial"/>
-              </a:rPr>
-              <a:t>. </a:t>
-            </a:r>
-            <a:r>
-              <a:rPr lang="en-US" sz="1600" dirty="0" smtClean="0">
-                <a:solidFill>
-                  <a:srgbClr val="312D2A"/>
-                </a:solidFill>
-                <a:ea typeface="Questrial"/>
-                <a:cs typeface="Questrial"/>
-                <a:sym typeface="Questrial"/>
-              </a:rPr>
-              <a:t>Auto-scaling based setup</a:t>
-            </a:r>
-            <a:endParaRPr lang="en-US" sz="1600" dirty="0" smtClean="0">
-              <a:solidFill>
-                <a:srgbClr val="312D2A"/>
-              </a:solidFill>
-              <a:ea typeface="Questrial"/>
-              <a:cs typeface="Questrial"/>
-              <a:sym typeface="Questrial"/>
-            </a:endParaRPr>
-          </a:p>
-          <a:p>
-            <a:pPr lvl="0">
-              <a:lnSpc>
-                <a:spcPct val="105000"/>
-              </a:lnSpc>
-              <a:buSzPts val="900"/>
-              <a:defRPr/>
-            </a:pPr>
-            <a:r>
-              <a:rPr lang="en-US" sz="1600" dirty="0">
-                <a:solidFill>
-                  <a:srgbClr val="312D2A"/>
-                </a:solidFill>
-                <a:ea typeface="Questrial"/>
-                <a:cs typeface="Questrial"/>
-                <a:sym typeface="Questrial"/>
-              </a:rPr>
-              <a:t>8</a:t>
-            </a:r>
-            <a:r>
-              <a:rPr lang="en-US" sz="1600" dirty="0" smtClean="0">
-                <a:solidFill>
-                  <a:srgbClr val="312D2A"/>
-                </a:solidFill>
-                <a:ea typeface="Questrial"/>
-                <a:cs typeface="Questrial"/>
-                <a:sym typeface="Questrial"/>
-              </a:rPr>
-              <a:t>. </a:t>
-            </a:r>
-            <a:r>
-              <a:rPr lang="en-US" sz="1600" dirty="0" smtClean="0">
-                <a:solidFill>
-                  <a:srgbClr val="312D2A"/>
-                </a:solidFill>
-                <a:ea typeface="Questrial"/>
-                <a:cs typeface="Questrial"/>
-                <a:sym typeface="Questrial"/>
-              </a:rPr>
-              <a:t>Standard architecture and networking setup</a:t>
-            </a:r>
-            <a:endParaRPr lang="en-US" sz="1600" dirty="0" smtClean="0">
-              <a:solidFill>
-                <a:srgbClr val="312D2A"/>
-              </a:solidFill>
-              <a:ea typeface="Questrial"/>
-              <a:cs typeface="Questrial"/>
-              <a:sym typeface="Questrial"/>
-            </a:endParaRPr>
-          </a:p>
-          <a:p>
-            <a:pPr lvl="0">
-              <a:lnSpc>
-                <a:spcPct val="105000"/>
-              </a:lnSpc>
-              <a:buSzPts val="900"/>
-              <a:defRPr/>
-            </a:pPr>
-            <a:r>
-              <a:rPr lang="en-US" sz="1600" dirty="0">
-                <a:solidFill>
-                  <a:srgbClr val="312D2A"/>
-                </a:solidFill>
-                <a:ea typeface="Questrial"/>
-                <a:cs typeface="Questrial"/>
-                <a:sym typeface="Questrial"/>
-              </a:rPr>
-              <a:t>9</a:t>
-            </a:r>
-            <a:r>
-              <a:rPr lang="en-US" sz="1600" dirty="0" smtClean="0">
-                <a:solidFill>
-                  <a:srgbClr val="312D2A"/>
-                </a:solidFill>
-                <a:ea typeface="Questrial"/>
-                <a:cs typeface="Questrial"/>
-                <a:sym typeface="Questrial"/>
-              </a:rPr>
-              <a:t>. Resource stack and Terraform setup</a:t>
-            </a:r>
-            <a:endParaRPr lang="en-US" sz="1600" dirty="0" smtClean="0">
-              <a:solidFill>
-                <a:srgbClr val="312D2A"/>
-              </a:solidFill>
-              <a:ea typeface="Questrial"/>
-              <a:cs typeface="Questrial"/>
-              <a:sym typeface="Questrial"/>
-            </a:endParaRPr>
-          </a:p>
-          <a:p>
-            <a:pPr lvl="0">
-              <a:lnSpc>
-                <a:spcPct val="105000"/>
-              </a:lnSpc>
-              <a:buSzPts val="900"/>
-              <a:defRPr/>
-            </a:pPr>
-            <a:r>
-              <a:rPr lang="en-US" sz="1600" dirty="0" smtClean="0">
-                <a:solidFill>
-                  <a:srgbClr val="312D2A"/>
-                </a:solidFill>
-                <a:ea typeface="Questrial"/>
-                <a:cs typeface="Questrial"/>
-                <a:sym typeface="Questrial"/>
-              </a:rPr>
-              <a:t>10. Data science &amp; data flow PaaS services</a:t>
-            </a:r>
-            <a:endParaRPr lang="en-US" sz="1600" dirty="0" smtClean="0">
-              <a:solidFill>
-                <a:srgbClr val="312D2A"/>
-              </a:solidFill>
-              <a:ea typeface="Questrial"/>
-              <a:cs typeface="Questrial"/>
-              <a:sym typeface="Questrial"/>
-            </a:endParaRPr>
-          </a:p>
-          <a:p>
-            <a:pPr lvl="0">
-              <a:lnSpc>
-                <a:spcPct val="105000"/>
-              </a:lnSpc>
-              <a:buSzPts val="900"/>
-              <a:defRPr/>
-            </a:pPr>
-            <a:r>
-              <a:rPr lang="en-US" sz="1600" dirty="0" smtClean="0">
-                <a:solidFill>
-                  <a:srgbClr val="312D2A"/>
-                </a:solidFill>
-                <a:ea typeface="Questrial"/>
-                <a:cs typeface="Questrial"/>
-                <a:sym typeface="Questrial"/>
-              </a:rPr>
-              <a:t>11. Autonomous and PaaS databases </a:t>
-            </a:r>
-            <a:endParaRPr lang="en-US" sz="1600" dirty="0">
-              <a:solidFill>
-                <a:srgbClr val="312D2A"/>
-              </a:solidFill>
-              <a:ea typeface="Questrial"/>
-              <a:cs typeface="Questrial"/>
-              <a:sym typeface="Questrial"/>
-            </a:endParaRPr>
-          </a:p>
         </p:txBody>
       </p:sp>
     </p:spTree>
     <p:extLst>
       <p:ext uri="{BB962C8B-B14F-4D97-AF65-F5344CB8AC3E}">
-        <p14:creationId xmlns:p14="http://schemas.microsoft.com/office/powerpoint/2010/main" val="3835492894"/>
+        <p14:creationId xmlns:p14="http://schemas.microsoft.com/office/powerpoint/2010/main" val="755354240"/>
       </p:ext>
     </p:extLst>
   </p:cSld>
@@ -8602,7 +7531,7 @@
           <p:cNvPr id="2" name="Footer Placeholder 1">
             <a:extLst>
               <a:ext uri="{FF2B5EF4-FFF2-40B4-BE49-F238E27FC236}">
-                <a16:creationId xmlns:a16="http://schemas.microsoft.com/office/drawing/2014/main" xmlns="" id="{EB7098F0-6935-B247-92F1-05653C13B445}"/>
+                <a16:creationId xmlns="" xmlns:a16="http://schemas.microsoft.com/office/drawing/2014/main" id="{EB7098F0-6935-B247-92F1-05653C13B445}"/>
               </a:ext>
             </a:extLst>
           </p:cNvPr>
@@ -8630,7 +7559,7 @@
           <p:cNvPr id="3" name="Slide Number Placeholder 2">
             <a:extLst>
               <a:ext uri="{FF2B5EF4-FFF2-40B4-BE49-F238E27FC236}">
-                <a16:creationId xmlns:a16="http://schemas.microsoft.com/office/drawing/2014/main" xmlns="" id="{A85048A9-3D14-B945-BA11-ED741A6748C3}"/>
+                <a16:creationId xmlns="" xmlns:a16="http://schemas.microsoft.com/office/drawing/2014/main" id="{A85048A9-3D14-B945-BA11-ED741A6748C3}"/>
               </a:ext>
             </a:extLst>
           </p:cNvPr>
@@ -8657,83 +7586,10 @@
       </p:sp>
       <p:sp>
         <p:nvSpPr>
-          <p:cNvPr id="17" name="TextBox 16">
+          <p:cNvPr id="9" name="Google Shape;70;p15">
             <a:extLst>
               <a:ext uri="{FF2B5EF4-FFF2-40B4-BE49-F238E27FC236}">
-                <a16:creationId xmlns:a16="http://schemas.microsoft.com/office/drawing/2014/main" xmlns="" id="{00FABF5B-8DCC-4D38-8123-A80D08EB965B}"/>
-              </a:ext>
-            </a:extLst>
-          </p:cNvPr>
-          <p:cNvSpPr txBox="1"/>
-          <p:nvPr/>
-        </p:nvSpPr>
-        <p:spPr>
-          <a:xfrm>
-            <a:off x="288703" y="358558"/>
-            <a:ext cx="6342756" cy="535619"/>
-          </a:xfrm>
-          <a:prstGeom prst="rect">
-            <a:avLst/>
-          </a:prstGeom>
-          <a:noFill/>
-        </p:spPr>
-        <p:txBody>
-          <a:bodyPr wrap="square" lIns="0" tIns="0" rIns="0" bIns="0" rtlCol="0">
-            <a:noAutofit/>
-          </a:bodyPr>
-          <a:lstStyle/>
-          <a:p>
-            <a:pPr marL="0" marR="0" lvl="0" indent="0" algn="l" defTabSz="914400" rtl="0" eaLnBrk="1" fontAlgn="auto" latinLnBrk="0" hangingPunct="1">
-              <a:lnSpc>
-                <a:spcPct val="90000"/>
-              </a:lnSpc>
-              <a:spcBef>
-                <a:spcPts val="0"/>
-              </a:spcBef>
-              <a:spcAft>
-                <a:spcPts val="0"/>
-              </a:spcAft>
-              <a:buClrTx/>
-              <a:buSzTx/>
-              <a:buFontTx/>
-              <a:buNone/>
-              <a:tabLst/>
-              <a:defRPr/>
-            </a:pPr>
-            <a:r>
-              <a:rPr lang="en-US" sz="3200" kern="0" dirty="0" smtClean="0">
-                <a:solidFill>
-                  <a:srgbClr val="000000"/>
-                </a:solidFill>
-                <a:latin typeface="Calibri Light" panose="020F0302020204030204" pitchFamily="34" charset="0"/>
-                <a:cs typeface="Calibri Light" panose="020F0302020204030204" pitchFamily="34" charset="0"/>
-                <a:sym typeface="Arial"/>
-              </a:rPr>
-              <a:t>OCI-CLI links</a:t>
-            </a:r>
-            <a:endParaRPr kumimoji="0" lang="en-US" sz="3200" b="0" i="0" u="none" strike="noStrike" kern="0" cap="none" spc="0" normalizeH="0" baseline="0" noProof="0" dirty="0">
-              <a:ln>
-                <a:noFill/>
-              </a:ln>
-              <a:solidFill>
-                <a:srgbClr val="000000"/>
-              </a:solidFill>
-              <a:uLnTx/>
-              <a:uFillTx/>
-              <a:latin typeface="Calibri Light" panose="020F0302020204030204" pitchFamily="34" charset="0"/>
-              <a:ea typeface="+mn-ea"/>
-              <a:cs typeface="Calibri Light" panose="020F0302020204030204" pitchFamily="34" charset="0"/>
-              <a:sym typeface="Arial"/>
-            </a:endParaRPr>
-          </a:p>
-        </p:txBody>
-      </p:sp>
-      <p:sp>
-        <p:nvSpPr>
-          <p:cNvPr id="22" name="Google Shape;72;p15">
-            <a:extLst>
-              <a:ext uri="{FF2B5EF4-FFF2-40B4-BE49-F238E27FC236}">
-                <a16:creationId xmlns:a16="http://schemas.microsoft.com/office/drawing/2014/main" xmlns="" id="{7F2BE374-0EF0-6544-9390-8BDFA07ACD31}"/>
+                <a16:creationId xmlns="" xmlns:a16="http://schemas.microsoft.com/office/drawing/2014/main" id="{6E553804-E03E-2E4C-8825-93899756C43A}"/>
               </a:ext>
             </a:extLst>
           </p:cNvPr>
@@ -8742,8 +7598,74 @@
         </p:nvSpPr>
         <p:spPr>
           <a:xfrm>
-            <a:off x="762000" y="1006563"/>
-            <a:ext cx="9039234" cy="5417097"/>
+            <a:off x="6134867" y="1263838"/>
+            <a:ext cx="5624418" cy="787897"/>
+          </a:xfrm>
+          <a:prstGeom prst="rect">
+            <a:avLst/>
+          </a:prstGeom>
+          <a:solidFill>
+            <a:srgbClr val="2B6242"/>
+          </a:solidFill>
+          <a:ln w="12700" cap="flat" cmpd="sng" algn="ctr">
+            <a:solidFill>
+              <a:srgbClr val="FCFBFA">
+                <a:hueOff val="0"/>
+                <a:satOff val="0"/>
+                <a:lumOff val="0"/>
+                <a:alphaOff val="0"/>
+              </a:srgbClr>
+            </a:solidFill>
+            <a:prstDash val="solid"/>
+            <a:miter lim="800000"/>
+          </a:ln>
+          <a:effectLst/>
+        </p:spPr>
+        <p:txBody>
+          <a:bodyPr spcFirstLastPara="0" vert="horz" wrap="none" lIns="144000" tIns="72000" rIns="144000" bIns="72000" numCol="1" spcCol="1270" anchor="ctr" anchorCtr="0">
+            <a:noAutofit/>
+          </a:bodyPr>
+          <a:lstStyle/>
+          <a:p>
+            <a:pPr algn="ctr"/>
+            <a:r>
+              <a:rPr lang="en-US" b="1" dirty="0" smtClean="0">
+                <a:solidFill>
+                  <a:schemeClr val="bg1"/>
+                </a:solidFill>
+                <a:latin typeface="Calibri Light" panose="020F0302020204030204" pitchFamily="34" charset="0"/>
+                <a:cs typeface="Calibri Light" panose="020F0302020204030204" pitchFamily="34" charset="0"/>
+                <a:sym typeface="Questrial"/>
+              </a:rPr>
+              <a:t>OCI Console</a:t>
+            </a:r>
+            <a:endParaRPr lang="en-US" b="1" dirty="0">
+              <a:solidFill>
+                <a:schemeClr val="bg1"/>
+              </a:solidFill>
+              <a:latin typeface="Calibri Light" panose="020F0302020204030204" pitchFamily="34" charset="0"/>
+              <a:cs typeface="Calibri Light" panose="020F0302020204030204" pitchFamily="34" charset="0"/>
+              <a:sym typeface="Questrial"/>
+            </a:endParaRPr>
+          </a:p>
+        </p:txBody>
+      </p:sp>
+      <p:sp>
+        <p:nvSpPr>
+          <p:cNvPr id="10" name="Google Shape;72;p15">
+            <a:extLst>
+              <a:ext uri="{FF2B5EF4-FFF2-40B4-BE49-F238E27FC236}">
+                <a16:creationId xmlns="" xmlns:a16="http://schemas.microsoft.com/office/drawing/2014/main" id="{F3FC4F15-A9FA-0146-B83D-7497F110DAE5}"/>
+              </a:ext>
+            </a:extLst>
+          </p:cNvPr>
+          <p:cNvSpPr/>
+          <p:nvPr/>
+        </p:nvSpPr>
+        <p:spPr>
+          <a:xfrm>
+            <a:off x="288702" y="2227150"/>
+            <a:ext cx="5632413" cy="4066558"/>
           </a:xfrm>
           <a:prstGeom prst="rect">
             <a:avLst/>
@@ -8761,6 +7683,853 @@
           </a:bodyPr>
           <a:lstStyle/>
           <a:p>
+            <a:pPr marR="0" lvl="0" algn="l" defTabSz="914400" rtl="0" eaLnBrk="1" fontAlgn="auto" latinLnBrk="0" hangingPunct="1">
+              <a:lnSpc>
+                <a:spcPct val="105000"/>
+              </a:lnSpc>
+              <a:spcBef>
+                <a:spcPts val="0"/>
+              </a:spcBef>
+              <a:spcAft>
+                <a:spcPts val="0"/>
+              </a:spcAft>
+              <a:buClrTx/>
+              <a:buSzPts val="900"/>
+              <a:tabLst/>
+              <a:defRPr/>
+            </a:pPr>
+            <a:r>
+              <a:rPr kumimoji="0" lang="en-US" i="0" u="sng" strike="noStrike" kern="1200" cap="none" spc="0" normalizeH="0" noProof="0" dirty="0" smtClean="0">
+                <a:ln>
+                  <a:noFill/>
+                </a:ln>
+                <a:solidFill>
+                  <a:srgbClr val="312D2A"/>
+                </a:solidFill>
+                <a:effectLst/>
+                <a:uLnTx/>
+                <a:uFillTx/>
+                <a:latin typeface="Oracle Sans"/>
+                <a:ea typeface="Questrial"/>
+                <a:cs typeface="Questrial"/>
+                <a:sym typeface="Questrial"/>
+              </a:rPr>
+              <a:t>Recommended </a:t>
+            </a:r>
+            <a:r>
+              <a:rPr lang="en-US" u="sng" dirty="0" smtClean="0">
+                <a:solidFill>
+                  <a:srgbClr val="312D2A"/>
+                </a:solidFill>
+                <a:latin typeface="Oracle Sans"/>
+                <a:ea typeface="Questrial"/>
+                <a:cs typeface="Questrial"/>
+                <a:sym typeface="Questrial"/>
+              </a:rPr>
+              <a:t>for – Repeatable tasks</a:t>
+            </a:r>
+            <a:r>
+              <a:rPr kumimoji="0" lang="en-US" i="0" u="sng" strike="noStrike" kern="1200" cap="none" spc="0" normalizeH="0" noProof="0" dirty="0" smtClean="0">
+                <a:ln>
+                  <a:noFill/>
+                </a:ln>
+                <a:solidFill>
+                  <a:srgbClr val="312D2A"/>
+                </a:solidFill>
+                <a:effectLst/>
+                <a:uLnTx/>
+                <a:uFillTx/>
+                <a:latin typeface="Oracle Sans"/>
+                <a:ea typeface="Questrial"/>
+                <a:cs typeface="Questrial"/>
+                <a:sym typeface="Questrial"/>
+              </a:rPr>
+              <a:t> </a:t>
+            </a:r>
+          </a:p>
+          <a:p>
+            <a:pPr marR="0" lvl="0" algn="l" defTabSz="914400" rtl="0" eaLnBrk="1" fontAlgn="auto" latinLnBrk="0" hangingPunct="1">
+              <a:lnSpc>
+                <a:spcPct val="105000"/>
+              </a:lnSpc>
+              <a:spcBef>
+                <a:spcPts val="0"/>
+              </a:spcBef>
+              <a:spcAft>
+                <a:spcPts val="0"/>
+              </a:spcAft>
+              <a:buClrTx/>
+              <a:buSzPts val="900"/>
+              <a:tabLst/>
+              <a:defRPr/>
+            </a:pPr>
+            <a:r>
+              <a:rPr lang="en-US" sz="1600" dirty="0" smtClean="0">
+                <a:solidFill>
+                  <a:srgbClr val="312D2A"/>
+                </a:solidFill>
+                <a:latin typeface="Oracle Sans"/>
+                <a:ea typeface="Questrial"/>
+                <a:cs typeface="Questrial"/>
+                <a:sym typeface="Questrial"/>
+              </a:rPr>
+              <a:t>1. Starting and terminating an instances</a:t>
+            </a:r>
+          </a:p>
+          <a:p>
+            <a:pPr marR="0" lvl="0" algn="l" defTabSz="914400" rtl="0" eaLnBrk="1" fontAlgn="auto" latinLnBrk="0" hangingPunct="1">
+              <a:lnSpc>
+                <a:spcPct val="105000"/>
+              </a:lnSpc>
+              <a:spcBef>
+                <a:spcPts val="0"/>
+              </a:spcBef>
+              <a:spcAft>
+                <a:spcPts val="0"/>
+              </a:spcAft>
+              <a:buClrTx/>
+              <a:buSzPts val="900"/>
+              <a:tabLst/>
+              <a:defRPr/>
+            </a:pPr>
+            <a:r>
+              <a:rPr kumimoji="0" lang="en-US" sz="1600" i="0" u="none" strike="noStrike" kern="1200" cap="none" spc="0" normalizeH="0" baseline="0" noProof="0" dirty="0" smtClean="0">
+                <a:ln>
+                  <a:noFill/>
+                </a:ln>
+                <a:solidFill>
+                  <a:srgbClr val="312D2A"/>
+                </a:solidFill>
+                <a:effectLst/>
+                <a:uLnTx/>
+                <a:uFillTx/>
+                <a:latin typeface="Oracle Sans"/>
+                <a:ea typeface="Questrial"/>
+                <a:cs typeface="Questrial"/>
+                <a:sym typeface="Questrial"/>
+              </a:rPr>
+              <a:t>2. Attaching / detaching block volumes / file</a:t>
+            </a:r>
+            <a:r>
+              <a:rPr kumimoji="0" lang="en-US" sz="1600" i="0" u="none" strike="noStrike" kern="1200" cap="none" spc="0" normalizeH="0" noProof="0" dirty="0" smtClean="0">
+                <a:ln>
+                  <a:noFill/>
+                </a:ln>
+                <a:solidFill>
+                  <a:srgbClr val="312D2A"/>
+                </a:solidFill>
+                <a:effectLst/>
+                <a:uLnTx/>
+                <a:uFillTx/>
+                <a:latin typeface="Oracle Sans"/>
+                <a:ea typeface="Questrial"/>
+                <a:cs typeface="Questrial"/>
+                <a:sym typeface="Questrial"/>
+              </a:rPr>
+              <a:t> systems</a:t>
+            </a:r>
+            <a:endParaRPr lang="en-US" sz="1600" noProof="0" dirty="0" smtClean="0">
+              <a:solidFill>
+                <a:srgbClr val="312D2A"/>
+              </a:solidFill>
+              <a:latin typeface="Oracle Sans"/>
+              <a:ea typeface="Questrial"/>
+              <a:cs typeface="Questrial"/>
+              <a:sym typeface="Questrial"/>
+            </a:endParaRPr>
+          </a:p>
+          <a:p>
+            <a:pPr marR="0" lvl="0" algn="l" defTabSz="914400" rtl="0" eaLnBrk="1" fontAlgn="auto" latinLnBrk="0" hangingPunct="1">
+              <a:lnSpc>
+                <a:spcPct val="105000"/>
+              </a:lnSpc>
+              <a:spcBef>
+                <a:spcPts val="0"/>
+              </a:spcBef>
+              <a:spcAft>
+                <a:spcPts val="0"/>
+              </a:spcAft>
+              <a:buClrTx/>
+              <a:buSzPts val="900"/>
+              <a:tabLst/>
+              <a:defRPr/>
+            </a:pPr>
+            <a:r>
+              <a:rPr kumimoji="0" lang="en-US" sz="1600" i="0" u="none" strike="noStrike" kern="1200" cap="none" spc="0" normalizeH="0" baseline="0" dirty="0" smtClean="0">
+                <a:ln>
+                  <a:noFill/>
+                </a:ln>
+                <a:solidFill>
+                  <a:srgbClr val="312D2A"/>
+                </a:solidFill>
+                <a:effectLst/>
+                <a:uLnTx/>
+                <a:uFillTx/>
+                <a:latin typeface="Oracle Sans"/>
+                <a:ea typeface="Questrial"/>
+                <a:cs typeface="Questrial"/>
+                <a:sym typeface="Questrial"/>
+              </a:rPr>
+              <a:t>3.</a:t>
+            </a:r>
+            <a:r>
+              <a:rPr kumimoji="0" lang="en-US" sz="1600" i="0" u="none" strike="noStrike" kern="1200" cap="none" spc="0" normalizeH="0" dirty="0" smtClean="0">
+                <a:ln>
+                  <a:noFill/>
+                </a:ln>
+                <a:solidFill>
+                  <a:srgbClr val="312D2A"/>
+                </a:solidFill>
+                <a:effectLst/>
+                <a:uLnTx/>
+                <a:uFillTx/>
+                <a:latin typeface="Oracle Sans"/>
+                <a:ea typeface="Questrial"/>
+                <a:cs typeface="Questrial"/>
+                <a:sym typeface="Questrial"/>
+              </a:rPr>
+              <a:t> </a:t>
+            </a:r>
+            <a:r>
+              <a:rPr lang="en-US" sz="1600" dirty="0" smtClean="0">
+                <a:solidFill>
+                  <a:srgbClr val="312D2A"/>
+                </a:solidFill>
+                <a:latin typeface="Oracle Sans"/>
+                <a:ea typeface="Questrial"/>
+                <a:cs typeface="Questrial"/>
+                <a:sym typeface="Questrial"/>
+              </a:rPr>
+              <a:t>Copying, deleting and exporting data</a:t>
+            </a:r>
+          </a:p>
+          <a:p>
+            <a:pPr marR="0" lvl="0" algn="l" defTabSz="914400" rtl="0" eaLnBrk="1" fontAlgn="auto" latinLnBrk="0" hangingPunct="1">
+              <a:lnSpc>
+                <a:spcPct val="105000"/>
+              </a:lnSpc>
+              <a:spcBef>
+                <a:spcPts val="0"/>
+              </a:spcBef>
+              <a:spcAft>
+                <a:spcPts val="0"/>
+              </a:spcAft>
+              <a:buClrTx/>
+              <a:buSzPts val="900"/>
+              <a:tabLst/>
+              <a:defRPr/>
+            </a:pPr>
+            <a:r>
+              <a:rPr kumimoji="0" lang="en-US" sz="1600" i="0" u="none" strike="noStrike" kern="1200" cap="none" spc="0" normalizeH="0" baseline="0" noProof="0" dirty="0" smtClean="0">
+                <a:ln>
+                  <a:noFill/>
+                </a:ln>
+                <a:solidFill>
+                  <a:srgbClr val="312D2A"/>
+                </a:solidFill>
+                <a:effectLst/>
+                <a:uLnTx/>
+                <a:uFillTx/>
+                <a:latin typeface="Oracle Sans"/>
+                <a:ea typeface="Questrial"/>
+                <a:cs typeface="Questrial"/>
+                <a:sym typeface="Questrial"/>
+              </a:rPr>
+              <a:t>4. </a:t>
+            </a:r>
+            <a:r>
+              <a:rPr lang="en-US" sz="1600" noProof="0" dirty="0" smtClean="0">
+                <a:solidFill>
+                  <a:srgbClr val="312D2A"/>
+                </a:solidFill>
+                <a:latin typeface="Oracle Sans"/>
+                <a:ea typeface="Questrial"/>
+                <a:cs typeface="Questrial"/>
+                <a:sym typeface="Questrial"/>
+              </a:rPr>
+              <a:t>Integration with Linux shell / </a:t>
+            </a:r>
+            <a:r>
+              <a:rPr lang="en-US" sz="1600" noProof="0" dirty="0" err="1" smtClean="0">
+                <a:solidFill>
+                  <a:srgbClr val="312D2A"/>
+                </a:solidFill>
+                <a:latin typeface="Oracle Sans"/>
+                <a:ea typeface="Questrial"/>
+                <a:cs typeface="Questrial"/>
+                <a:sym typeface="Questrial"/>
+              </a:rPr>
+              <a:t>cron</a:t>
+            </a:r>
+            <a:r>
+              <a:rPr lang="en-US" sz="1600" noProof="0" dirty="0" smtClean="0">
+                <a:solidFill>
+                  <a:srgbClr val="312D2A"/>
+                </a:solidFill>
+                <a:latin typeface="Oracle Sans"/>
+                <a:ea typeface="Questrial"/>
+                <a:cs typeface="Questrial"/>
+                <a:sym typeface="Questrial"/>
+              </a:rPr>
+              <a:t> &amp; scheduling</a:t>
+            </a:r>
+            <a:endParaRPr kumimoji="0" lang="en-US" sz="1600" i="0" u="none" strike="noStrike" kern="1200" cap="none" spc="0" normalizeH="0" baseline="0" noProof="0" dirty="0" smtClean="0">
+              <a:ln>
+                <a:noFill/>
+              </a:ln>
+              <a:solidFill>
+                <a:srgbClr val="312D2A"/>
+              </a:solidFill>
+              <a:effectLst/>
+              <a:uLnTx/>
+              <a:uFillTx/>
+              <a:latin typeface="Oracle Sans"/>
+              <a:ea typeface="Questrial"/>
+              <a:cs typeface="Questrial"/>
+              <a:sym typeface="Questrial"/>
+            </a:endParaRPr>
+          </a:p>
+          <a:p>
+            <a:pPr marR="0" lvl="0" algn="l" defTabSz="914400" rtl="0" eaLnBrk="1" fontAlgn="auto" latinLnBrk="0" hangingPunct="1">
+              <a:lnSpc>
+                <a:spcPct val="105000"/>
+              </a:lnSpc>
+              <a:spcBef>
+                <a:spcPts val="0"/>
+              </a:spcBef>
+              <a:spcAft>
+                <a:spcPts val="0"/>
+              </a:spcAft>
+              <a:buClrTx/>
+              <a:buSzPts val="900"/>
+              <a:tabLst/>
+              <a:defRPr/>
+            </a:pPr>
+            <a:r>
+              <a:rPr lang="en-US" sz="1600" dirty="0" smtClean="0">
+                <a:solidFill>
+                  <a:srgbClr val="312D2A"/>
+                </a:solidFill>
+                <a:latin typeface="Oracle Sans"/>
+                <a:ea typeface="Questrial"/>
+                <a:cs typeface="Questrial"/>
+                <a:sym typeface="Questrial"/>
+              </a:rPr>
+              <a:t>5. Benchmark data collection and storage</a:t>
+            </a:r>
+          </a:p>
+          <a:p>
+            <a:pPr marR="0" lvl="0" algn="l" defTabSz="914400" rtl="0" eaLnBrk="1" fontAlgn="auto" latinLnBrk="0" hangingPunct="1">
+              <a:lnSpc>
+                <a:spcPct val="105000"/>
+              </a:lnSpc>
+              <a:spcBef>
+                <a:spcPts val="0"/>
+              </a:spcBef>
+              <a:spcAft>
+                <a:spcPts val="0"/>
+              </a:spcAft>
+              <a:buClrTx/>
+              <a:buSzPts val="900"/>
+              <a:tabLst/>
+              <a:defRPr/>
+            </a:pPr>
+            <a:r>
+              <a:rPr kumimoji="0" lang="en-US" sz="1600" i="0" u="none" strike="noStrike" kern="1200" cap="none" spc="0" normalizeH="0" baseline="0" noProof="0" dirty="0" smtClean="0">
+                <a:ln>
+                  <a:noFill/>
+                </a:ln>
+                <a:solidFill>
+                  <a:srgbClr val="312D2A"/>
+                </a:solidFill>
+                <a:effectLst/>
+                <a:uLnTx/>
+                <a:uFillTx/>
+                <a:latin typeface="Oracle Sans"/>
+                <a:ea typeface="Questrial"/>
+                <a:cs typeface="Questrial"/>
+                <a:sym typeface="Questrial"/>
+              </a:rPr>
+              <a:t>6.</a:t>
+            </a:r>
+            <a:r>
+              <a:rPr kumimoji="0" lang="en-US" sz="1600" i="0" u="none" strike="noStrike" kern="1200" cap="none" spc="0" normalizeH="0" noProof="0" dirty="0" smtClean="0">
+                <a:ln>
+                  <a:noFill/>
+                </a:ln>
+                <a:solidFill>
+                  <a:srgbClr val="312D2A"/>
+                </a:solidFill>
+                <a:effectLst/>
+                <a:uLnTx/>
+                <a:uFillTx/>
+                <a:latin typeface="Oracle Sans"/>
+                <a:ea typeface="Questrial"/>
+                <a:cs typeface="Questrial"/>
+                <a:sym typeface="Questrial"/>
+              </a:rPr>
+              <a:t> </a:t>
+            </a:r>
+            <a:r>
+              <a:rPr lang="en-US" sz="1600" noProof="0" dirty="0" smtClean="0">
+                <a:solidFill>
+                  <a:srgbClr val="312D2A"/>
+                </a:solidFill>
+                <a:latin typeface="Oracle Sans"/>
+                <a:ea typeface="Questrial"/>
+                <a:cs typeface="Questrial"/>
+                <a:sym typeface="Questrial"/>
+              </a:rPr>
+              <a:t>Monitoring CPU / RAM / Storage utilization</a:t>
+            </a:r>
+          </a:p>
+          <a:p>
+            <a:pPr marR="0" lvl="0" algn="l" defTabSz="914400" rtl="0" eaLnBrk="1" fontAlgn="auto" latinLnBrk="0" hangingPunct="1">
+              <a:lnSpc>
+                <a:spcPct val="105000"/>
+              </a:lnSpc>
+              <a:spcBef>
+                <a:spcPts val="0"/>
+              </a:spcBef>
+              <a:spcAft>
+                <a:spcPts val="0"/>
+              </a:spcAft>
+              <a:buClrTx/>
+              <a:buSzPts val="900"/>
+              <a:tabLst/>
+              <a:defRPr/>
+            </a:pPr>
+            <a:r>
+              <a:rPr lang="en-US" sz="1600" dirty="0" smtClean="0">
+                <a:solidFill>
+                  <a:srgbClr val="312D2A"/>
+                </a:solidFill>
+                <a:latin typeface="Oracle Sans"/>
+                <a:ea typeface="Questrial"/>
+                <a:cs typeface="Questrial"/>
+                <a:sym typeface="Questrial"/>
+              </a:rPr>
+              <a:t>7.  Integration with HPC Cluster provisioning</a:t>
+            </a:r>
+          </a:p>
+          <a:p>
+            <a:pPr marR="0" lvl="0" algn="l" defTabSz="914400" rtl="0" eaLnBrk="1" fontAlgn="auto" latinLnBrk="0" hangingPunct="1">
+              <a:lnSpc>
+                <a:spcPct val="105000"/>
+              </a:lnSpc>
+              <a:spcBef>
+                <a:spcPts val="0"/>
+              </a:spcBef>
+              <a:spcAft>
+                <a:spcPts val="0"/>
+              </a:spcAft>
+              <a:buClrTx/>
+              <a:buSzPts val="900"/>
+              <a:tabLst/>
+              <a:defRPr/>
+            </a:pPr>
+            <a:r>
+              <a:rPr lang="en-US" sz="1600" dirty="0">
+                <a:solidFill>
+                  <a:srgbClr val="312D2A"/>
+                </a:solidFill>
+                <a:latin typeface="Oracle Sans"/>
+                <a:ea typeface="Questrial"/>
+                <a:cs typeface="Questrial"/>
+                <a:sym typeface="Questrial"/>
+              </a:rPr>
+              <a:t>8</a:t>
+            </a:r>
+            <a:r>
+              <a:rPr kumimoji="0" lang="en-US" sz="1600" i="0" u="none" strike="noStrike" kern="1200" cap="none" spc="0" normalizeH="0" baseline="0" noProof="0" dirty="0" smtClean="0">
+                <a:ln>
+                  <a:noFill/>
+                </a:ln>
+                <a:solidFill>
+                  <a:srgbClr val="312D2A"/>
+                </a:solidFill>
+                <a:effectLst/>
+                <a:uLnTx/>
+                <a:uFillTx/>
+                <a:latin typeface="Oracle Sans"/>
+                <a:ea typeface="Questrial"/>
+                <a:cs typeface="Questrial"/>
+                <a:sym typeface="Questrial"/>
+              </a:rPr>
+              <a:t>.</a:t>
+            </a:r>
+            <a:r>
+              <a:rPr kumimoji="0" lang="en-US" sz="1600" i="0" u="none" strike="noStrike" kern="1200" cap="none" spc="0" normalizeH="0" noProof="0" dirty="0" smtClean="0">
+                <a:ln>
+                  <a:noFill/>
+                </a:ln>
+                <a:solidFill>
+                  <a:srgbClr val="312D2A"/>
+                </a:solidFill>
+                <a:effectLst/>
+                <a:uLnTx/>
+                <a:uFillTx/>
+                <a:latin typeface="Oracle Sans"/>
+                <a:ea typeface="Questrial"/>
+                <a:cs typeface="Questrial"/>
+                <a:sym typeface="Questrial"/>
+              </a:rPr>
+              <a:t> </a:t>
+            </a:r>
+            <a:r>
+              <a:rPr lang="en-US" sz="1600" dirty="0" smtClean="0">
+                <a:solidFill>
+                  <a:srgbClr val="312D2A"/>
+                </a:solidFill>
+                <a:latin typeface="Oracle Sans"/>
+                <a:ea typeface="Questrial"/>
+                <a:cs typeface="Questrial"/>
+                <a:sym typeface="Questrial"/>
+              </a:rPr>
+              <a:t>Cloud advisor and cost report customization</a:t>
+            </a:r>
+          </a:p>
+          <a:p>
+            <a:pPr marR="0" lvl="0" algn="l" defTabSz="914400" rtl="0" eaLnBrk="1" fontAlgn="auto" latinLnBrk="0" hangingPunct="1">
+              <a:lnSpc>
+                <a:spcPct val="105000"/>
+              </a:lnSpc>
+              <a:spcBef>
+                <a:spcPts val="0"/>
+              </a:spcBef>
+              <a:spcAft>
+                <a:spcPts val="0"/>
+              </a:spcAft>
+              <a:buClrTx/>
+              <a:buSzPts val="900"/>
+              <a:tabLst/>
+              <a:defRPr/>
+            </a:pPr>
+            <a:r>
+              <a:rPr lang="en-US" sz="1600" dirty="0">
+                <a:solidFill>
+                  <a:srgbClr val="312D2A"/>
+                </a:solidFill>
+                <a:latin typeface="Oracle Sans"/>
+                <a:ea typeface="Questrial"/>
+                <a:cs typeface="Questrial"/>
+                <a:sym typeface="Questrial"/>
+              </a:rPr>
+              <a:t>9</a:t>
+            </a:r>
+            <a:r>
+              <a:rPr kumimoji="0" lang="en-US" sz="1600" i="0" u="none" strike="noStrike" kern="1200" cap="none" spc="0" normalizeH="0" baseline="0" noProof="0" dirty="0" smtClean="0">
+                <a:ln>
+                  <a:noFill/>
+                </a:ln>
+                <a:solidFill>
+                  <a:srgbClr val="312D2A"/>
+                </a:solidFill>
+                <a:effectLst/>
+                <a:uLnTx/>
+                <a:uFillTx/>
+                <a:latin typeface="Oracle Sans"/>
+                <a:ea typeface="Questrial"/>
+                <a:cs typeface="Questrial"/>
+                <a:sym typeface="Questrial"/>
+              </a:rPr>
+              <a:t>. </a:t>
+            </a:r>
+            <a:r>
+              <a:rPr lang="en-US" sz="1600" dirty="0" smtClean="0">
+                <a:solidFill>
+                  <a:srgbClr val="312D2A"/>
+                </a:solidFill>
+                <a:latin typeface="Oracle Sans"/>
+                <a:ea typeface="Questrial"/>
+                <a:cs typeface="Questrial"/>
+                <a:sym typeface="Questrial"/>
+              </a:rPr>
+              <a:t>Object storage data pulls and replication</a:t>
+            </a:r>
+            <a:endParaRPr kumimoji="0" lang="en-US" sz="1600" i="0" u="none" strike="noStrike" kern="1200" cap="none" spc="0" normalizeH="0" noProof="0" dirty="0" smtClean="0">
+              <a:ln>
+                <a:noFill/>
+              </a:ln>
+              <a:solidFill>
+                <a:srgbClr val="312D2A"/>
+              </a:solidFill>
+              <a:effectLst/>
+              <a:uLnTx/>
+              <a:uFillTx/>
+              <a:latin typeface="Oracle Sans"/>
+              <a:ea typeface="Questrial"/>
+              <a:cs typeface="Questrial"/>
+              <a:sym typeface="Questrial"/>
+            </a:endParaRPr>
+          </a:p>
+          <a:p>
+            <a:pPr marR="0" lvl="0" algn="l" defTabSz="914400" rtl="0" eaLnBrk="1" fontAlgn="auto" latinLnBrk="0" hangingPunct="1">
+              <a:lnSpc>
+                <a:spcPct val="105000"/>
+              </a:lnSpc>
+              <a:spcBef>
+                <a:spcPts val="0"/>
+              </a:spcBef>
+              <a:spcAft>
+                <a:spcPts val="0"/>
+              </a:spcAft>
+              <a:buClrTx/>
+              <a:buSzPts val="900"/>
+              <a:tabLst/>
+              <a:defRPr/>
+            </a:pPr>
+            <a:r>
+              <a:rPr lang="en-US" sz="1600" dirty="0" smtClean="0">
+                <a:solidFill>
+                  <a:srgbClr val="312D2A"/>
+                </a:solidFill>
+                <a:latin typeface="Oracle Sans"/>
+                <a:ea typeface="Questrial"/>
+                <a:cs typeface="Questrial"/>
+                <a:sym typeface="Questrial"/>
+              </a:rPr>
+              <a:t>10</a:t>
+            </a:r>
+            <a:r>
+              <a:rPr lang="en-US" sz="1600" baseline="0" dirty="0" smtClean="0">
+                <a:solidFill>
+                  <a:srgbClr val="312D2A"/>
+                </a:solidFill>
+                <a:latin typeface="Oracle Sans"/>
+                <a:ea typeface="Questrial"/>
+                <a:cs typeface="Questrial"/>
+                <a:sym typeface="Questrial"/>
+              </a:rPr>
+              <a:t>.</a:t>
+            </a:r>
+            <a:r>
+              <a:rPr lang="en-US" sz="1600" dirty="0" smtClean="0">
+                <a:solidFill>
+                  <a:srgbClr val="312D2A"/>
+                </a:solidFill>
+                <a:latin typeface="Oracle Sans"/>
+                <a:ea typeface="Questrial"/>
+                <a:cs typeface="Questrial"/>
+                <a:sym typeface="Questrial"/>
+              </a:rPr>
+              <a:t> Docker/Singularity and container integration</a:t>
+            </a:r>
+          </a:p>
+          <a:p>
+            <a:pPr marR="0" lvl="0" algn="l" defTabSz="914400" rtl="0" eaLnBrk="1" fontAlgn="auto" latinLnBrk="0" hangingPunct="1">
+              <a:lnSpc>
+                <a:spcPct val="105000"/>
+              </a:lnSpc>
+              <a:spcBef>
+                <a:spcPts val="0"/>
+              </a:spcBef>
+              <a:spcAft>
+                <a:spcPts val="0"/>
+              </a:spcAft>
+              <a:buClrTx/>
+              <a:buSzPts val="900"/>
+              <a:tabLst/>
+              <a:defRPr/>
+            </a:pPr>
+            <a:r>
+              <a:rPr lang="en-US" sz="1600" dirty="0" smtClean="0">
+                <a:solidFill>
+                  <a:srgbClr val="312D2A"/>
+                </a:solidFill>
+                <a:latin typeface="Oracle Sans"/>
+                <a:ea typeface="Questrial"/>
+                <a:cs typeface="Questrial"/>
+                <a:sym typeface="Questrial"/>
+              </a:rPr>
+              <a:t>11.  API based Cloud bursting integration</a:t>
+            </a:r>
+          </a:p>
+        </p:txBody>
+      </p:sp>
+      <p:sp>
+        <p:nvSpPr>
+          <p:cNvPr id="17" name="TextBox 16">
+            <a:extLst>
+              <a:ext uri="{FF2B5EF4-FFF2-40B4-BE49-F238E27FC236}">
+                <a16:creationId xmlns="" xmlns:a16="http://schemas.microsoft.com/office/drawing/2014/main" id="{00FABF5B-8DCC-4D38-8123-A80D08EB965B}"/>
+              </a:ext>
+            </a:extLst>
+          </p:cNvPr>
+          <p:cNvSpPr txBox="1"/>
+          <p:nvPr/>
+        </p:nvSpPr>
+        <p:spPr>
+          <a:xfrm>
+            <a:off x="288703" y="358558"/>
+            <a:ext cx="5632412" cy="535619"/>
+          </a:xfrm>
+          <a:prstGeom prst="rect">
+            <a:avLst/>
+          </a:prstGeom>
+          <a:noFill/>
+        </p:spPr>
+        <p:txBody>
+          <a:bodyPr wrap="square" lIns="0" tIns="0" rIns="0" bIns="0" rtlCol="0">
+            <a:noAutofit/>
+          </a:bodyPr>
+          <a:lstStyle/>
+          <a:p>
+            <a:pPr marL="0" marR="0" lvl="0" indent="0" algn="l" defTabSz="914400" rtl="0" eaLnBrk="1" fontAlgn="auto" latinLnBrk="0" hangingPunct="1">
+              <a:lnSpc>
+                <a:spcPct val="90000"/>
+              </a:lnSpc>
+              <a:spcBef>
+                <a:spcPts val="0"/>
+              </a:spcBef>
+              <a:spcAft>
+                <a:spcPts val="0"/>
+              </a:spcAft>
+              <a:buClrTx/>
+              <a:buSzTx/>
+              <a:buFontTx/>
+              <a:buNone/>
+              <a:tabLst/>
+              <a:defRPr/>
+            </a:pPr>
+            <a:r>
+              <a:rPr lang="en-US" sz="3200" kern="0" noProof="0" dirty="0" smtClean="0">
+                <a:solidFill>
+                  <a:srgbClr val="000000"/>
+                </a:solidFill>
+                <a:latin typeface="Calibri Light" panose="020F0302020204030204" pitchFamily="34" charset="0"/>
+                <a:cs typeface="Calibri Light" panose="020F0302020204030204" pitchFamily="34" charset="0"/>
+                <a:sym typeface="Arial"/>
+              </a:rPr>
+              <a:t>OCI CLI vs OCI Console usage</a:t>
+            </a:r>
+            <a:r>
+              <a:rPr lang="en-US" sz="3200" kern="0" noProof="0" dirty="0" smtClean="0">
+                <a:solidFill>
+                  <a:srgbClr val="000000"/>
+                </a:solidFill>
+                <a:latin typeface="Calibri Light" panose="020F0302020204030204" pitchFamily="34" charset="0"/>
+                <a:cs typeface="Calibri Light" panose="020F0302020204030204" pitchFamily="34" charset="0"/>
+                <a:sym typeface="Arial"/>
+              </a:rPr>
+              <a:t> </a:t>
+            </a:r>
+            <a:endParaRPr kumimoji="0" lang="en-US" sz="3200" b="0" i="0" u="none" strike="noStrike" kern="0" cap="none" spc="0" normalizeH="0" baseline="0" noProof="0" dirty="0">
+              <a:ln>
+                <a:noFill/>
+              </a:ln>
+              <a:solidFill>
+                <a:srgbClr val="000000"/>
+              </a:solidFill>
+              <a:uLnTx/>
+              <a:uFillTx/>
+              <a:latin typeface="Calibri Light" panose="020F0302020204030204" pitchFamily="34" charset="0"/>
+              <a:ea typeface="+mn-ea"/>
+              <a:cs typeface="Calibri Light" panose="020F0302020204030204" pitchFamily="34" charset="0"/>
+              <a:sym typeface="Arial"/>
+            </a:endParaRPr>
+          </a:p>
+        </p:txBody>
+      </p:sp>
+      <p:sp>
+        <p:nvSpPr>
+          <p:cNvPr id="21" name="Google Shape;70;p15">
+            <a:extLst>
+              <a:ext uri="{FF2B5EF4-FFF2-40B4-BE49-F238E27FC236}">
+                <a16:creationId xmlns="" xmlns:a16="http://schemas.microsoft.com/office/drawing/2014/main" id="{2B4AF13A-0EE5-B047-8620-09F337BEA773}"/>
+              </a:ext>
+            </a:extLst>
+          </p:cNvPr>
+          <p:cNvSpPr/>
+          <p:nvPr/>
+        </p:nvSpPr>
+        <p:spPr>
+          <a:xfrm>
+            <a:off x="288702" y="1263839"/>
+            <a:ext cx="5632413" cy="787897"/>
+          </a:xfrm>
+          <a:prstGeom prst="rect">
+            <a:avLst/>
+          </a:prstGeom>
+          <a:solidFill>
+            <a:srgbClr val="2B6242"/>
+          </a:solidFill>
+          <a:ln w="12700" cap="flat" cmpd="sng" algn="ctr">
+            <a:solidFill>
+              <a:srgbClr val="FCFBFA">
+                <a:hueOff val="0"/>
+                <a:satOff val="0"/>
+                <a:lumOff val="0"/>
+                <a:alphaOff val="0"/>
+              </a:srgbClr>
+            </a:solidFill>
+            <a:prstDash val="solid"/>
+            <a:miter lim="800000"/>
+          </a:ln>
+          <a:effectLst/>
+        </p:spPr>
+        <p:txBody>
+          <a:bodyPr spcFirstLastPara="0" vert="horz" wrap="none" lIns="144000" tIns="72000" rIns="144000" bIns="72000" numCol="1" spcCol="1270" anchor="ctr" anchorCtr="0">
+            <a:noAutofit/>
+          </a:bodyPr>
+          <a:lstStyle/>
+          <a:p>
+            <a:pPr algn="ctr"/>
+            <a:r>
+              <a:rPr lang="en-US" b="1" dirty="0" smtClean="0">
+                <a:solidFill>
+                  <a:schemeClr val="bg1"/>
+                </a:solidFill>
+                <a:latin typeface="Calibri Light" panose="020F0302020204030204" pitchFamily="34" charset="0"/>
+                <a:cs typeface="Calibri Light" panose="020F0302020204030204" pitchFamily="34" charset="0"/>
+                <a:sym typeface="Questrial"/>
+              </a:rPr>
+              <a:t>OCI Command line interface / API </a:t>
+            </a:r>
+            <a:endParaRPr lang="en-US" b="1" dirty="0">
+              <a:solidFill>
+                <a:schemeClr val="bg1"/>
+              </a:solidFill>
+              <a:latin typeface="Calibri Light" panose="020F0302020204030204" pitchFamily="34" charset="0"/>
+              <a:cs typeface="Calibri Light" panose="020F0302020204030204" pitchFamily="34" charset="0"/>
+              <a:sym typeface="Questrial"/>
+            </a:endParaRPr>
+          </a:p>
+        </p:txBody>
+      </p:sp>
+      <p:sp>
+        <p:nvSpPr>
+          <p:cNvPr id="22" name="Google Shape;72;p15">
+            <a:extLst>
+              <a:ext uri="{FF2B5EF4-FFF2-40B4-BE49-F238E27FC236}">
+                <a16:creationId xmlns="" xmlns:a16="http://schemas.microsoft.com/office/drawing/2014/main" id="{7F2BE374-0EF0-6544-9390-8BDFA07ACD31}"/>
+              </a:ext>
+            </a:extLst>
+          </p:cNvPr>
+          <p:cNvSpPr/>
+          <p:nvPr/>
+        </p:nvSpPr>
+        <p:spPr>
+          <a:xfrm>
+            <a:off x="6134868" y="2227148"/>
+            <a:ext cx="5624418" cy="4066560"/>
+          </a:xfrm>
+          <a:prstGeom prst="rect">
+            <a:avLst/>
+          </a:prstGeom>
+          <a:solidFill>
+            <a:srgbClr val="EFEFEF"/>
+          </a:solidFill>
+          <a:ln>
+            <a:noFill/>
+          </a:ln>
+        </p:spPr>
+        <p:txBody>
+          <a:bodyPr spcFirstLastPara="1" wrap="square" lIns="180000" tIns="72000" rIns="180000" bIns="72000" anchor="ctr" anchorCtr="0">
+            <a:noAutofit/>
+          </a:bodyPr>
+          <a:lstStyle/>
+          <a:p>
             <a:pPr lvl="0">
               <a:lnSpc>
                 <a:spcPct val="105000"/>
@@ -8769,26 +8538,15 @@
               <a:defRPr/>
             </a:pPr>
             <a:r>
-              <a:rPr lang="en-US" sz="1400" b="1" dirty="0" err="1" smtClean="0">
-                <a:solidFill>
-                  <a:srgbClr val="312D2A"/>
-                </a:solidFill>
-                <a:ea typeface="Questrial"/>
-                <a:cs typeface="Questrial"/>
-                <a:sym typeface="Questrial"/>
-              </a:rPr>
-              <a:t>Github</a:t>
-            </a:r>
-            <a:r>
-              <a:rPr lang="en-US" sz="1400" b="1" dirty="0" smtClean="0">
-                <a:solidFill>
-                  <a:srgbClr val="312D2A"/>
-                </a:solidFill>
-                <a:ea typeface="Questrial"/>
-                <a:cs typeface="Questrial"/>
-                <a:sym typeface="Questrial"/>
-              </a:rPr>
-              <a:t> and documentation</a:t>
+              <a:rPr lang="en-US" u="sng" dirty="0" smtClean="0">
+                <a:solidFill>
+                  <a:srgbClr val="312D2A"/>
+                </a:solidFill>
+                <a:ea typeface="Questrial"/>
+                <a:cs typeface="Questrial"/>
+                <a:sym typeface="Questrial"/>
+              </a:rPr>
+              <a:t>Recommended for – One-time setup tasks</a:t>
             </a:r>
           </a:p>
           <a:p>
@@ -8800,41 +8558,305 @@
               <a:defRPr/>
             </a:pPr>
             <a:r>
-              <a:rPr lang="en-US" sz="1400" dirty="0" smtClean="0">
-                <a:solidFill>
-                  <a:srgbClr val="312D2A"/>
-                </a:solidFill>
-                <a:ea typeface="Questrial"/>
-                <a:cs typeface="Questrial"/>
-                <a:sym typeface="Questrial"/>
-                <a:hlinkClick r:id="rId3"/>
-              </a:rPr>
-              <a:t>1. OCI- CLI Documentation</a:t>
-            </a:r>
-            <a:r>
-              <a:rPr lang="en-US" sz="1400" dirty="0" smtClean="0">
-                <a:solidFill>
-                  <a:srgbClr val="312D2A"/>
-                </a:solidFill>
-                <a:ea typeface="Questrial"/>
-                <a:cs typeface="Questrial"/>
-                <a:sym typeface="Questrial"/>
-              </a:rPr>
-              <a:t> &amp; </a:t>
-            </a:r>
-            <a:r>
-              <a:rPr lang="en-US" sz="1400" dirty="0" smtClean="0">
-                <a:solidFill>
-                  <a:srgbClr val="312D2A"/>
-                </a:solidFill>
-                <a:ea typeface="Questrial"/>
-                <a:cs typeface="Questrial"/>
-                <a:sym typeface="Questrial"/>
-                <a:hlinkClick r:id="rId4"/>
-              </a:rPr>
-              <a:t>OCI Documentation</a:t>
-            </a:r>
-            <a:endParaRPr lang="en-US" sz="1400" dirty="0">
+              <a:rPr lang="en-US" sz="1600" dirty="0" smtClean="0">
+                <a:solidFill>
+                  <a:srgbClr val="312D2A"/>
+                </a:solidFill>
+                <a:ea typeface="Questrial"/>
+                <a:cs typeface="Questrial"/>
+                <a:sym typeface="Questrial"/>
+              </a:rPr>
+              <a:t>1. User setup and federated identity management</a:t>
+            </a:r>
+          </a:p>
+          <a:p>
+            <a:pPr lvl="0">
+              <a:lnSpc>
+                <a:spcPct val="105000"/>
+              </a:lnSpc>
+              <a:buSzPts val="900"/>
+              <a:defRPr/>
+            </a:pPr>
+            <a:r>
+              <a:rPr lang="en-US" sz="1600" dirty="0" smtClean="0">
+                <a:solidFill>
+                  <a:srgbClr val="312D2A"/>
+                </a:solidFill>
+                <a:ea typeface="Questrial"/>
+                <a:cs typeface="Questrial"/>
+                <a:sym typeface="Questrial"/>
+              </a:rPr>
+              <a:t>2. Importing Marketplace / Custom images</a:t>
+            </a:r>
+          </a:p>
+          <a:p>
+            <a:pPr lvl="0">
+              <a:lnSpc>
+                <a:spcPct val="105000"/>
+              </a:lnSpc>
+              <a:buSzPts val="900"/>
+              <a:defRPr/>
+            </a:pPr>
+            <a:r>
+              <a:rPr lang="en-US" sz="1600" dirty="0" smtClean="0">
+                <a:solidFill>
+                  <a:srgbClr val="312D2A"/>
+                </a:solidFill>
+                <a:ea typeface="Questrial"/>
+                <a:cs typeface="Questrial"/>
+                <a:sym typeface="Questrial"/>
+              </a:rPr>
+              <a:t>3. Importing Oracle for Research Images</a:t>
+            </a:r>
+          </a:p>
+          <a:p>
+            <a:pPr lvl="0">
+              <a:lnSpc>
+                <a:spcPct val="105000"/>
+              </a:lnSpc>
+              <a:buSzPts val="900"/>
+              <a:defRPr/>
+            </a:pPr>
+            <a:r>
+              <a:rPr lang="en-US" sz="1600" dirty="0">
+                <a:solidFill>
+                  <a:srgbClr val="312D2A"/>
+                </a:solidFill>
+                <a:ea typeface="Questrial"/>
+                <a:cs typeface="Questrial"/>
+                <a:sym typeface="Questrial"/>
+              </a:rPr>
+              <a:t>4</a:t>
+            </a:r>
+            <a:r>
+              <a:rPr lang="en-US" sz="1600" dirty="0" smtClean="0">
+                <a:solidFill>
+                  <a:srgbClr val="312D2A"/>
+                </a:solidFill>
+                <a:ea typeface="Questrial"/>
+                <a:cs typeface="Questrial"/>
+                <a:sym typeface="Questrial"/>
+              </a:rPr>
+              <a:t>. Quick data transfer from </a:t>
+            </a:r>
+            <a:r>
+              <a:rPr lang="en-US" sz="1600" dirty="0" err="1" smtClean="0">
+                <a:solidFill>
+                  <a:srgbClr val="312D2A"/>
+                </a:solidFill>
+                <a:ea typeface="Questrial"/>
+                <a:cs typeface="Questrial"/>
+                <a:sym typeface="Questrial"/>
+              </a:rPr>
+              <a:t>on-premise</a:t>
+            </a:r>
+            <a:r>
+              <a:rPr lang="en-US" sz="1600" dirty="0" smtClean="0">
+                <a:solidFill>
+                  <a:srgbClr val="312D2A"/>
+                </a:solidFill>
+                <a:ea typeface="Questrial"/>
+                <a:cs typeface="Questrial"/>
+                <a:sym typeface="Questrial"/>
+              </a:rPr>
+              <a:t> to object store</a:t>
+            </a:r>
+          </a:p>
+          <a:p>
+            <a:pPr lvl="0">
+              <a:lnSpc>
+                <a:spcPct val="105000"/>
+              </a:lnSpc>
+              <a:buSzPts val="900"/>
+              <a:defRPr/>
+            </a:pPr>
+            <a:r>
+              <a:rPr lang="en-US" sz="1600" dirty="0">
+                <a:solidFill>
+                  <a:srgbClr val="312D2A"/>
+                </a:solidFill>
+                <a:ea typeface="Questrial"/>
+                <a:cs typeface="Questrial"/>
+                <a:sym typeface="Questrial"/>
+              </a:rPr>
+              <a:t>5</a:t>
+            </a:r>
+            <a:r>
+              <a:rPr lang="en-US" sz="1600" dirty="0" smtClean="0">
+                <a:solidFill>
+                  <a:srgbClr val="312D2A"/>
+                </a:solidFill>
+                <a:ea typeface="Questrial"/>
+                <a:cs typeface="Questrial"/>
+                <a:sym typeface="Questrial"/>
+              </a:rPr>
+              <a:t>. Block volume / FSS creation and administration</a:t>
+            </a:r>
+          </a:p>
+          <a:p>
+            <a:pPr lvl="0">
+              <a:lnSpc>
+                <a:spcPct val="105000"/>
+              </a:lnSpc>
+              <a:buSzPts val="900"/>
+              <a:defRPr/>
+            </a:pPr>
+            <a:r>
+              <a:rPr lang="en-US" sz="1600" dirty="0">
+                <a:solidFill>
+                  <a:srgbClr val="312D2A"/>
+                </a:solidFill>
+                <a:ea typeface="Questrial"/>
+                <a:cs typeface="Questrial"/>
+                <a:sym typeface="Questrial"/>
+              </a:rPr>
+              <a:t>6</a:t>
+            </a:r>
+            <a:r>
+              <a:rPr lang="en-US" sz="1600" dirty="0" smtClean="0">
+                <a:solidFill>
+                  <a:srgbClr val="312D2A"/>
+                </a:solidFill>
+                <a:ea typeface="Questrial"/>
+                <a:cs typeface="Questrial"/>
+                <a:sym typeface="Questrial"/>
+              </a:rPr>
+              <a:t>. Resource quota and usage analysis</a:t>
+            </a:r>
+          </a:p>
+          <a:p>
+            <a:pPr lvl="0">
+              <a:lnSpc>
+                <a:spcPct val="105000"/>
+              </a:lnSpc>
+              <a:buSzPts val="900"/>
+              <a:defRPr/>
+            </a:pPr>
+            <a:r>
+              <a:rPr lang="en-US" sz="1600" dirty="0">
+                <a:solidFill>
+                  <a:srgbClr val="312D2A"/>
+                </a:solidFill>
+                <a:ea typeface="Questrial"/>
+                <a:cs typeface="Questrial"/>
+                <a:sym typeface="Questrial"/>
+              </a:rPr>
+              <a:t>7</a:t>
+            </a:r>
+            <a:r>
+              <a:rPr lang="en-US" sz="1600" dirty="0" smtClean="0">
+                <a:solidFill>
+                  <a:srgbClr val="312D2A"/>
+                </a:solidFill>
+                <a:ea typeface="Questrial"/>
+                <a:cs typeface="Questrial"/>
+                <a:sym typeface="Questrial"/>
+              </a:rPr>
+              <a:t>. Auto-scaling based setup</a:t>
+            </a:r>
+          </a:p>
+          <a:p>
+            <a:pPr lvl="0">
+              <a:lnSpc>
+                <a:spcPct val="105000"/>
+              </a:lnSpc>
+              <a:buSzPts val="900"/>
+              <a:defRPr/>
+            </a:pPr>
+            <a:r>
+              <a:rPr lang="en-US" sz="1600" dirty="0">
+                <a:solidFill>
+                  <a:srgbClr val="312D2A"/>
+                </a:solidFill>
+                <a:ea typeface="Questrial"/>
+                <a:cs typeface="Questrial"/>
+                <a:sym typeface="Questrial"/>
+              </a:rPr>
+              <a:t>8</a:t>
+            </a:r>
+            <a:r>
+              <a:rPr lang="en-US" sz="1600" dirty="0" smtClean="0">
+                <a:solidFill>
+                  <a:srgbClr val="312D2A"/>
+                </a:solidFill>
+                <a:ea typeface="Questrial"/>
+                <a:cs typeface="Questrial"/>
+                <a:sym typeface="Questrial"/>
+              </a:rPr>
+              <a:t>. Standard architecture and networking setup</a:t>
+            </a:r>
+          </a:p>
+          <a:p>
+            <a:pPr lvl="0">
+              <a:lnSpc>
+                <a:spcPct val="105000"/>
+              </a:lnSpc>
+              <a:buSzPts val="900"/>
+              <a:defRPr/>
+            </a:pPr>
+            <a:r>
+              <a:rPr lang="en-US" sz="1600" dirty="0">
+                <a:solidFill>
+                  <a:srgbClr val="312D2A"/>
+                </a:solidFill>
+                <a:ea typeface="Questrial"/>
+                <a:cs typeface="Questrial"/>
+                <a:sym typeface="Questrial"/>
+              </a:rPr>
+              <a:t>9</a:t>
+            </a:r>
+            <a:r>
+              <a:rPr lang="en-US" sz="1600" dirty="0" smtClean="0">
+                <a:solidFill>
+                  <a:srgbClr val="312D2A"/>
+                </a:solidFill>
+                <a:ea typeface="Questrial"/>
+                <a:cs typeface="Questrial"/>
+                <a:sym typeface="Questrial"/>
+              </a:rPr>
+              <a:t>. Resource stack and Terraform setup</a:t>
+            </a:r>
+          </a:p>
+          <a:p>
+            <a:pPr lvl="0">
+              <a:lnSpc>
+                <a:spcPct val="105000"/>
+              </a:lnSpc>
+              <a:buSzPts val="900"/>
+              <a:defRPr/>
+            </a:pPr>
+            <a:r>
+              <a:rPr lang="en-US" sz="1600" dirty="0" smtClean="0">
+                <a:solidFill>
+                  <a:srgbClr val="312D2A"/>
+                </a:solidFill>
+                <a:ea typeface="Questrial"/>
+                <a:cs typeface="Questrial"/>
+                <a:sym typeface="Questrial"/>
+              </a:rPr>
+              <a:t>10. Data science &amp; data flow PaaS services</a:t>
+            </a:r>
+          </a:p>
+          <a:p>
+            <a:pPr lvl="0">
+              <a:lnSpc>
+                <a:spcPct val="105000"/>
+              </a:lnSpc>
+              <a:buSzPts val="900"/>
+              <a:defRPr/>
+            </a:pPr>
+            <a:r>
+              <a:rPr lang="en-US" sz="1600" dirty="0" smtClean="0">
+                <a:solidFill>
+                  <a:srgbClr val="312D2A"/>
+                </a:solidFill>
+                <a:ea typeface="Questrial"/>
+                <a:cs typeface="Questrial"/>
+                <a:sym typeface="Questrial"/>
+              </a:rPr>
+              <a:t>11. Autonomous and PaaS databases </a:t>
+            </a:r>
+            <a:endParaRPr lang="en-US" sz="1600" dirty="0">
               <a:solidFill>
                 <a:srgbClr val="312D2A"/>
               </a:solidFill>
@@ -8843,976 +8865,12 @@
               <a:sym typeface="Questrial"/>
             </a:endParaRPr>
           </a:p>
-          <a:p>
-            <a:pPr lvl="0">
-              <a:lnSpc>
-                <a:spcPct val="105000"/>
-              </a:lnSpc>
-              <a:buSzPts val="900"/>
-              <a:defRPr/>
-            </a:pPr>
-            <a:r>
-              <a:rPr lang="en-US" sz="1400" dirty="0" smtClean="0">
-                <a:solidFill>
-                  <a:srgbClr val="312D2A"/>
-                </a:solidFill>
-                <a:ea typeface="Questrial"/>
-                <a:cs typeface="Questrial"/>
-                <a:sym typeface="Questrial"/>
-              </a:rPr>
-              <a:t>2. </a:t>
-            </a:r>
-            <a:r>
-              <a:rPr lang="en-US" sz="1400" dirty="0" smtClean="0">
-                <a:solidFill>
-                  <a:srgbClr val="312D2A"/>
-                </a:solidFill>
-                <a:ea typeface="Questrial"/>
-                <a:cs typeface="Questrial"/>
-                <a:sym typeface="Questrial"/>
-                <a:hlinkClick r:id="rId5"/>
-              </a:rPr>
-              <a:t>Quickest way to install / configure OCI-CLI</a:t>
-            </a:r>
-            <a:endParaRPr lang="en-US" sz="1400" dirty="0" smtClean="0">
-              <a:solidFill>
-                <a:srgbClr val="312D2A"/>
-              </a:solidFill>
-              <a:ea typeface="Questrial"/>
-              <a:cs typeface="Questrial"/>
-              <a:sym typeface="Questrial"/>
-            </a:endParaRPr>
-          </a:p>
-          <a:p>
-            <a:pPr lvl="0">
-              <a:lnSpc>
-                <a:spcPct val="105000"/>
-              </a:lnSpc>
-              <a:buSzPts val="900"/>
-              <a:defRPr/>
-            </a:pPr>
-            <a:r>
-              <a:rPr lang="en-US" sz="1400" dirty="0">
-                <a:solidFill>
-                  <a:srgbClr val="312D2A"/>
-                </a:solidFill>
-                <a:ea typeface="Questrial"/>
-                <a:cs typeface="Questrial"/>
-                <a:sym typeface="Questrial"/>
-              </a:rPr>
-              <a:t>3</a:t>
-            </a:r>
-            <a:r>
-              <a:rPr lang="en-US" sz="1400" dirty="0" smtClean="0">
-                <a:solidFill>
-                  <a:srgbClr val="312D2A"/>
-                </a:solidFill>
-                <a:ea typeface="Questrial"/>
-                <a:cs typeface="Questrial"/>
-                <a:sym typeface="Questrial"/>
-              </a:rPr>
-              <a:t>. </a:t>
-            </a:r>
-            <a:r>
-              <a:rPr lang="en-US" sz="1400" dirty="0" smtClean="0">
-                <a:solidFill>
-                  <a:srgbClr val="312D2A"/>
-                </a:solidFill>
-                <a:ea typeface="Questrial"/>
-                <a:cs typeface="Questrial"/>
-                <a:sym typeface="Questrial"/>
-                <a:hlinkClick r:id="rId6"/>
-              </a:rPr>
-              <a:t>OCI-CLI scripts collections and examples </a:t>
-            </a:r>
-            <a:r>
-              <a:rPr lang="en-US" sz="1400" dirty="0" smtClean="0">
-                <a:solidFill>
-                  <a:srgbClr val="312D2A"/>
-                </a:solidFill>
-                <a:ea typeface="Questrial"/>
-                <a:cs typeface="Questrial"/>
-                <a:sym typeface="Questrial"/>
-              </a:rPr>
-              <a:t> </a:t>
-            </a:r>
-          </a:p>
-          <a:p>
-            <a:pPr marL="742950" lvl="1" indent="-285750">
-              <a:lnSpc>
-                <a:spcPct val="105000"/>
-              </a:lnSpc>
-              <a:buSzPts val="900"/>
-              <a:buFont typeface="Arial" panose="020B0604020202020204" pitchFamily="34" charset="0"/>
-              <a:buChar char="•"/>
-              <a:defRPr/>
-            </a:pPr>
-            <a:r>
-              <a:rPr lang="en-US" sz="1400" dirty="0" smtClean="0">
-                <a:solidFill>
-                  <a:srgbClr val="312D2A"/>
-                </a:solidFill>
-                <a:ea typeface="Questrial"/>
-                <a:cs typeface="Questrial"/>
-                <a:sym typeface="Questrial"/>
-                <a:hlinkClick r:id="rId7"/>
-              </a:rPr>
-              <a:t>OCI reporting tool and extensions</a:t>
-            </a:r>
-            <a:endParaRPr lang="en-US" sz="1400" dirty="0" smtClean="0">
-              <a:solidFill>
-                <a:srgbClr val="312D2A"/>
-              </a:solidFill>
-              <a:ea typeface="Questrial"/>
-              <a:cs typeface="Questrial"/>
-              <a:sym typeface="Questrial"/>
-            </a:endParaRPr>
-          </a:p>
-          <a:p>
-            <a:pPr marL="742950" lvl="1" indent="-285750">
-              <a:lnSpc>
-                <a:spcPct val="105000"/>
-              </a:lnSpc>
-              <a:buSzPts val="900"/>
-              <a:buFont typeface="Arial" panose="020B0604020202020204" pitchFamily="34" charset="0"/>
-              <a:buChar char="•"/>
-              <a:defRPr/>
-            </a:pPr>
-            <a:r>
-              <a:rPr lang="en-US" sz="1400" dirty="0" smtClean="0">
-                <a:solidFill>
-                  <a:srgbClr val="312D2A"/>
-                </a:solidFill>
-                <a:ea typeface="Questrial"/>
-                <a:cs typeface="Questrial"/>
-                <a:sym typeface="Questrial"/>
-                <a:hlinkClick r:id="rId8"/>
-              </a:rPr>
-              <a:t>Usage and cost reporting</a:t>
-            </a:r>
-            <a:endParaRPr lang="en-US" sz="1400" dirty="0" smtClean="0">
-              <a:solidFill>
-                <a:srgbClr val="312D2A"/>
-              </a:solidFill>
-              <a:ea typeface="Questrial"/>
-              <a:cs typeface="Questrial"/>
-              <a:sym typeface="Questrial"/>
-            </a:endParaRPr>
-          </a:p>
-          <a:p>
-            <a:pPr marL="742950" lvl="1" indent="-285750">
-              <a:lnSpc>
-                <a:spcPct val="105000"/>
-              </a:lnSpc>
-              <a:buSzPts val="900"/>
-              <a:buFont typeface="Arial" panose="020B0604020202020204" pitchFamily="34" charset="0"/>
-              <a:buChar char="•"/>
-              <a:defRPr/>
-            </a:pPr>
-            <a:r>
-              <a:rPr lang="en-US" sz="1400" dirty="0" smtClean="0">
-                <a:solidFill>
-                  <a:srgbClr val="312D2A"/>
-                </a:solidFill>
-                <a:ea typeface="Questrial"/>
-                <a:cs typeface="Questrial"/>
-                <a:sym typeface="Questrial"/>
-              </a:rPr>
-              <a:t>Auto-scaling </a:t>
-            </a:r>
-          </a:p>
-          <a:p>
-            <a:pPr marL="742950" lvl="1" indent="-285750">
-              <a:lnSpc>
-                <a:spcPct val="105000"/>
-              </a:lnSpc>
-              <a:buSzPts val="900"/>
-              <a:buFont typeface="Arial" panose="020B0604020202020204" pitchFamily="34" charset="0"/>
-              <a:buChar char="•"/>
-              <a:defRPr/>
-            </a:pPr>
-            <a:r>
-              <a:rPr lang="en-US" sz="1400" dirty="0" smtClean="0">
-                <a:solidFill>
-                  <a:srgbClr val="312D2A"/>
-                </a:solidFill>
-                <a:ea typeface="Questrial"/>
-                <a:cs typeface="Questrial"/>
-                <a:sym typeface="Questrial"/>
-                <a:hlinkClick r:id="rId9"/>
-              </a:rPr>
-              <a:t>Universal credit balance &amp; usage consumption</a:t>
-            </a:r>
-            <a:endParaRPr lang="en-US" sz="1400" dirty="0" smtClean="0">
-              <a:solidFill>
-                <a:srgbClr val="312D2A"/>
-              </a:solidFill>
-              <a:ea typeface="Questrial"/>
-              <a:cs typeface="Questrial"/>
-              <a:sym typeface="Questrial"/>
-            </a:endParaRPr>
-          </a:p>
-          <a:p>
-            <a:pPr marL="742950" lvl="1" indent="-285750">
-              <a:lnSpc>
-                <a:spcPct val="105000"/>
-              </a:lnSpc>
-              <a:buSzPts val="900"/>
-              <a:buFont typeface="Arial" panose="020B0604020202020204" pitchFamily="34" charset="0"/>
-              <a:buChar char="•"/>
-              <a:defRPr/>
-            </a:pPr>
-            <a:r>
-              <a:rPr lang="en-US" sz="1400" dirty="0" smtClean="0">
-                <a:solidFill>
-                  <a:srgbClr val="312D2A"/>
-                </a:solidFill>
-                <a:ea typeface="Questrial"/>
-                <a:cs typeface="Questrial"/>
-                <a:sym typeface="Questrial"/>
-                <a:hlinkClick r:id="rId10"/>
-              </a:rPr>
-              <a:t>Using Telemetry service with </a:t>
-            </a:r>
-            <a:r>
-              <a:rPr lang="en-US" sz="1400" dirty="0" err="1" smtClean="0">
-                <a:solidFill>
-                  <a:srgbClr val="312D2A"/>
-                </a:solidFill>
-                <a:ea typeface="Questrial"/>
-                <a:cs typeface="Questrial"/>
-                <a:sym typeface="Questrial"/>
-                <a:hlinkClick r:id="rId10"/>
-              </a:rPr>
-              <a:t>Grafana</a:t>
-            </a:r>
-            <a:r>
-              <a:rPr lang="en-US" sz="1400" dirty="0" smtClean="0">
-                <a:solidFill>
-                  <a:srgbClr val="312D2A"/>
-                </a:solidFill>
-                <a:ea typeface="Questrial"/>
-                <a:cs typeface="Questrial"/>
-                <a:sym typeface="Questrial"/>
-                <a:hlinkClick r:id="rId10"/>
-              </a:rPr>
-              <a:t> </a:t>
-            </a:r>
-            <a:endParaRPr lang="en-US" sz="1400" dirty="0" smtClean="0">
-              <a:solidFill>
-                <a:srgbClr val="312D2A"/>
-              </a:solidFill>
-              <a:ea typeface="Questrial"/>
-              <a:cs typeface="Questrial"/>
-              <a:sym typeface="Questrial"/>
-            </a:endParaRPr>
-          </a:p>
-          <a:p>
-            <a:pPr marL="742950" lvl="1" indent="-285750">
-              <a:lnSpc>
-                <a:spcPct val="105000"/>
-              </a:lnSpc>
-              <a:buSzPts val="900"/>
-              <a:buFont typeface="Arial" panose="020B0604020202020204" pitchFamily="34" charset="0"/>
-              <a:buChar char="•"/>
-              <a:defRPr/>
-            </a:pPr>
-            <a:r>
-              <a:rPr lang="en-US" sz="1400" dirty="0" smtClean="0">
-                <a:solidFill>
-                  <a:srgbClr val="312D2A"/>
-                </a:solidFill>
-                <a:ea typeface="Questrial"/>
-                <a:cs typeface="Questrial"/>
-                <a:sym typeface="Questrial"/>
-              </a:rPr>
-              <a:t>Nightly stop script</a:t>
-            </a:r>
-          </a:p>
-          <a:p>
-            <a:pPr marL="742950" lvl="1" indent="-285750">
-              <a:lnSpc>
-                <a:spcPct val="105000"/>
-              </a:lnSpc>
-              <a:buSzPts val="900"/>
-              <a:buFont typeface="Arial" panose="020B0604020202020204" pitchFamily="34" charset="0"/>
-              <a:buChar char="•"/>
-              <a:defRPr/>
-            </a:pPr>
-            <a:r>
-              <a:rPr lang="en-US" sz="1400" dirty="0" smtClean="0">
-                <a:solidFill>
-                  <a:srgbClr val="312D2A"/>
-                </a:solidFill>
-                <a:ea typeface="Questrial"/>
-                <a:cs typeface="Questrial"/>
-                <a:sym typeface="Questrial"/>
-              </a:rPr>
-              <a:t>Audit script with OCI CLI Audit logs </a:t>
-            </a:r>
-          </a:p>
-          <a:p>
-            <a:pPr marL="742950" lvl="1" indent="-285750">
-              <a:lnSpc>
-                <a:spcPct val="105000"/>
-              </a:lnSpc>
-              <a:buSzPts val="900"/>
-              <a:buFont typeface="Arial" panose="020B0604020202020204" pitchFamily="34" charset="0"/>
-              <a:buChar char="•"/>
-              <a:defRPr/>
-            </a:pPr>
-            <a:r>
-              <a:rPr lang="en-US" sz="1400" dirty="0">
-                <a:solidFill>
-                  <a:srgbClr val="312D2A"/>
-                </a:solidFill>
-                <a:ea typeface="Questrial"/>
-                <a:cs typeface="Questrial"/>
-                <a:sym typeface="Questrial"/>
-                <a:hlinkClick r:id="rId11"/>
-              </a:rPr>
-              <a:t>Autonomous databases, DB systems with </a:t>
-            </a:r>
-            <a:r>
-              <a:rPr lang="en-US" sz="1400" dirty="0" smtClean="0">
-                <a:solidFill>
-                  <a:srgbClr val="312D2A"/>
-                </a:solidFill>
-                <a:ea typeface="Questrial"/>
-                <a:cs typeface="Questrial"/>
-                <a:sym typeface="Questrial"/>
-                <a:hlinkClick r:id="rId11"/>
-              </a:rPr>
-              <a:t>OCI-CLI</a:t>
-            </a:r>
-            <a:endParaRPr lang="en-US" sz="1400" dirty="0" smtClean="0">
-              <a:solidFill>
-                <a:srgbClr val="312D2A"/>
-              </a:solidFill>
-              <a:ea typeface="Questrial"/>
-              <a:cs typeface="Questrial"/>
-              <a:sym typeface="Questrial"/>
-            </a:endParaRPr>
-          </a:p>
-          <a:p>
-            <a:pPr lvl="0">
-              <a:lnSpc>
-                <a:spcPct val="105000"/>
-              </a:lnSpc>
-              <a:buSzPts val="900"/>
-              <a:defRPr/>
-            </a:pPr>
-            <a:r>
-              <a:rPr lang="en-US" sz="1400" dirty="0">
-                <a:solidFill>
-                  <a:srgbClr val="312D2A"/>
-                </a:solidFill>
-                <a:ea typeface="Questrial"/>
-                <a:cs typeface="Questrial"/>
-                <a:sym typeface="Questrial"/>
-              </a:rPr>
-              <a:t>4</a:t>
-            </a:r>
-            <a:r>
-              <a:rPr lang="en-US" sz="1400" dirty="0" smtClean="0">
-                <a:solidFill>
-                  <a:srgbClr val="312D2A"/>
-                </a:solidFill>
-                <a:ea typeface="Questrial"/>
-                <a:cs typeface="Questrial"/>
-                <a:sym typeface="Questrial"/>
-              </a:rPr>
-              <a:t>. </a:t>
-            </a:r>
-            <a:r>
-              <a:rPr lang="en-US" sz="1400" dirty="0" smtClean="0">
-                <a:solidFill>
-                  <a:srgbClr val="312D2A"/>
-                </a:solidFill>
-                <a:ea typeface="Questrial"/>
-                <a:cs typeface="Questrial"/>
-                <a:sym typeface="Questrial"/>
-                <a:hlinkClick r:id="rId12"/>
-              </a:rPr>
-              <a:t>Oracle for Research OCI-CLI page</a:t>
-            </a:r>
-            <a:endParaRPr lang="en-US" sz="1400" dirty="0" smtClean="0">
-              <a:solidFill>
-                <a:srgbClr val="312D2A"/>
-              </a:solidFill>
-              <a:ea typeface="Questrial"/>
-              <a:cs typeface="Questrial"/>
-              <a:sym typeface="Questrial"/>
-            </a:endParaRPr>
-          </a:p>
-          <a:p>
-            <a:pPr lvl="0">
-              <a:lnSpc>
-                <a:spcPct val="105000"/>
-              </a:lnSpc>
-              <a:buSzPts val="900"/>
-              <a:defRPr/>
-            </a:pPr>
-            <a:r>
-              <a:rPr lang="en-US" sz="1400" dirty="0">
-                <a:solidFill>
-                  <a:srgbClr val="312D2A"/>
-                </a:solidFill>
-                <a:ea typeface="Questrial"/>
-                <a:cs typeface="Questrial"/>
-                <a:sym typeface="Questrial"/>
-              </a:rPr>
-              <a:t>5</a:t>
-            </a:r>
-            <a:r>
-              <a:rPr lang="en-US" sz="1400" dirty="0" smtClean="0">
-                <a:solidFill>
-                  <a:srgbClr val="312D2A"/>
-                </a:solidFill>
-                <a:ea typeface="Questrial"/>
-                <a:cs typeface="Questrial"/>
-                <a:sym typeface="Questrial"/>
-              </a:rPr>
-              <a:t>. </a:t>
-            </a:r>
-            <a:r>
-              <a:rPr lang="en-US" sz="1400" dirty="0" smtClean="0">
-                <a:solidFill>
-                  <a:srgbClr val="312D2A"/>
-                </a:solidFill>
-                <a:ea typeface="Questrial"/>
-                <a:cs typeface="Questrial"/>
-                <a:sym typeface="Questrial"/>
-                <a:hlinkClick r:id="rId13"/>
-              </a:rPr>
-              <a:t>Oracle OCI-CLI </a:t>
-            </a:r>
-            <a:r>
-              <a:rPr lang="en-US" sz="1400" dirty="0" err="1" smtClean="0">
-                <a:solidFill>
-                  <a:srgbClr val="312D2A"/>
-                </a:solidFill>
-                <a:ea typeface="Questrial"/>
-                <a:cs typeface="Questrial"/>
-                <a:sym typeface="Questrial"/>
-                <a:hlinkClick r:id="rId13"/>
-              </a:rPr>
-              <a:t>github</a:t>
-            </a:r>
-            <a:r>
-              <a:rPr lang="en-US" sz="1400" dirty="0" smtClean="0">
-                <a:solidFill>
-                  <a:srgbClr val="312D2A"/>
-                </a:solidFill>
-                <a:ea typeface="Questrial"/>
-                <a:cs typeface="Questrial"/>
-                <a:sym typeface="Questrial"/>
-                <a:hlinkClick r:id="rId13"/>
-              </a:rPr>
-              <a:t> page </a:t>
-            </a:r>
-            <a:endParaRPr lang="en-US" sz="1400" dirty="0" smtClean="0">
-              <a:solidFill>
-                <a:srgbClr val="312D2A"/>
-              </a:solidFill>
-              <a:ea typeface="Questrial"/>
-              <a:cs typeface="Questrial"/>
-              <a:sym typeface="Questrial"/>
-            </a:endParaRPr>
-          </a:p>
-          <a:p>
-            <a:pPr lvl="0">
-              <a:lnSpc>
-                <a:spcPct val="105000"/>
-              </a:lnSpc>
-              <a:buSzPts val="900"/>
-              <a:defRPr/>
-            </a:pPr>
-            <a:r>
-              <a:rPr lang="en-US" sz="1400" b="1" dirty="0" smtClean="0">
-                <a:solidFill>
-                  <a:srgbClr val="312D2A"/>
-                </a:solidFill>
-                <a:ea typeface="Questrial"/>
-                <a:cs typeface="Questrial"/>
-                <a:sym typeface="Questrial"/>
-              </a:rPr>
-              <a:t>OCI-CLI blogs </a:t>
-            </a:r>
-          </a:p>
-          <a:p>
-            <a:pPr lvl="0">
-              <a:lnSpc>
-                <a:spcPct val="105000"/>
-              </a:lnSpc>
-              <a:buSzPts val="900"/>
-              <a:defRPr/>
-            </a:pPr>
-            <a:r>
-              <a:rPr lang="en-US" sz="1400" dirty="0" smtClean="0">
-                <a:solidFill>
-                  <a:srgbClr val="312D2A"/>
-                </a:solidFill>
-                <a:ea typeface="Questrial"/>
-                <a:cs typeface="Questrial"/>
-                <a:sym typeface="Questrial"/>
-              </a:rPr>
-              <a:t>1. </a:t>
-            </a:r>
-            <a:r>
-              <a:rPr lang="en-US" sz="1400" dirty="0" smtClean="0">
-                <a:solidFill>
-                  <a:srgbClr val="312D2A"/>
-                </a:solidFill>
-                <a:ea typeface="Questrial"/>
-                <a:cs typeface="Questrial"/>
-                <a:sym typeface="Questrial"/>
-                <a:hlinkClick r:id="rId14"/>
-              </a:rPr>
-              <a:t>Introduction to CLI, API and OCI Data integration</a:t>
-            </a:r>
-            <a:endParaRPr lang="en-US" sz="1400" dirty="0" smtClean="0">
-              <a:solidFill>
-                <a:srgbClr val="312D2A"/>
-              </a:solidFill>
-              <a:ea typeface="Questrial"/>
-              <a:cs typeface="Questrial"/>
-              <a:sym typeface="Questrial"/>
-            </a:endParaRPr>
-          </a:p>
-          <a:p>
-            <a:pPr lvl="0">
-              <a:lnSpc>
-                <a:spcPct val="105000"/>
-              </a:lnSpc>
-              <a:buSzPts val="900"/>
-              <a:defRPr/>
-            </a:pPr>
-            <a:r>
-              <a:rPr lang="en-US" sz="1400" dirty="0" smtClean="0">
-                <a:solidFill>
-                  <a:srgbClr val="312D2A"/>
-                </a:solidFill>
-                <a:ea typeface="Questrial"/>
-                <a:cs typeface="Questrial"/>
-                <a:sym typeface="Questrial"/>
-              </a:rPr>
-              <a:t>2. </a:t>
-            </a:r>
-            <a:r>
-              <a:rPr lang="en-US" sz="1400" dirty="0" smtClean="0">
-                <a:solidFill>
-                  <a:srgbClr val="312D2A"/>
-                </a:solidFill>
-                <a:ea typeface="Questrial"/>
-                <a:cs typeface="Questrial"/>
-                <a:sym typeface="Questrial"/>
-                <a:hlinkClick r:id="rId15"/>
-              </a:rPr>
-              <a:t>Easy provisioning with OCI-CLI</a:t>
-            </a:r>
-            <a:endParaRPr lang="en-US" sz="1400" dirty="0" smtClean="0">
-              <a:solidFill>
-                <a:srgbClr val="312D2A"/>
-              </a:solidFill>
-              <a:ea typeface="Questrial"/>
-              <a:cs typeface="Questrial"/>
-              <a:sym typeface="Questrial"/>
-            </a:endParaRPr>
-          </a:p>
-          <a:p>
-            <a:pPr lvl="0">
-              <a:lnSpc>
-                <a:spcPct val="105000"/>
-              </a:lnSpc>
-              <a:buSzPts val="900"/>
-              <a:defRPr/>
-            </a:pPr>
-            <a:r>
-              <a:rPr lang="en-US" sz="1400" dirty="0">
-                <a:solidFill>
-                  <a:srgbClr val="312D2A"/>
-                </a:solidFill>
-                <a:ea typeface="Questrial"/>
-                <a:cs typeface="Questrial"/>
-                <a:sym typeface="Questrial"/>
-              </a:rPr>
-              <a:t>3</a:t>
-            </a:r>
-            <a:r>
-              <a:rPr lang="en-US" sz="1400" dirty="0" smtClean="0">
-                <a:solidFill>
-                  <a:srgbClr val="312D2A"/>
-                </a:solidFill>
-                <a:ea typeface="Questrial"/>
-                <a:cs typeface="Questrial"/>
-                <a:sym typeface="Questrial"/>
-              </a:rPr>
-              <a:t>. </a:t>
-            </a:r>
-            <a:r>
-              <a:rPr lang="en-US" sz="1400" dirty="0" smtClean="0">
-                <a:solidFill>
-                  <a:srgbClr val="312D2A"/>
-                </a:solidFill>
-                <a:ea typeface="Questrial"/>
-                <a:cs typeface="Questrial"/>
-                <a:sym typeface="Questrial"/>
-                <a:hlinkClick r:id="rId16"/>
-              </a:rPr>
-              <a:t>Using OCI-CLI with Kubernetes </a:t>
-            </a:r>
-            <a:r>
-              <a:rPr lang="en-US" sz="1400" dirty="0" err="1" smtClean="0">
-                <a:solidFill>
-                  <a:srgbClr val="312D2A"/>
-                </a:solidFill>
-                <a:ea typeface="Questrial"/>
-                <a:cs typeface="Questrial"/>
-                <a:sym typeface="Questrial"/>
-                <a:hlinkClick r:id="rId16"/>
-              </a:rPr>
-              <a:t>cron</a:t>
-            </a:r>
-            <a:r>
-              <a:rPr lang="en-US" sz="1400" dirty="0" smtClean="0">
-                <a:solidFill>
-                  <a:srgbClr val="312D2A"/>
-                </a:solidFill>
-                <a:ea typeface="Questrial"/>
-                <a:cs typeface="Questrial"/>
-                <a:sym typeface="Questrial"/>
-                <a:hlinkClick r:id="rId16"/>
-              </a:rPr>
-              <a:t>-jobs</a:t>
-            </a:r>
-            <a:endParaRPr lang="en-US" sz="1400" dirty="0" smtClean="0">
-              <a:solidFill>
-                <a:srgbClr val="312D2A"/>
-              </a:solidFill>
-              <a:ea typeface="Questrial"/>
-              <a:cs typeface="Questrial"/>
-              <a:sym typeface="Questrial"/>
-            </a:endParaRPr>
-          </a:p>
-          <a:p>
-            <a:pPr lvl="0">
-              <a:lnSpc>
-                <a:spcPct val="105000"/>
-              </a:lnSpc>
-              <a:buSzPts val="900"/>
-              <a:defRPr/>
-            </a:pPr>
-            <a:r>
-              <a:rPr lang="en-US" sz="1400" dirty="0" smtClean="0">
-                <a:solidFill>
-                  <a:srgbClr val="312D2A"/>
-                </a:solidFill>
-                <a:ea typeface="Questrial"/>
-                <a:cs typeface="Questrial"/>
-                <a:sym typeface="Questrial"/>
-              </a:rPr>
-              <a:t>4. </a:t>
-            </a:r>
-            <a:r>
-              <a:rPr lang="en-US" sz="1400" dirty="0" smtClean="0">
-                <a:solidFill>
-                  <a:srgbClr val="312D2A"/>
-                </a:solidFill>
-                <a:ea typeface="Questrial"/>
-                <a:cs typeface="Questrial"/>
-                <a:sym typeface="Questrial"/>
-                <a:hlinkClick r:id="rId17"/>
-              </a:rPr>
-              <a:t>Quickly run OCI-CLI with Docker container</a:t>
-            </a:r>
-            <a:endParaRPr lang="en-US" sz="1400" dirty="0" smtClean="0">
-              <a:solidFill>
-                <a:srgbClr val="312D2A"/>
-              </a:solidFill>
-              <a:ea typeface="Questrial"/>
-              <a:cs typeface="Questrial"/>
-              <a:sym typeface="Questrial"/>
-            </a:endParaRPr>
-          </a:p>
-          <a:p>
-            <a:pPr lvl="0">
-              <a:lnSpc>
-                <a:spcPct val="105000"/>
-              </a:lnSpc>
-              <a:buSzPts val="900"/>
-              <a:defRPr/>
-            </a:pPr>
-            <a:r>
-              <a:rPr lang="en-US" sz="1400" dirty="0" smtClean="0">
-                <a:solidFill>
-                  <a:srgbClr val="312D2A"/>
-                </a:solidFill>
-                <a:ea typeface="Questrial"/>
-                <a:cs typeface="Questrial"/>
-                <a:sym typeface="Questrial"/>
-              </a:rPr>
-              <a:t>4. </a:t>
-            </a:r>
-            <a:r>
-              <a:rPr lang="en-US" sz="1400" dirty="0" smtClean="0">
-                <a:solidFill>
-                  <a:srgbClr val="312D2A"/>
-                </a:solidFill>
-                <a:ea typeface="Questrial"/>
-                <a:cs typeface="Questrial"/>
-                <a:sym typeface="Questrial"/>
-                <a:hlinkClick r:id="rId18"/>
-              </a:rPr>
-              <a:t>OCI-CLI with a federation from a Docker container </a:t>
-            </a:r>
-            <a:endParaRPr lang="en-US" sz="1400" dirty="0" smtClean="0">
-              <a:solidFill>
-                <a:srgbClr val="312D2A"/>
-              </a:solidFill>
-              <a:ea typeface="Questrial"/>
-              <a:cs typeface="Questrial"/>
-              <a:sym typeface="Questrial"/>
-            </a:endParaRPr>
-          </a:p>
-          <a:p>
-            <a:pPr lvl="0">
-              <a:lnSpc>
-                <a:spcPct val="105000"/>
-              </a:lnSpc>
-              <a:buSzPts val="900"/>
-              <a:defRPr/>
-            </a:pPr>
-            <a:r>
-              <a:rPr lang="en-US" sz="1400" dirty="0" smtClean="0">
-                <a:solidFill>
-                  <a:srgbClr val="312D2A"/>
-                </a:solidFill>
-                <a:ea typeface="Questrial"/>
-                <a:cs typeface="Questrial"/>
-                <a:sym typeface="Questrial"/>
-              </a:rPr>
-              <a:t>5. </a:t>
-            </a:r>
-            <a:r>
-              <a:rPr lang="en-US" sz="1400" dirty="0" smtClean="0">
-                <a:solidFill>
-                  <a:srgbClr val="312D2A"/>
-                </a:solidFill>
-                <a:ea typeface="Questrial"/>
-                <a:cs typeface="Questrial"/>
-                <a:sym typeface="Questrial"/>
-                <a:hlinkClick r:id="rId19"/>
-              </a:rPr>
-              <a:t>Deploying a </a:t>
-            </a:r>
-            <a:r>
-              <a:rPr lang="en-US" sz="1400" dirty="0" err="1" smtClean="0">
-                <a:solidFill>
-                  <a:srgbClr val="312D2A"/>
-                </a:solidFill>
-                <a:ea typeface="Questrial"/>
-                <a:cs typeface="Questrial"/>
-                <a:sym typeface="Questrial"/>
-                <a:hlinkClick r:id="rId19"/>
-              </a:rPr>
-              <a:t>microservice</a:t>
-            </a:r>
-            <a:r>
-              <a:rPr lang="en-US" sz="1400" dirty="0" smtClean="0">
-                <a:solidFill>
-                  <a:srgbClr val="312D2A"/>
-                </a:solidFill>
-                <a:ea typeface="Questrial"/>
-                <a:cs typeface="Questrial"/>
-                <a:sym typeface="Questrial"/>
-                <a:hlinkClick r:id="rId19"/>
-              </a:rPr>
-              <a:t> to Oracle cloud with </a:t>
-            </a:r>
-            <a:r>
-              <a:rPr lang="en-US" sz="1400" dirty="0" err="1" smtClean="0">
-                <a:solidFill>
-                  <a:srgbClr val="312D2A"/>
-                </a:solidFill>
-                <a:ea typeface="Questrial"/>
-                <a:cs typeface="Questrial"/>
-                <a:sym typeface="Questrial"/>
-                <a:hlinkClick r:id="rId19"/>
-              </a:rPr>
-              <a:t>Github</a:t>
-            </a:r>
-            <a:r>
-              <a:rPr lang="en-US" sz="1400" dirty="0" smtClean="0">
-                <a:solidFill>
-                  <a:srgbClr val="312D2A"/>
-                </a:solidFill>
-                <a:ea typeface="Questrial"/>
-                <a:cs typeface="Questrial"/>
-                <a:sym typeface="Questrial"/>
-                <a:hlinkClick r:id="rId19"/>
-              </a:rPr>
-              <a:t> actions</a:t>
-            </a:r>
-            <a:endParaRPr lang="en-US" sz="1400" dirty="0" smtClean="0">
-              <a:solidFill>
-                <a:srgbClr val="312D2A"/>
-              </a:solidFill>
-              <a:ea typeface="Questrial"/>
-              <a:cs typeface="Questrial"/>
-              <a:sym typeface="Questrial"/>
-            </a:endParaRPr>
-          </a:p>
-          <a:p>
-            <a:pPr lvl="0">
-              <a:lnSpc>
-                <a:spcPct val="105000"/>
-              </a:lnSpc>
-              <a:buSzPts val="900"/>
-              <a:defRPr/>
-            </a:pPr>
-            <a:r>
-              <a:rPr lang="en-US" sz="1400" dirty="0" smtClean="0">
-                <a:solidFill>
-                  <a:srgbClr val="312D2A"/>
-                </a:solidFill>
-                <a:ea typeface="Questrial"/>
-                <a:cs typeface="Questrial"/>
-                <a:sym typeface="Questrial"/>
-              </a:rPr>
-              <a:t>6. </a:t>
-            </a:r>
-            <a:r>
-              <a:rPr lang="en-US" sz="1400" dirty="0" smtClean="0">
-                <a:solidFill>
-                  <a:srgbClr val="312D2A"/>
-                </a:solidFill>
-                <a:ea typeface="Questrial"/>
-                <a:cs typeface="Questrial"/>
-                <a:sym typeface="Questrial"/>
-                <a:hlinkClick r:id="rId20"/>
-              </a:rPr>
-              <a:t>New packages for OCI-CLI/</a:t>
-            </a:r>
-            <a:r>
-              <a:rPr lang="en-US" sz="1400" dirty="0" err="1" smtClean="0">
-                <a:solidFill>
-                  <a:srgbClr val="312D2A"/>
-                </a:solidFill>
-                <a:ea typeface="Questrial"/>
-                <a:cs typeface="Questrial"/>
-                <a:sym typeface="Questrial"/>
-                <a:hlinkClick r:id="rId20"/>
-              </a:rPr>
-              <a:t>GlusterFS</a:t>
-            </a:r>
-            <a:r>
-              <a:rPr lang="en-US" sz="1400" dirty="0" smtClean="0">
-                <a:solidFill>
-                  <a:srgbClr val="312D2A"/>
-                </a:solidFill>
-                <a:ea typeface="Questrial"/>
-                <a:cs typeface="Questrial"/>
-                <a:sym typeface="Questrial"/>
-                <a:hlinkClick r:id="rId20"/>
-              </a:rPr>
-              <a:t> , Terraform</a:t>
-            </a:r>
-            <a:endParaRPr lang="en-US" sz="1400" dirty="0" smtClean="0">
-              <a:solidFill>
-                <a:srgbClr val="312D2A"/>
-              </a:solidFill>
-              <a:ea typeface="Questrial"/>
-              <a:cs typeface="Questrial"/>
-              <a:sym typeface="Questrial"/>
-            </a:endParaRPr>
-          </a:p>
-          <a:p>
-            <a:pPr lvl="0">
-              <a:lnSpc>
-                <a:spcPct val="105000"/>
-              </a:lnSpc>
-              <a:buSzPts val="900"/>
-              <a:defRPr/>
-            </a:pPr>
-            <a:r>
-              <a:rPr lang="en-US" sz="1400" dirty="0" smtClean="0">
-                <a:solidFill>
-                  <a:srgbClr val="312D2A"/>
-                </a:solidFill>
-                <a:ea typeface="Questrial"/>
-                <a:cs typeface="Questrial"/>
-                <a:sym typeface="Questrial"/>
-              </a:rPr>
-              <a:t>8. </a:t>
-            </a:r>
-            <a:r>
-              <a:rPr lang="en-US" sz="1400" dirty="0" smtClean="0">
-                <a:solidFill>
-                  <a:srgbClr val="312D2A"/>
-                </a:solidFill>
-                <a:ea typeface="Questrial"/>
-                <a:cs typeface="Questrial"/>
-                <a:sym typeface="Questrial"/>
-                <a:hlinkClick r:id="rId21"/>
-              </a:rPr>
-              <a:t>Automated CLI scripts to scale autonomous databases</a:t>
-            </a:r>
-            <a:endParaRPr lang="en-US" sz="1400" dirty="0" smtClean="0">
-              <a:solidFill>
-                <a:srgbClr val="312D2A"/>
-              </a:solidFill>
-              <a:ea typeface="Questrial"/>
-              <a:cs typeface="Questrial"/>
-              <a:sym typeface="Questrial"/>
-            </a:endParaRPr>
-          </a:p>
-          <a:p>
-            <a:pPr lvl="0">
-              <a:lnSpc>
-                <a:spcPct val="105000"/>
-              </a:lnSpc>
-              <a:buSzPts val="900"/>
-              <a:defRPr/>
-            </a:pPr>
-            <a:r>
-              <a:rPr lang="en-US" sz="1400" dirty="0" smtClean="0">
-                <a:solidFill>
-                  <a:srgbClr val="312D2A"/>
-                </a:solidFill>
-                <a:ea typeface="Questrial"/>
-                <a:cs typeface="Questrial"/>
-                <a:sym typeface="Questrial"/>
-              </a:rPr>
-              <a:t>9. </a:t>
-            </a:r>
-            <a:r>
-              <a:rPr lang="en-US" sz="1400" dirty="0" smtClean="0">
-                <a:solidFill>
-                  <a:srgbClr val="312D2A"/>
-                </a:solidFill>
-                <a:ea typeface="Questrial"/>
-                <a:cs typeface="Questrial"/>
-                <a:sym typeface="Questrial"/>
-                <a:hlinkClick r:id="rId22"/>
-              </a:rPr>
-              <a:t>Using CLI with Restricted object store buckets</a:t>
-            </a:r>
-            <a:endParaRPr lang="en-US" sz="1400" dirty="0" smtClean="0">
-              <a:solidFill>
-                <a:srgbClr val="312D2A"/>
-              </a:solidFill>
-              <a:ea typeface="Questrial"/>
-              <a:cs typeface="Questrial"/>
-              <a:sym typeface="Questrial"/>
-            </a:endParaRPr>
-          </a:p>
         </p:txBody>
       </p:sp>
     </p:spTree>
     <p:extLst>
       <p:ext uri="{BB962C8B-B14F-4D97-AF65-F5344CB8AC3E}">
-        <p14:creationId xmlns:p14="http://schemas.microsoft.com/office/powerpoint/2010/main" val="2517097189"/>
+        <p14:creationId xmlns:p14="http://schemas.microsoft.com/office/powerpoint/2010/main" val="3835492894"/>
       </p:ext>
     </p:extLst>
   </p:cSld>
@@ -9860,109 +8918,68 @@
       </p:grpSpPr>
       <p:sp>
         <p:nvSpPr>
-          <p:cNvPr id="8" name="Title 1">
+          <p:cNvPr id="2" name="Footer Placeholder 1">
             <a:extLst>
               <a:ext uri="{FF2B5EF4-FFF2-40B4-BE49-F238E27FC236}">
-                <a16:creationId xmlns="" xmlns:a16="http://schemas.microsoft.com/office/drawing/2014/main" id="{04761533-698B-DC4C-AA2F-48DAC0505FE0}"/>
+                <a16:creationId xmlns="" xmlns:a16="http://schemas.microsoft.com/office/drawing/2014/main" id="{EB7098F0-6935-B247-92F1-05653C13B445}"/>
               </a:ext>
             </a:extLst>
           </p:cNvPr>
-          <p:cNvSpPr txBox="1">
-            <a:spLocks/>
+          <p:cNvSpPr>
+            <a:spLocks noGrp="1"/>
           </p:cNvSpPr>
-          <p:nvPr/>
+          <p:nvPr>
+            <p:ph type="ftr" sz="quarter" idx="3"/>
+          </p:nvPr>
         </p:nvSpPr>
-        <p:spPr>
-          <a:xfrm>
-            <a:off x="2204431" y="2300861"/>
-            <a:ext cx="8779520" cy="777380"/>
-          </a:xfrm>
-          <a:prstGeom prst="rect">
-            <a:avLst/>
-          </a:prstGeom>
-          <a:noFill/>
-        </p:spPr>
+        <p:spPr/>
         <p:txBody>
-          <a:bodyPr vert="horz" lIns="0" tIns="45720" rIns="0" bIns="45720" rtlCol="0" anchor="b">
-            <a:noAutofit/>
-          </a:bodyPr>
-          <a:lstStyle>
-            <a:lvl1pPr algn="l" defTabSz="914400" rtl="0" eaLnBrk="1" latinLnBrk="0" hangingPunct="1">
-              <a:lnSpc>
-                <a:spcPct val="90000"/>
-              </a:lnSpc>
-              <a:spcBef>
-                <a:spcPct val="0"/>
-              </a:spcBef>
-              <a:buNone/>
-              <a:defRPr lang="en-US" sz="1600" kern="1200">
-                <a:solidFill>
-                  <a:schemeClr val="bg1"/>
-                </a:solidFill>
-                <a:latin typeface="Oracle Sans Extra Bold" panose="020B0803020204020204" pitchFamily="34" charset="0"/>
-                <a:ea typeface="+mn-ea"/>
-                <a:cs typeface="Oracle Sans Extra Bold" panose="020B0803020204020204" pitchFamily="34" charset="0"/>
-              </a:defRPr>
-            </a:lvl1pPr>
-          </a:lstStyle>
-          <a:p>
-            <a:pPr>
-              <a:lnSpc>
-                <a:spcPts val="4600"/>
-              </a:lnSpc>
-              <a:spcAft>
-                <a:spcPts val="1200"/>
-              </a:spcAft>
-            </a:pPr>
-            <a:r>
-              <a:rPr lang="en-US" sz="2600" dirty="0">
-                <a:solidFill>
-                  <a:prstClr val="white"/>
-                </a:solidFill>
-                <a:latin typeface="Oracle Sans Light" panose="020B0403020204020204" pitchFamily="34" charset="0"/>
-                <a:ea typeface="+mj-ea"/>
-                <a:cs typeface="Oracle Sans Light" panose="020B0403020204020204" pitchFamily="34" charset="0"/>
-              </a:rPr>
-              <a:t>TECH TALK: </a:t>
-            </a:r>
-          </a:p>
-          <a:p>
-            <a:pPr>
-              <a:lnSpc>
-                <a:spcPct val="100000"/>
-              </a:lnSpc>
-            </a:pPr>
-            <a:r>
-              <a:rPr lang="en-US" sz="3200" dirty="0" smtClean="0">
-                <a:solidFill>
-                  <a:prstClr val="white"/>
-                </a:solidFill>
-                <a:latin typeface="Georgia" panose="02040502050405020303" pitchFamily="18" charset="0"/>
-                <a:ea typeface="+mj-ea"/>
-                <a:cs typeface="Oracle Sans" panose="020B0503020204020204" pitchFamily="34" charset="0"/>
-              </a:rPr>
-              <a:t>Oracle command line interface for </a:t>
-            </a:r>
-            <a:r>
-              <a:rPr lang="en-US" sz="3200" dirty="0">
-                <a:solidFill>
-                  <a:prstClr val="white"/>
-                </a:solidFill>
-                <a:latin typeface="Georgia" panose="02040502050405020303" pitchFamily="18" charset="0"/>
-                <a:ea typeface="+mj-ea"/>
-                <a:cs typeface="Oracle Sans" panose="020B0503020204020204" pitchFamily="34" charset="0"/>
-              </a:rPr>
-              <a:t>Researchers</a:t>
+          <a:bodyPr/>
+          <a:lstStyle/>
+          <a:p>
+            <a:r>
+              <a:rPr lang="en-US" dirty="0"/>
+              <a:t>Copyright © 2020 Oracle and/or its affiliates. Oracle Confidential - Restricted.</a:t>
             </a:r>
           </a:p>
         </p:txBody>
       </p:sp>
       <p:sp>
         <p:nvSpPr>
-          <p:cNvPr id="9" name="TextBox 8">
+          <p:cNvPr id="3" name="Slide Number Placeholder 2">
             <a:extLst>
               <a:ext uri="{FF2B5EF4-FFF2-40B4-BE49-F238E27FC236}">
-                <a16:creationId xmlns="" xmlns:a16="http://schemas.microsoft.com/office/drawing/2014/main" id="{7A3FE5A4-DE9A-F443-A167-ED190C82D950}"/>
+                <a16:creationId xmlns="" xmlns:a16="http://schemas.microsoft.com/office/drawing/2014/main" id="{A85048A9-3D14-B945-BA11-ED741A6748C3}"/>
+              </a:ext>
+            </a:extLst>
+          </p:cNvPr>
+          <p:cNvSpPr>
+            <a:spLocks noGrp="1"/>
+          </p:cNvSpPr>
+          <p:nvPr>
+            <p:ph type="sldNum" sz="quarter" idx="4"/>
+          </p:nvPr>
+        </p:nvSpPr>
+        <p:spPr/>
+        <p:txBody>
+          <a:bodyPr/>
+          <a:lstStyle/>
+          <a:p>
+            <a:fld id="{345D60D9-5372-5F40-9443-0F9AE5BDC3C8}" type="slidenum">
+              <a:rPr lang="en-US" smtClean="0"/>
+              <a:pPr/>
+              <a:t>9</a:t>
+            </a:fld>
+            <a:endParaRPr lang="en-US" dirty="0"/>
+          </a:p>
+        </p:txBody>
+      </p:sp>
+      <p:sp>
+        <p:nvSpPr>
+          <p:cNvPr id="17" name="TextBox 16">
+            <a:extLst>
+              <a:ext uri="{FF2B5EF4-FFF2-40B4-BE49-F238E27FC236}">
+                <a16:creationId xmlns="" xmlns:a16="http://schemas.microsoft.com/office/drawing/2014/main" id="{00FABF5B-8DCC-4D38-8123-A80D08EB965B}"/>
               </a:ext>
             </a:extLst>
           </p:cNvPr>
@@ -9971,8 +8988,8 @@
         </p:nvSpPr>
         <p:spPr>
           <a:xfrm>
-            <a:off x="2204430" y="4134684"/>
-            <a:ext cx="7920877" cy="615553"/>
+            <a:off x="288703" y="358558"/>
+            <a:ext cx="6342756" cy="535619"/>
           </a:xfrm>
           <a:prstGeom prst="rect">
             <a:avLst/>
@@ -9981,65 +8998,61 @@
         </p:spPr>
         <p:txBody>
           <a:bodyPr wrap="square" lIns="0" tIns="0" rIns="0" bIns="0" rtlCol="0">
-            <a:spAutoFit/>
+            <a:noAutofit/>
           </a:bodyPr>
           <a:lstStyle/>
           <a:p>
-            <a:r>
-              <a:rPr lang="en-US" sz="4000" dirty="0">
-                <a:solidFill>
-                  <a:schemeClr val="bg1"/>
-                </a:solidFill>
-                <a:latin typeface="Oracle Sans Light" panose="020B0403020204020204" pitchFamily="34" charset="0"/>
-                <a:cs typeface="Oracle Sans Light" panose="020B0403020204020204" pitchFamily="34" charset="0"/>
-              </a:rPr>
-              <a:t>Questions, Answers &amp; Discussion</a:t>
-            </a:r>
+            <a:pPr marL="0" marR="0" lvl="0" indent="0" algn="l" defTabSz="914400" rtl="0" eaLnBrk="1" fontAlgn="auto" latinLnBrk="0" hangingPunct="1">
+              <a:lnSpc>
+                <a:spcPct val="90000"/>
+              </a:lnSpc>
+              <a:spcBef>
+                <a:spcPts val="0"/>
+              </a:spcBef>
+              <a:spcAft>
+                <a:spcPts val="0"/>
+              </a:spcAft>
+              <a:buClrTx/>
+              <a:buSzTx/>
+              <a:buFontTx/>
+              <a:buNone/>
+              <a:tabLst/>
+              <a:defRPr/>
+            </a:pPr>
+            <a:r>
+              <a:rPr lang="en-US" sz="3200" kern="0" dirty="0" smtClean="0">
+                <a:solidFill>
+                  <a:srgbClr val="000000"/>
+                </a:solidFill>
+                <a:latin typeface="Calibri Light" panose="020F0302020204030204" pitchFamily="34" charset="0"/>
+                <a:cs typeface="Calibri Light" panose="020F0302020204030204" pitchFamily="34" charset="0"/>
+                <a:sym typeface="Arial"/>
+              </a:rPr>
+              <a:t>OCI-CLI links</a:t>
+            </a:r>
+            <a:endParaRPr kumimoji="0" lang="en-US" sz="3200" b="0" i="0" u="none" strike="noStrike" kern="0" cap="none" spc="0" normalizeH="0" baseline="0" noProof="0" dirty="0">
+              <a:ln>
+                <a:noFill/>
+              </a:ln>
+              <a:solidFill>
+                <a:srgbClr val="000000"/>
+              </a:solidFill>
+              <a:uLnTx/>
+              <a:uFillTx/>
+              <a:latin typeface="Calibri Light" panose="020F0302020204030204" pitchFamily="34" charset="0"/>
+              <a:ea typeface="+mn-ea"/>
+              <a:cs typeface="Calibri Light" panose="020F0302020204030204" pitchFamily="34" charset="0"/>
+              <a:sym typeface="Arial"/>
+            </a:endParaRPr>
           </a:p>
         </p:txBody>
       </p:sp>
-      <p:pic>
-        <p:nvPicPr>
-          <p:cNvPr id="5" name="Picture 4">
+      <p:sp>
+        <p:nvSpPr>
+          <p:cNvPr id="22" name="Google Shape;72;p15">
             <a:extLst>
               <a:ext uri="{FF2B5EF4-FFF2-40B4-BE49-F238E27FC236}">
-                <a16:creationId xmlns="" xmlns:a16="http://schemas.microsoft.com/office/drawing/2014/main" id="{10843A28-72DE-4D4A-A9CB-CC49D63ADCC4}"/>
-              </a:ext>
-            </a:extLst>
-          </p:cNvPr>
-          <p:cNvPicPr>
-            <a:picLocks noChangeAspect="1"/>
-          </p:cNvPicPr>
-          <p:nvPr/>
-        </p:nvPicPr>
-        <p:blipFill>
-          <a:blip r:embed="rId2">
-            <a:extLst>
-              <a:ext uri="{28A0092B-C50C-407E-A947-70E740481C1C}">
-                <a14:useLocalDpi xmlns:a14="http://schemas.microsoft.com/office/drawing/2010/main" val="0"/>
-              </a:ext>
-            </a:extLst>
-          </a:blip>
-          <a:stretch>
-            <a:fillRect/>
-          </a:stretch>
-        </p:blipFill>
-        <p:spPr>
-          <a:xfrm>
-            <a:off x="2204430" y="495300"/>
-            <a:ext cx="1714225" cy="519462"/>
-          </a:xfrm>
-          <a:prstGeom prst="rect">
-            <a:avLst/>
-          </a:prstGeom>
-        </p:spPr>
-      </p:pic>
-      <p:sp>
-        <p:nvSpPr>
-          <p:cNvPr id="13" name="Rectangle 12">
-            <a:extLst>
-              <a:ext uri="{FF2B5EF4-FFF2-40B4-BE49-F238E27FC236}">
-                <a16:creationId xmlns="" xmlns:a16="http://schemas.microsoft.com/office/drawing/2014/main" id="{0E8E37B4-B4ED-434B-A3F5-231EADD1C3A8}"/>
+                <a16:creationId xmlns="" xmlns:a16="http://schemas.microsoft.com/office/drawing/2014/main" id="{7F2BE374-0EF0-6544-9390-8BDFA07ACD31}"/>
               </a:ext>
             </a:extLst>
           </p:cNvPr>
@@ -10048,48 +9061,1077 @@
         </p:nvSpPr>
         <p:spPr>
           <a:xfrm>
-            <a:off x="9266663" y="297830"/>
-            <a:ext cx="2732049" cy="1185281"/>
+            <a:off x="762000" y="1006563"/>
+            <a:ext cx="9039234" cy="5417097"/>
           </a:xfrm>
           <a:prstGeom prst="rect">
             <a:avLst/>
           </a:prstGeom>
           <a:solidFill>
-            <a:srgbClr val="2C5967"/>
+            <a:srgbClr val="EFEFEF"/>
           </a:solidFill>
           <a:ln>
             <a:noFill/>
           </a:ln>
         </p:spPr>
-        <p:style>
-          <a:lnRef idx="2">
-            <a:schemeClr val="accent1">
-              <a:shade val="50000"/>
-            </a:schemeClr>
-          </a:lnRef>
-          <a:fillRef idx="1">
-            <a:schemeClr val="accent1"/>
-          </a:fillRef>
-          <a:effectRef idx="0">
-            <a:schemeClr val="accent1"/>
-          </a:effectRef>
-          <a:fontRef idx="minor">
-            <a:schemeClr val="lt1"/>
-          </a:fontRef>
-        </p:style>
         <p:txBody>
-          <a:bodyPr rtlCol="0" anchor="ctr"/>
+          <a:bodyPr spcFirstLastPara="1" wrap="square" lIns="180000" tIns="72000" rIns="180000" bIns="72000" anchor="ctr" anchorCtr="0">
+            <a:noAutofit/>
+          </a:bodyPr>
           <a:lstStyle/>
           <a:p>
-            <a:pPr algn="ctr"/>
-            <a:endParaRPr lang="en-US"/>
+            <a:pPr lvl="0">
+              <a:lnSpc>
+                <a:spcPct val="105000"/>
+              </a:lnSpc>
+              <a:buSzPts val="900"/>
+              <a:defRPr/>
+            </a:pPr>
+            <a:r>
+              <a:rPr lang="en-US" sz="1400" b="1" dirty="0" err="1" smtClean="0">
+                <a:solidFill>
+                  <a:srgbClr val="312D2A"/>
+                </a:solidFill>
+                <a:ea typeface="Questrial"/>
+                <a:cs typeface="Questrial"/>
+                <a:sym typeface="Questrial"/>
+              </a:rPr>
+              <a:t>Github</a:t>
+            </a:r>
+            <a:r>
+              <a:rPr lang="en-US" sz="1400" b="1" dirty="0" smtClean="0">
+                <a:solidFill>
+                  <a:srgbClr val="312D2A"/>
+                </a:solidFill>
+                <a:ea typeface="Questrial"/>
+                <a:cs typeface="Questrial"/>
+                <a:sym typeface="Questrial"/>
+              </a:rPr>
+              <a:t> and documentation</a:t>
+            </a:r>
+          </a:p>
+          <a:p>
+            <a:pPr lvl="0">
+              <a:lnSpc>
+                <a:spcPct val="105000"/>
+              </a:lnSpc>
+              <a:buSzPts val="900"/>
+              <a:defRPr/>
+            </a:pPr>
+            <a:r>
+              <a:rPr lang="en-US" sz="1400" dirty="0" smtClean="0">
+                <a:solidFill>
+                  <a:srgbClr val="312D2A"/>
+                </a:solidFill>
+                <a:ea typeface="Questrial"/>
+                <a:cs typeface="Questrial"/>
+                <a:sym typeface="Questrial"/>
+                <a:hlinkClick r:id="rId3"/>
+              </a:rPr>
+              <a:t>1. OCI- CLI Documentation</a:t>
+            </a:r>
+            <a:r>
+              <a:rPr lang="en-US" sz="1400" dirty="0" smtClean="0">
+                <a:solidFill>
+                  <a:srgbClr val="312D2A"/>
+                </a:solidFill>
+                <a:ea typeface="Questrial"/>
+                <a:cs typeface="Questrial"/>
+                <a:sym typeface="Questrial"/>
+              </a:rPr>
+              <a:t> &amp; </a:t>
+            </a:r>
+            <a:r>
+              <a:rPr lang="en-US" sz="1400" dirty="0" smtClean="0">
+                <a:solidFill>
+                  <a:srgbClr val="312D2A"/>
+                </a:solidFill>
+                <a:ea typeface="Questrial"/>
+                <a:cs typeface="Questrial"/>
+                <a:sym typeface="Questrial"/>
+                <a:hlinkClick r:id="rId4"/>
+              </a:rPr>
+              <a:t>OCI Documentation</a:t>
+            </a:r>
+            <a:endParaRPr lang="en-US" sz="1400" dirty="0">
+              <a:solidFill>
+                <a:srgbClr val="312D2A"/>
+              </a:solidFill>
+              <a:ea typeface="Questrial"/>
+              <a:cs typeface="Questrial"/>
+              <a:sym typeface="Questrial"/>
+            </a:endParaRPr>
+          </a:p>
+          <a:p>
+            <a:pPr lvl="0">
+              <a:lnSpc>
+                <a:spcPct val="105000"/>
+              </a:lnSpc>
+              <a:buSzPts val="900"/>
+              <a:defRPr/>
+            </a:pPr>
+            <a:r>
+              <a:rPr lang="en-US" sz="1400" dirty="0" smtClean="0">
+                <a:solidFill>
+                  <a:srgbClr val="312D2A"/>
+                </a:solidFill>
+                <a:ea typeface="Questrial"/>
+                <a:cs typeface="Questrial"/>
+                <a:sym typeface="Questrial"/>
+              </a:rPr>
+              <a:t>2. </a:t>
+            </a:r>
+            <a:r>
+              <a:rPr lang="en-US" sz="1400" dirty="0" smtClean="0">
+                <a:solidFill>
+                  <a:srgbClr val="312D2A"/>
+                </a:solidFill>
+                <a:ea typeface="Questrial"/>
+                <a:cs typeface="Questrial"/>
+                <a:sym typeface="Questrial"/>
+                <a:hlinkClick r:id="rId5"/>
+              </a:rPr>
+              <a:t>Quickest way to install / configure OCI-CLI</a:t>
+            </a:r>
+            <a:endParaRPr lang="en-US" sz="1400" dirty="0" smtClean="0">
+              <a:solidFill>
+                <a:srgbClr val="312D2A"/>
+              </a:solidFill>
+              <a:ea typeface="Questrial"/>
+              <a:cs typeface="Questrial"/>
+              <a:sym typeface="Questrial"/>
+            </a:endParaRPr>
+          </a:p>
+          <a:p>
+            <a:pPr lvl="0">
+              <a:lnSpc>
+                <a:spcPct val="105000"/>
+              </a:lnSpc>
+              <a:buSzPts val="900"/>
+              <a:defRPr/>
+            </a:pPr>
+            <a:r>
+              <a:rPr lang="en-US" sz="1400" dirty="0">
+                <a:solidFill>
+                  <a:srgbClr val="312D2A"/>
+                </a:solidFill>
+                <a:ea typeface="Questrial"/>
+                <a:cs typeface="Questrial"/>
+                <a:sym typeface="Questrial"/>
+              </a:rPr>
+              <a:t>3</a:t>
+            </a:r>
+            <a:r>
+              <a:rPr lang="en-US" sz="1400" dirty="0" smtClean="0">
+                <a:solidFill>
+                  <a:srgbClr val="312D2A"/>
+                </a:solidFill>
+                <a:ea typeface="Questrial"/>
+                <a:cs typeface="Questrial"/>
+                <a:sym typeface="Questrial"/>
+              </a:rPr>
+              <a:t>. </a:t>
+            </a:r>
+            <a:r>
+              <a:rPr lang="en-US" sz="1400" dirty="0" smtClean="0">
+                <a:solidFill>
+                  <a:srgbClr val="312D2A"/>
+                </a:solidFill>
+                <a:ea typeface="Questrial"/>
+                <a:cs typeface="Questrial"/>
+                <a:sym typeface="Questrial"/>
+                <a:hlinkClick r:id="rId6"/>
+              </a:rPr>
+              <a:t>OCI-CLI scripts collections and examples </a:t>
+            </a:r>
+            <a:r>
+              <a:rPr lang="en-US" sz="1400" dirty="0" smtClean="0">
+                <a:solidFill>
+                  <a:srgbClr val="312D2A"/>
+                </a:solidFill>
+                <a:ea typeface="Questrial"/>
+                <a:cs typeface="Questrial"/>
+                <a:sym typeface="Questrial"/>
+              </a:rPr>
+              <a:t> </a:t>
+            </a:r>
+          </a:p>
+          <a:p>
+            <a:pPr marL="742950" lvl="1" indent="-285750">
+              <a:lnSpc>
+                <a:spcPct val="105000"/>
+              </a:lnSpc>
+              <a:buSzPts val="900"/>
+              <a:buFont typeface="Arial" panose="020B0604020202020204" pitchFamily="34" charset="0"/>
+              <a:buChar char="•"/>
+              <a:defRPr/>
+            </a:pPr>
+            <a:r>
+              <a:rPr lang="en-US" sz="1400" dirty="0" smtClean="0">
+                <a:solidFill>
+                  <a:srgbClr val="312D2A"/>
+                </a:solidFill>
+                <a:ea typeface="Questrial"/>
+                <a:cs typeface="Questrial"/>
+                <a:sym typeface="Questrial"/>
+                <a:hlinkClick r:id="rId7"/>
+              </a:rPr>
+              <a:t>OCI reporting tool and extensions</a:t>
+            </a:r>
+            <a:endParaRPr lang="en-US" sz="1400" dirty="0" smtClean="0">
+              <a:solidFill>
+                <a:srgbClr val="312D2A"/>
+              </a:solidFill>
+              <a:ea typeface="Questrial"/>
+              <a:cs typeface="Questrial"/>
+              <a:sym typeface="Questrial"/>
+            </a:endParaRPr>
+          </a:p>
+          <a:p>
+            <a:pPr marL="742950" lvl="1" indent="-285750">
+              <a:lnSpc>
+                <a:spcPct val="105000"/>
+              </a:lnSpc>
+              <a:buSzPts val="900"/>
+              <a:buFont typeface="Arial" panose="020B0604020202020204" pitchFamily="34" charset="0"/>
+              <a:buChar char="•"/>
+              <a:defRPr/>
+            </a:pPr>
+            <a:r>
+              <a:rPr lang="en-US" sz="1400" dirty="0" smtClean="0">
+                <a:solidFill>
+                  <a:srgbClr val="312D2A"/>
+                </a:solidFill>
+                <a:ea typeface="Questrial"/>
+                <a:cs typeface="Questrial"/>
+                <a:sym typeface="Questrial"/>
+                <a:hlinkClick r:id="rId8"/>
+              </a:rPr>
+              <a:t>Usage and cost reporting</a:t>
+            </a:r>
+            <a:endParaRPr lang="en-US" sz="1400" dirty="0" smtClean="0">
+              <a:solidFill>
+                <a:srgbClr val="312D2A"/>
+              </a:solidFill>
+              <a:ea typeface="Questrial"/>
+              <a:cs typeface="Questrial"/>
+              <a:sym typeface="Questrial"/>
+            </a:endParaRPr>
+          </a:p>
+          <a:p>
+            <a:pPr marL="742950" lvl="1" indent="-285750">
+              <a:lnSpc>
+                <a:spcPct val="105000"/>
+              </a:lnSpc>
+              <a:buSzPts val="900"/>
+              <a:buFont typeface="Arial" panose="020B0604020202020204" pitchFamily="34" charset="0"/>
+              <a:buChar char="•"/>
+              <a:defRPr/>
+            </a:pPr>
+            <a:r>
+              <a:rPr lang="en-US" sz="1400" dirty="0" smtClean="0">
+                <a:solidFill>
+                  <a:srgbClr val="312D2A"/>
+                </a:solidFill>
+                <a:ea typeface="Questrial"/>
+                <a:cs typeface="Questrial"/>
+                <a:sym typeface="Questrial"/>
+              </a:rPr>
+              <a:t>Auto-scaling </a:t>
+            </a:r>
+          </a:p>
+          <a:p>
+            <a:pPr marL="742950" lvl="1" indent="-285750">
+              <a:lnSpc>
+                <a:spcPct val="105000"/>
+              </a:lnSpc>
+              <a:buSzPts val="900"/>
+              <a:buFont typeface="Arial" panose="020B0604020202020204" pitchFamily="34" charset="0"/>
+              <a:buChar char="•"/>
+              <a:defRPr/>
+            </a:pPr>
+            <a:r>
+              <a:rPr lang="en-US" sz="1400" dirty="0" smtClean="0">
+                <a:solidFill>
+                  <a:srgbClr val="312D2A"/>
+                </a:solidFill>
+                <a:ea typeface="Questrial"/>
+                <a:cs typeface="Questrial"/>
+                <a:sym typeface="Questrial"/>
+                <a:hlinkClick r:id="rId9"/>
+              </a:rPr>
+              <a:t>Universal credit balance &amp; usage consumption</a:t>
+            </a:r>
+            <a:endParaRPr lang="en-US" sz="1400" dirty="0" smtClean="0">
+              <a:solidFill>
+                <a:srgbClr val="312D2A"/>
+              </a:solidFill>
+              <a:ea typeface="Questrial"/>
+              <a:cs typeface="Questrial"/>
+              <a:sym typeface="Questrial"/>
+            </a:endParaRPr>
+          </a:p>
+          <a:p>
+            <a:pPr marL="742950" lvl="1" indent="-285750">
+              <a:lnSpc>
+                <a:spcPct val="105000"/>
+              </a:lnSpc>
+              <a:buSzPts val="900"/>
+              <a:buFont typeface="Arial" panose="020B0604020202020204" pitchFamily="34" charset="0"/>
+              <a:buChar char="•"/>
+              <a:defRPr/>
+            </a:pPr>
+            <a:r>
+              <a:rPr lang="en-US" sz="1400" dirty="0" smtClean="0">
+                <a:solidFill>
+                  <a:srgbClr val="312D2A"/>
+                </a:solidFill>
+                <a:ea typeface="Questrial"/>
+                <a:cs typeface="Questrial"/>
+                <a:sym typeface="Questrial"/>
+                <a:hlinkClick r:id="rId10"/>
+              </a:rPr>
+              <a:t>Using Telemetry service with </a:t>
+            </a:r>
+            <a:r>
+              <a:rPr lang="en-US" sz="1400" dirty="0" err="1" smtClean="0">
+                <a:solidFill>
+                  <a:srgbClr val="312D2A"/>
+                </a:solidFill>
+                <a:ea typeface="Questrial"/>
+                <a:cs typeface="Questrial"/>
+                <a:sym typeface="Questrial"/>
+                <a:hlinkClick r:id="rId10"/>
+              </a:rPr>
+              <a:t>Grafana</a:t>
+            </a:r>
+            <a:r>
+              <a:rPr lang="en-US" sz="1400" dirty="0" smtClean="0">
+                <a:solidFill>
+                  <a:srgbClr val="312D2A"/>
+                </a:solidFill>
+                <a:ea typeface="Questrial"/>
+                <a:cs typeface="Questrial"/>
+                <a:sym typeface="Questrial"/>
+                <a:hlinkClick r:id="rId10"/>
+              </a:rPr>
+              <a:t> </a:t>
+            </a:r>
+            <a:endParaRPr lang="en-US" sz="1400" dirty="0" smtClean="0">
+              <a:solidFill>
+                <a:srgbClr val="312D2A"/>
+              </a:solidFill>
+              <a:ea typeface="Questrial"/>
+              <a:cs typeface="Questrial"/>
+              <a:sym typeface="Questrial"/>
+            </a:endParaRPr>
+          </a:p>
+          <a:p>
+            <a:pPr marL="742950" lvl="1" indent="-285750">
+              <a:lnSpc>
+                <a:spcPct val="105000"/>
+              </a:lnSpc>
+              <a:buSzPts val="900"/>
+              <a:buFont typeface="Arial" panose="020B0604020202020204" pitchFamily="34" charset="0"/>
+              <a:buChar char="•"/>
+              <a:defRPr/>
+            </a:pPr>
+            <a:r>
+              <a:rPr lang="en-US" sz="1400" dirty="0" smtClean="0">
+                <a:solidFill>
+                  <a:srgbClr val="312D2A"/>
+                </a:solidFill>
+                <a:ea typeface="Questrial"/>
+                <a:cs typeface="Questrial"/>
+                <a:sym typeface="Questrial"/>
+              </a:rPr>
+              <a:t>Nightly stop script</a:t>
+            </a:r>
+          </a:p>
+          <a:p>
+            <a:pPr marL="742950" lvl="1" indent="-285750">
+              <a:lnSpc>
+                <a:spcPct val="105000"/>
+              </a:lnSpc>
+              <a:buSzPts val="900"/>
+              <a:buFont typeface="Arial" panose="020B0604020202020204" pitchFamily="34" charset="0"/>
+              <a:buChar char="•"/>
+              <a:defRPr/>
+            </a:pPr>
+            <a:r>
+              <a:rPr lang="en-US" sz="1400" dirty="0" smtClean="0">
+                <a:solidFill>
+                  <a:srgbClr val="312D2A"/>
+                </a:solidFill>
+                <a:ea typeface="Questrial"/>
+                <a:cs typeface="Questrial"/>
+                <a:sym typeface="Questrial"/>
+              </a:rPr>
+              <a:t>Audit script with OCI CLI Audit logs </a:t>
+            </a:r>
+          </a:p>
+          <a:p>
+            <a:pPr marL="742950" lvl="1" indent="-285750">
+              <a:lnSpc>
+                <a:spcPct val="105000"/>
+              </a:lnSpc>
+              <a:buSzPts val="900"/>
+              <a:buFont typeface="Arial" panose="020B0604020202020204" pitchFamily="34" charset="0"/>
+              <a:buChar char="•"/>
+              <a:defRPr/>
+            </a:pPr>
+            <a:r>
+              <a:rPr lang="en-US" sz="1400" dirty="0">
+                <a:solidFill>
+                  <a:srgbClr val="312D2A"/>
+                </a:solidFill>
+                <a:ea typeface="Questrial"/>
+                <a:cs typeface="Questrial"/>
+                <a:sym typeface="Questrial"/>
+                <a:hlinkClick r:id="rId11"/>
+              </a:rPr>
+              <a:t>Autonomous databases, DB systems with </a:t>
+            </a:r>
+            <a:r>
+              <a:rPr lang="en-US" sz="1400" dirty="0" smtClean="0">
+                <a:solidFill>
+                  <a:srgbClr val="312D2A"/>
+                </a:solidFill>
+                <a:ea typeface="Questrial"/>
+                <a:cs typeface="Questrial"/>
+                <a:sym typeface="Questrial"/>
+                <a:hlinkClick r:id="rId11"/>
+              </a:rPr>
+              <a:t>OCI-CLI</a:t>
+            </a:r>
+            <a:endParaRPr lang="en-US" sz="1400" dirty="0" smtClean="0">
+              <a:solidFill>
+                <a:srgbClr val="312D2A"/>
+              </a:solidFill>
+              <a:ea typeface="Questrial"/>
+              <a:cs typeface="Questrial"/>
+              <a:sym typeface="Questrial"/>
+            </a:endParaRPr>
+          </a:p>
+          <a:p>
+            <a:pPr lvl="0">
+              <a:lnSpc>
+                <a:spcPct val="105000"/>
+              </a:lnSpc>
+              <a:buSzPts val="900"/>
+              <a:defRPr/>
+            </a:pPr>
+            <a:r>
+              <a:rPr lang="en-US" sz="1400" dirty="0">
+                <a:solidFill>
+                  <a:srgbClr val="312D2A"/>
+                </a:solidFill>
+                <a:ea typeface="Questrial"/>
+                <a:cs typeface="Questrial"/>
+                <a:sym typeface="Questrial"/>
+              </a:rPr>
+              <a:t>4</a:t>
+            </a:r>
+            <a:r>
+              <a:rPr lang="en-US" sz="1400" dirty="0" smtClean="0">
+                <a:solidFill>
+                  <a:srgbClr val="312D2A"/>
+                </a:solidFill>
+                <a:ea typeface="Questrial"/>
+                <a:cs typeface="Questrial"/>
+                <a:sym typeface="Questrial"/>
+              </a:rPr>
+              <a:t>. </a:t>
+            </a:r>
+            <a:r>
+              <a:rPr lang="en-US" sz="1400" dirty="0" smtClean="0">
+                <a:solidFill>
+                  <a:srgbClr val="312D2A"/>
+                </a:solidFill>
+                <a:ea typeface="Questrial"/>
+                <a:cs typeface="Questrial"/>
+                <a:sym typeface="Questrial"/>
+                <a:hlinkClick r:id="rId12"/>
+              </a:rPr>
+              <a:t>Oracle for Research OCI-CLI page</a:t>
+            </a:r>
+            <a:endParaRPr lang="en-US" sz="1400" dirty="0" smtClean="0">
+              <a:solidFill>
+                <a:srgbClr val="312D2A"/>
+              </a:solidFill>
+              <a:ea typeface="Questrial"/>
+              <a:cs typeface="Questrial"/>
+              <a:sym typeface="Questrial"/>
+            </a:endParaRPr>
+          </a:p>
+          <a:p>
+            <a:pPr lvl="0">
+              <a:lnSpc>
+                <a:spcPct val="105000"/>
+              </a:lnSpc>
+              <a:buSzPts val="900"/>
+              <a:defRPr/>
+            </a:pPr>
+            <a:r>
+              <a:rPr lang="en-US" sz="1400" dirty="0">
+                <a:solidFill>
+                  <a:srgbClr val="312D2A"/>
+                </a:solidFill>
+                <a:ea typeface="Questrial"/>
+                <a:cs typeface="Questrial"/>
+                <a:sym typeface="Questrial"/>
+              </a:rPr>
+              <a:t>5</a:t>
+            </a:r>
+            <a:r>
+              <a:rPr lang="en-US" sz="1400" dirty="0" smtClean="0">
+                <a:solidFill>
+                  <a:srgbClr val="312D2A"/>
+                </a:solidFill>
+                <a:ea typeface="Questrial"/>
+                <a:cs typeface="Questrial"/>
+                <a:sym typeface="Questrial"/>
+              </a:rPr>
+              <a:t>. </a:t>
+            </a:r>
+            <a:r>
+              <a:rPr lang="en-US" sz="1400" dirty="0" smtClean="0">
+                <a:solidFill>
+                  <a:srgbClr val="312D2A"/>
+                </a:solidFill>
+                <a:ea typeface="Questrial"/>
+                <a:cs typeface="Questrial"/>
+                <a:sym typeface="Questrial"/>
+                <a:hlinkClick r:id="rId13"/>
+              </a:rPr>
+              <a:t>Oracle OCI-CLI </a:t>
+            </a:r>
+            <a:r>
+              <a:rPr lang="en-US" sz="1400" dirty="0" err="1" smtClean="0">
+                <a:solidFill>
+                  <a:srgbClr val="312D2A"/>
+                </a:solidFill>
+                <a:ea typeface="Questrial"/>
+                <a:cs typeface="Questrial"/>
+                <a:sym typeface="Questrial"/>
+                <a:hlinkClick r:id="rId13"/>
+              </a:rPr>
+              <a:t>github</a:t>
+            </a:r>
+            <a:r>
+              <a:rPr lang="en-US" sz="1400" dirty="0" smtClean="0">
+                <a:solidFill>
+                  <a:srgbClr val="312D2A"/>
+                </a:solidFill>
+                <a:ea typeface="Questrial"/>
+                <a:cs typeface="Questrial"/>
+                <a:sym typeface="Questrial"/>
+                <a:hlinkClick r:id="rId13"/>
+              </a:rPr>
+              <a:t> page </a:t>
+            </a:r>
+            <a:endParaRPr lang="en-US" sz="1400" dirty="0" smtClean="0">
+              <a:solidFill>
+                <a:srgbClr val="312D2A"/>
+              </a:solidFill>
+              <a:ea typeface="Questrial"/>
+              <a:cs typeface="Questrial"/>
+              <a:sym typeface="Questrial"/>
+            </a:endParaRPr>
+          </a:p>
+          <a:p>
+            <a:pPr lvl="0">
+              <a:lnSpc>
+                <a:spcPct val="105000"/>
+              </a:lnSpc>
+              <a:buSzPts val="900"/>
+              <a:defRPr/>
+            </a:pPr>
+            <a:r>
+              <a:rPr lang="en-US" sz="1400" b="1" dirty="0" smtClean="0">
+                <a:solidFill>
+                  <a:srgbClr val="312D2A"/>
+                </a:solidFill>
+                <a:ea typeface="Questrial"/>
+                <a:cs typeface="Questrial"/>
+                <a:sym typeface="Questrial"/>
+              </a:rPr>
+              <a:t>OCI-CLI blogs </a:t>
+            </a:r>
+          </a:p>
+          <a:p>
+            <a:pPr lvl="0">
+              <a:lnSpc>
+                <a:spcPct val="105000"/>
+              </a:lnSpc>
+              <a:buSzPts val="900"/>
+              <a:defRPr/>
+            </a:pPr>
+            <a:r>
+              <a:rPr lang="en-US" sz="1400" dirty="0" smtClean="0">
+                <a:solidFill>
+                  <a:srgbClr val="312D2A"/>
+                </a:solidFill>
+                <a:ea typeface="Questrial"/>
+                <a:cs typeface="Questrial"/>
+                <a:sym typeface="Questrial"/>
+              </a:rPr>
+              <a:t>1. </a:t>
+            </a:r>
+            <a:r>
+              <a:rPr lang="en-US" sz="1400" dirty="0" smtClean="0">
+                <a:solidFill>
+                  <a:srgbClr val="312D2A"/>
+                </a:solidFill>
+                <a:ea typeface="Questrial"/>
+                <a:cs typeface="Questrial"/>
+                <a:sym typeface="Questrial"/>
+                <a:hlinkClick r:id="rId14"/>
+              </a:rPr>
+              <a:t>Introduction to CLI, API and OCI Data integration</a:t>
+            </a:r>
+            <a:endParaRPr lang="en-US" sz="1400" dirty="0" smtClean="0">
+              <a:solidFill>
+                <a:srgbClr val="312D2A"/>
+              </a:solidFill>
+              <a:ea typeface="Questrial"/>
+              <a:cs typeface="Questrial"/>
+              <a:sym typeface="Questrial"/>
+            </a:endParaRPr>
+          </a:p>
+          <a:p>
+            <a:pPr lvl="0">
+              <a:lnSpc>
+                <a:spcPct val="105000"/>
+              </a:lnSpc>
+              <a:buSzPts val="900"/>
+              <a:defRPr/>
+            </a:pPr>
+            <a:r>
+              <a:rPr lang="en-US" sz="1400" dirty="0" smtClean="0">
+                <a:solidFill>
+                  <a:srgbClr val="312D2A"/>
+                </a:solidFill>
+                <a:ea typeface="Questrial"/>
+                <a:cs typeface="Questrial"/>
+                <a:sym typeface="Questrial"/>
+              </a:rPr>
+              <a:t>2. </a:t>
+            </a:r>
+            <a:r>
+              <a:rPr lang="en-US" sz="1400" dirty="0" smtClean="0">
+                <a:solidFill>
+                  <a:srgbClr val="312D2A"/>
+                </a:solidFill>
+                <a:ea typeface="Questrial"/>
+                <a:cs typeface="Questrial"/>
+                <a:sym typeface="Questrial"/>
+                <a:hlinkClick r:id="rId15"/>
+              </a:rPr>
+              <a:t>Easy provisioning with OCI-CLI</a:t>
+            </a:r>
+            <a:endParaRPr lang="en-US" sz="1400" dirty="0" smtClean="0">
+              <a:solidFill>
+                <a:srgbClr val="312D2A"/>
+              </a:solidFill>
+              <a:ea typeface="Questrial"/>
+              <a:cs typeface="Questrial"/>
+              <a:sym typeface="Questrial"/>
+            </a:endParaRPr>
+          </a:p>
+          <a:p>
+            <a:pPr lvl="0">
+              <a:lnSpc>
+                <a:spcPct val="105000"/>
+              </a:lnSpc>
+              <a:buSzPts val="900"/>
+              <a:defRPr/>
+            </a:pPr>
+            <a:r>
+              <a:rPr lang="en-US" sz="1400" dirty="0">
+                <a:solidFill>
+                  <a:srgbClr val="312D2A"/>
+                </a:solidFill>
+                <a:ea typeface="Questrial"/>
+                <a:cs typeface="Questrial"/>
+                <a:sym typeface="Questrial"/>
+              </a:rPr>
+              <a:t>3</a:t>
+            </a:r>
+            <a:r>
+              <a:rPr lang="en-US" sz="1400" dirty="0" smtClean="0">
+                <a:solidFill>
+                  <a:srgbClr val="312D2A"/>
+                </a:solidFill>
+                <a:ea typeface="Questrial"/>
+                <a:cs typeface="Questrial"/>
+                <a:sym typeface="Questrial"/>
+              </a:rPr>
+              <a:t>. </a:t>
+            </a:r>
+            <a:r>
+              <a:rPr lang="en-US" sz="1400" dirty="0" smtClean="0">
+                <a:solidFill>
+                  <a:srgbClr val="312D2A"/>
+                </a:solidFill>
+                <a:ea typeface="Questrial"/>
+                <a:cs typeface="Questrial"/>
+                <a:sym typeface="Questrial"/>
+                <a:hlinkClick r:id="rId16"/>
+              </a:rPr>
+              <a:t>Using OCI-CLI with Kubernetes </a:t>
+            </a:r>
+            <a:r>
+              <a:rPr lang="en-US" sz="1400" dirty="0" err="1" smtClean="0">
+                <a:solidFill>
+                  <a:srgbClr val="312D2A"/>
+                </a:solidFill>
+                <a:ea typeface="Questrial"/>
+                <a:cs typeface="Questrial"/>
+                <a:sym typeface="Questrial"/>
+                <a:hlinkClick r:id="rId16"/>
+              </a:rPr>
+              <a:t>cron</a:t>
+            </a:r>
+            <a:r>
+              <a:rPr lang="en-US" sz="1400" dirty="0" smtClean="0">
+                <a:solidFill>
+                  <a:srgbClr val="312D2A"/>
+                </a:solidFill>
+                <a:ea typeface="Questrial"/>
+                <a:cs typeface="Questrial"/>
+                <a:sym typeface="Questrial"/>
+                <a:hlinkClick r:id="rId16"/>
+              </a:rPr>
+              <a:t>-jobs</a:t>
+            </a:r>
+            <a:endParaRPr lang="en-US" sz="1400" dirty="0" smtClean="0">
+              <a:solidFill>
+                <a:srgbClr val="312D2A"/>
+              </a:solidFill>
+              <a:ea typeface="Questrial"/>
+              <a:cs typeface="Questrial"/>
+              <a:sym typeface="Questrial"/>
+            </a:endParaRPr>
+          </a:p>
+          <a:p>
+            <a:pPr lvl="0">
+              <a:lnSpc>
+                <a:spcPct val="105000"/>
+              </a:lnSpc>
+              <a:buSzPts val="900"/>
+              <a:defRPr/>
+            </a:pPr>
+            <a:r>
+              <a:rPr lang="en-US" sz="1400" dirty="0" smtClean="0">
+                <a:solidFill>
+                  <a:srgbClr val="312D2A"/>
+                </a:solidFill>
+                <a:ea typeface="Questrial"/>
+                <a:cs typeface="Questrial"/>
+                <a:sym typeface="Questrial"/>
+              </a:rPr>
+              <a:t>4. </a:t>
+            </a:r>
+            <a:r>
+              <a:rPr lang="en-US" sz="1400" dirty="0" smtClean="0">
+                <a:solidFill>
+                  <a:srgbClr val="312D2A"/>
+                </a:solidFill>
+                <a:ea typeface="Questrial"/>
+                <a:cs typeface="Questrial"/>
+                <a:sym typeface="Questrial"/>
+                <a:hlinkClick r:id="rId17"/>
+              </a:rPr>
+              <a:t>Quickly run OCI-CLI with Docker container</a:t>
+            </a:r>
+            <a:endParaRPr lang="en-US" sz="1400" dirty="0" smtClean="0">
+              <a:solidFill>
+                <a:srgbClr val="312D2A"/>
+              </a:solidFill>
+              <a:ea typeface="Questrial"/>
+              <a:cs typeface="Questrial"/>
+              <a:sym typeface="Questrial"/>
+            </a:endParaRPr>
+          </a:p>
+          <a:p>
+            <a:pPr lvl="0">
+              <a:lnSpc>
+                <a:spcPct val="105000"/>
+              </a:lnSpc>
+              <a:buSzPts val="900"/>
+              <a:defRPr/>
+            </a:pPr>
+            <a:r>
+              <a:rPr lang="en-US" sz="1400" dirty="0" smtClean="0">
+                <a:solidFill>
+                  <a:srgbClr val="312D2A"/>
+                </a:solidFill>
+                <a:ea typeface="Questrial"/>
+                <a:cs typeface="Questrial"/>
+                <a:sym typeface="Questrial"/>
+              </a:rPr>
+              <a:t>4. </a:t>
+            </a:r>
+            <a:r>
+              <a:rPr lang="en-US" sz="1400" dirty="0" smtClean="0">
+                <a:solidFill>
+                  <a:srgbClr val="312D2A"/>
+                </a:solidFill>
+                <a:ea typeface="Questrial"/>
+                <a:cs typeface="Questrial"/>
+                <a:sym typeface="Questrial"/>
+                <a:hlinkClick r:id="rId18"/>
+              </a:rPr>
+              <a:t>OCI-CLI with a federation from a Docker container </a:t>
+            </a:r>
+            <a:endParaRPr lang="en-US" sz="1400" dirty="0" smtClean="0">
+              <a:solidFill>
+                <a:srgbClr val="312D2A"/>
+              </a:solidFill>
+              <a:ea typeface="Questrial"/>
+              <a:cs typeface="Questrial"/>
+              <a:sym typeface="Questrial"/>
+            </a:endParaRPr>
+          </a:p>
+          <a:p>
+            <a:pPr lvl="0">
+              <a:lnSpc>
+                <a:spcPct val="105000"/>
+              </a:lnSpc>
+              <a:buSzPts val="900"/>
+              <a:defRPr/>
+            </a:pPr>
+            <a:r>
+              <a:rPr lang="en-US" sz="1400" dirty="0" smtClean="0">
+                <a:solidFill>
+                  <a:srgbClr val="312D2A"/>
+                </a:solidFill>
+                <a:ea typeface="Questrial"/>
+                <a:cs typeface="Questrial"/>
+                <a:sym typeface="Questrial"/>
+              </a:rPr>
+              <a:t>5. </a:t>
+            </a:r>
+            <a:r>
+              <a:rPr lang="en-US" sz="1400" dirty="0" smtClean="0">
+                <a:solidFill>
+                  <a:srgbClr val="312D2A"/>
+                </a:solidFill>
+                <a:ea typeface="Questrial"/>
+                <a:cs typeface="Questrial"/>
+                <a:sym typeface="Questrial"/>
+                <a:hlinkClick r:id="rId19"/>
+              </a:rPr>
+              <a:t>Deploying a </a:t>
+            </a:r>
+            <a:r>
+              <a:rPr lang="en-US" sz="1400" dirty="0" err="1" smtClean="0">
+                <a:solidFill>
+                  <a:srgbClr val="312D2A"/>
+                </a:solidFill>
+                <a:ea typeface="Questrial"/>
+                <a:cs typeface="Questrial"/>
+                <a:sym typeface="Questrial"/>
+                <a:hlinkClick r:id="rId19"/>
+              </a:rPr>
+              <a:t>microservice</a:t>
+            </a:r>
+            <a:r>
+              <a:rPr lang="en-US" sz="1400" dirty="0" smtClean="0">
+                <a:solidFill>
+                  <a:srgbClr val="312D2A"/>
+                </a:solidFill>
+                <a:ea typeface="Questrial"/>
+                <a:cs typeface="Questrial"/>
+                <a:sym typeface="Questrial"/>
+                <a:hlinkClick r:id="rId19"/>
+              </a:rPr>
+              <a:t> to Oracle cloud with </a:t>
+            </a:r>
+            <a:r>
+              <a:rPr lang="en-US" sz="1400" dirty="0" err="1" smtClean="0">
+                <a:solidFill>
+                  <a:srgbClr val="312D2A"/>
+                </a:solidFill>
+                <a:ea typeface="Questrial"/>
+                <a:cs typeface="Questrial"/>
+                <a:sym typeface="Questrial"/>
+                <a:hlinkClick r:id="rId19"/>
+              </a:rPr>
+              <a:t>Github</a:t>
+            </a:r>
+            <a:r>
+              <a:rPr lang="en-US" sz="1400" dirty="0" smtClean="0">
+                <a:solidFill>
+                  <a:srgbClr val="312D2A"/>
+                </a:solidFill>
+                <a:ea typeface="Questrial"/>
+                <a:cs typeface="Questrial"/>
+                <a:sym typeface="Questrial"/>
+                <a:hlinkClick r:id="rId19"/>
+              </a:rPr>
+              <a:t> actions</a:t>
+            </a:r>
+            <a:endParaRPr lang="en-US" sz="1400" dirty="0" smtClean="0">
+              <a:solidFill>
+                <a:srgbClr val="312D2A"/>
+              </a:solidFill>
+              <a:ea typeface="Questrial"/>
+              <a:cs typeface="Questrial"/>
+              <a:sym typeface="Questrial"/>
+            </a:endParaRPr>
+          </a:p>
+          <a:p>
+            <a:pPr lvl="0">
+              <a:lnSpc>
+                <a:spcPct val="105000"/>
+              </a:lnSpc>
+              <a:buSzPts val="900"/>
+              <a:defRPr/>
+            </a:pPr>
+            <a:r>
+              <a:rPr lang="en-US" sz="1400" dirty="0" smtClean="0">
+                <a:solidFill>
+                  <a:srgbClr val="312D2A"/>
+                </a:solidFill>
+                <a:ea typeface="Questrial"/>
+                <a:cs typeface="Questrial"/>
+                <a:sym typeface="Questrial"/>
+              </a:rPr>
+              <a:t>6. </a:t>
+            </a:r>
+            <a:r>
+              <a:rPr lang="en-US" sz="1400" dirty="0" smtClean="0">
+                <a:solidFill>
+                  <a:srgbClr val="312D2A"/>
+                </a:solidFill>
+                <a:ea typeface="Questrial"/>
+                <a:cs typeface="Questrial"/>
+                <a:sym typeface="Questrial"/>
+                <a:hlinkClick r:id="rId20"/>
+              </a:rPr>
+              <a:t>New packages for OCI-CLI/</a:t>
+            </a:r>
+            <a:r>
+              <a:rPr lang="en-US" sz="1400" dirty="0" err="1" smtClean="0">
+                <a:solidFill>
+                  <a:srgbClr val="312D2A"/>
+                </a:solidFill>
+                <a:ea typeface="Questrial"/>
+                <a:cs typeface="Questrial"/>
+                <a:sym typeface="Questrial"/>
+                <a:hlinkClick r:id="rId20"/>
+              </a:rPr>
+              <a:t>GlusterFS</a:t>
+            </a:r>
+            <a:r>
+              <a:rPr lang="en-US" sz="1400" dirty="0" smtClean="0">
+                <a:solidFill>
+                  <a:srgbClr val="312D2A"/>
+                </a:solidFill>
+                <a:ea typeface="Questrial"/>
+                <a:cs typeface="Questrial"/>
+                <a:sym typeface="Questrial"/>
+                <a:hlinkClick r:id="rId20"/>
+              </a:rPr>
+              <a:t> , Terraform</a:t>
+            </a:r>
+            <a:endParaRPr lang="en-US" sz="1400" dirty="0" smtClean="0">
+              <a:solidFill>
+                <a:srgbClr val="312D2A"/>
+              </a:solidFill>
+              <a:ea typeface="Questrial"/>
+              <a:cs typeface="Questrial"/>
+              <a:sym typeface="Questrial"/>
+            </a:endParaRPr>
+          </a:p>
+          <a:p>
+            <a:pPr lvl="0">
+              <a:lnSpc>
+                <a:spcPct val="105000"/>
+              </a:lnSpc>
+              <a:buSzPts val="900"/>
+              <a:defRPr/>
+            </a:pPr>
+            <a:r>
+              <a:rPr lang="en-US" sz="1400" dirty="0" smtClean="0">
+                <a:solidFill>
+                  <a:srgbClr val="312D2A"/>
+                </a:solidFill>
+                <a:ea typeface="Questrial"/>
+                <a:cs typeface="Questrial"/>
+                <a:sym typeface="Questrial"/>
+              </a:rPr>
+              <a:t>8. </a:t>
+            </a:r>
+            <a:r>
+              <a:rPr lang="en-US" sz="1400" dirty="0" smtClean="0">
+                <a:solidFill>
+                  <a:srgbClr val="312D2A"/>
+                </a:solidFill>
+                <a:ea typeface="Questrial"/>
+                <a:cs typeface="Questrial"/>
+                <a:sym typeface="Questrial"/>
+                <a:hlinkClick r:id="rId21"/>
+              </a:rPr>
+              <a:t>Automated CLI scripts to scale autonomous databases</a:t>
+            </a:r>
+            <a:endParaRPr lang="en-US" sz="1400" dirty="0" smtClean="0">
+              <a:solidFill>
+                <a:srgbClr val="312D2A"/>
+              </a:solidFill>
+              <a:ea typeface="Questrial"/>
+              <a:cs typeface="Questrial"/>
+              <a:sym typeface="Questrial"/>
+            </a:endParaRPr>
+          </a:p>
+          <a:p>
+            <a:pPr lvl="0">
+              <a:lnSpc>
+                <a:spcPct val="105000"/>
+              </a:lnSpc>
+              <a:buSzPts val="900"/>
+              <a:defRPr/>
+            </a:pPr>
+            <a:r>
+              <a:rPr lang="en-US" sz="1400" dirty="0" smtClean="0">
+                <a:solidFill>
+                  <a:srgbClr val="312D2A"/>
+                </a:solidFill>
+                <a:ea typeface="Questrial"/>
+                <a:cs typeface="Questrial"/>
+                <a:sym typeface="Questrial"/>
+              </a:rPr>
+              <a:t>9. </a:t>
+            </a:r>
+            <a:r>
+              <a:rPr lang="en-US" sz="1400" dirty="0" smtClean="0">
+                <a:solidFill>
+                  <a:srgbClr val="312D2A"/>
+                </a:solidFill>
+                <a:ea typeface="Questrial"/>
+                <a:cs typeface="Questrial"/>
+                <a:sym typeface="Questrial"/>
+                <a:hlinkClick r:id="rId22"/>
+              </a:rPr>
+              <a:t>Using CLI with Restricted object store buckets</a:t>
+            </a:r>
+            <a:endParaRPr lang="en-US" sz="1400" dirty="0" smtClean="0">
+              <a:solidFill>
+                <a:srgbClr val="312D2A"/>
+              </a:solidFill>
+              <a:ea typeface="Questrial"/>
+              <a:cs typeface="Questrial"/>
+              <a:sym typeface="Questrial"/>
+            </a:endParaRPr>
           </a:p>
         </p:txBody>
       </p:sp>
     </p:spTree>
     <p:extLst>
       <p:ext uri="{BB962C8B-B14F-4D97-AF65-F5344CB8AC3E}">
-        <p14:creationId xmlns:p14="http://schemas.microsoft.com/office/powerpoint/2010/main" val="2882968853"/>
+        <p14:creationId xmlns:p14="http://schemas.microsoft.com/office/powerpoint/2010/main" val="2517097189"/>
       </p:ext>
     </p:extLst>
   </p:cSld>
